--- a/LetsHackYourToy.pptx
+++ b/LetsHackYourToy.pptx
@@ -12401,7 +12401,62 @@
           <a:bodyPr/>
           <a:lstStyle/>
           <a:p>
-            <a:endParaRPr lang="en-US"/>
+            <a:pPr marL="0" indent="0">
+              <a:buNone/>
+            </a:pPr>
+            <a:r>
+              <a:rPr lang="en-US" dirty="0">
+                <a:hlinkClick r:id="rId2"/>
+              </a:rPr>
+              <a:t>https://github.com/jackmg2/LetsHackYourToy</a:t>
+            </a:r>
+            <a:endParaRPr lang="en-US" dirty="0"/>
+          </a:p>
+          <a:p>
+            <a:pPr marL="0" indent="0">
+              <a:buNone/>
+            </a:pPr>
+            <a:r>
+              <a:rPr lang="en-US" dirty="0">
+                <a:hlinkClick r:id="rId3"/>
+              </a:rPr>
+              <a:t>https://buttplug.io/</a:t>
+            </a:r>
+            <a:endParaRPr lang="en-US" dirty="0"/>
+          </a:p>
+          <a:p>
+            <a:pPr marL="0" indent="0">
+              <a:buNone/>
+            </a:pPr>
+            <a:r>
+              <a:rPr lang="en-US" dirty="0">
+                <a:hlinkClick r:id="rId4"/>
+              </a:rPr>
+              <a:t>http://discord.buttplug.io/</a:t>
+            </a:r>
+            <a:endParaRPr lang="en-US" dirty="0"/>
+          </a:p>
+          <a:p>
+            <a:pPr marL="0" indent="0">
+              <a:buNone/>
+            </a:pPr>
+            <a:endParaRPr lang="en-US" dirty="0"/>
+          </a:p>
+          <a:p>
+            <a:pPr marL="0" indent="0">
+              <a:buNone/>
+            </a:pPr>
+            <a:r>
+              <a:rPr lang="en-US">
+                <a:hlinkClick r:id="rId5"/>
+              </a:rPr>
+              <a:t>https://www.w3schools.com/js/</a:t>
+            </a:r>
+            <a:r>
+              <a:rPr lang="en-US"/>
+              <a:t> </a:t>
+            </a:r>
+            <a:endParaRPr lang="en-US" dirty="0"/>
           </a:p>
         </p:txBody>
       </p:sp>

--- a/LetsHackYourToy.pptx
+++ b/LetsHackYourToy.pptx
@@ -11,10 +11,15 @@
     <p:sldId id="260" r:id="rId5"/>
     <p:sldId id="261" r:id="rId6"/>
     <p:sldId id="265" r:id="rId7"/>
-    <p:sldId id="258" r:id="rId8"/>
-    <p:sldId id="264" r:id="rId9"/>
-    <p:sldId id="262" r:id="rId10"/>
-    <p:sldId id="263" r:id="rId11"/>
+    <p:sldId id="266" r:id="rId8"/>
+    <p:sldId id="267" r:id="rId9"/>
+    <p:sldId id="268" r:id="rId10"/>
+    <p:sldId id="269" r:id="rId11"/>
+    <p:sldId id="270" r:id="rId12"/>
+    <p:sldId id="258" r:id="rId13"/>
+    <p:sldId id="264" r:id="rId14"/>
+    <p:sldId id="262" r:id="rId15"/>
+    <p:sldId id="263" r:id="rId16"/>
   </p:sldIdLst>
   <p:sldSz cx="12192000" cy="6858000"/>
   <p:notesSz cx="6858000" cy="9144000"/>
@@ -3325,7 +3330,7 @@
             <a:defRPr cap="all"/>
           </a:pPr>
           <a:r>
-            <a:rPr lang="en-US" sz="1500"/>
+            <a:rPr lang="en-US" sz="1500" dirty="0"/>
             <a:t>Sync with a video </a:t>
           </a:r>
         </a:p>
@@ -3337,18 +3342,18 @@
             <a:defRPr cap="all"/>
           </a:pPr>
           <a:r>
-            <a:rPr lang="en-US" sz="1200"/>
+            <a:rPr lang="en-US" sz="1200" dirty="0"/>
             <a:t>(see my </a:t>
           </a:r>
           <a:r>
-            <a:rPr lang="en-US" sz="1200" err="1"/>
+            <a:rPr lang="en-US" sz="1200" dirty="0" err="1"/>
             <a:t>github</a:t>
           </a:r>
           <a:r>
-            <a:rPr lang="en-US" sz="1200"/>
+            <a:rPr lang="en-US" sz="1200" dirty="0"/>
             <a:t>)</a:t>
           </a:r>
-          <a:endParaRPr lang="en-US" sz="1500"/>
+          <a:endParaRPr lang="en-US" sz="1500" dirty="0"/>
         </a:p>
       </dgm:t>
     </dgm:pt>
@@ -3566,7 +3571,7 @@
       <dgm:spPr/>
     </dgm:pt>
     <dgm:pt modelId="{2668D438-6ADB-433D-9D48-72D166180673}" type="pres">
-      <dgm:prSet presAssocID="{82966BF7-A41A-4BB0-B977-512DBCF48D1D}" presName="iconBgRect" presStyleLbl="bgShp" presStyleIdx="3" presStyleCnt="5"/>
+      <dgm:prSet presAssocID="{82966BF7-A41A-4BB0-B977-512DBCF48D1D}" presName="iconBgRect" presStyleLbl="bgShp" presStyleIdx="3" presStyleCnt="5" custLinFactX="96022" custLinFactNeighborX="100000" custLinFactNeighborY="-4025"/>
       <dgm:spPr>
         <a:prstGeom prst="round2DiagRect">
           <a:avLst>
@@ -3577,7 +3582,7 @@
       </dgm:spPr>
     </dgm:pt>
     <dgm:pt modelId="{28CDC006-CBA5-4946-873B-C160DBA4C4F7}" type="pres">
-      <dgm:prSet presAssocID="{82966BF7-A41A-4BB0-B977-512DBCF48D1D}" presName="iconRect" presStyleLbl="node1" presStyleIdx="3" presStyleCnt="5"/>
+      <dgm:prSet presAssocID="{82966BF7-A41A-4BB0-B977-512DBCF48D1D}" presName="iconRect" presStyleLbl="node1" presStyleIdx="3" presStyleCnt="5" custLinFactX="141639" custLinFactNeighborX="200000" custLinFactNeighborY="-7015"/>
       <dgm:spPr>
         <a:blipFill>
           <a:blip xmlns:r="http://schemas.openxmlformats.org/officeDocument/2006/relationships" r:embed="rId7">
@@ -3609,7 +3614,7 @@
       <dgm:spPr/>
     </dgm:pt>
     <dgm:pt modelId="{ABC0EF48-79A2-416E-8B1C-7EEC8244520F}" type="pres">
-      <dgm:prSet presAssocID="{82966BF7-A41A-4BB0-B977-512DBCF48D1D}" presName="textRect" presStyleLbl="revTx" presStyleIdx="3" presStyleCnt="5">
+      <dgm:prSet presAssocID="{82966BF7-A41A-4BB0-B977-512DBCF48D1D}" presName="textRect" presStyleLbl="revTx" presStyleIdx="3" presStyleCnt="5" custLinFactX="19574" custLinFactNeighborX="100000" custLinFactNeighborY="-6674">
         <dgm:presLayoutVars>
           <dgm:chMax val="1"/>
           <dgm:chPref val="1"/>
@@ -3626,7 +3631,7 @@
       <dgm:spPr/>
     </dgm:pt>
     <dgm:pt modelId="{657AE2F9-192D-47EC-BDF4-07BEB12AAEAB}" type="pres">
-      <dgm:prSet presAssocID="{9EB40916-D167-4E81-88F1-02E2162B1B4F}" presName="iconBgRect" presStyleLbl="bgShp" presStyleIdx="4" presStyleCnt="5"/>
+      <dgm:prSet presAssocID="{9EB40916-D167-4E81-88F1-02E2162B1B4F}" presName="iconBgRect" presStyleLbl="bgShp" presStyleIdx="4" presStyleCnt="5" custLinFactX="-84717" custLinFactNeighborX="-100000" custLinFactNeighborY="-4025"/>
       <dgm:spPr>
         <a:prstGeom prst="round2DiagRect">
           <a:avLst>
@@ -3637,7 +3642,7 @@
       </dgm:spPr>
     </dgm:pt>
     <dgm:pt modelId="{8C5F88AE-3803-42F1-BB2A-C4DBA8F3C141}" type="pres">
-      <dgm:prSet presAssocID="{9EB40916-D167-4E81-88F1-02E2162B1B4F}" presName="iconRect" presStyleLbl="node1" presStyleIdx="4" presStyleCnt="5"/>
+      <dgm:prSet presAssocID="{9EB40916-D167-4E81-88F1-02E2162B1B4F}" presName="iconRect" presStyleLbl="node1" presStyleIdx="4" presStyleCnt="5" custLinFactX="-121935" custLinFactNeighborX="-200000" custLinFactNeighborY="-7015"/>
       <dgm:spPr>
         <a:blipFill>
           <a:blip xmlns:r="http://schemas.openxmlformats.org/officeDocument/2006/relationships" r:embed="rId9">
@@ -3667,7 +3672,7 @@
       <dgm:spPr/>
     </dgm:pt>
     <dgm:pt modelId="{85A0C469-3E8F-4A18-849E-390B3131DC32}" type="pres">
-      <dgm:prSet presAssocID="{9EB40916-D167-4E81-88F1-02E2162B1B4F}" presName="textRect" presStyleLbl="revTx" presStyleIdx="4" presStyleCnt="5">
+      <dgm:prSet presAssocID="{9EB40916-D167-4E81-88F1-02E2162B1B4F}" presName="textRect" presStyleLbl="revTx" presStyleIdx="4" presStyleCnt="5" custLinFactX="-11787" custLinFactNeighborX="-100000" custLinFactNeighborY="-7839">
         <dgm:presLayoutVars>
           <dgm:chMax val="1"/>
           <dgm:chPref val="1"/>
@@ -4906,7 +4911,7 @@
       </dsp:nvSpPr>
       <dsp:spPr>
         <a:xfrm>
-          <a:off x="1668478" y="2964990"/>
+          <a:off x="4008775" y="2916936"/>
           <a:ext cx="1193895" cy="1193895"/>
         </a:xfrm>
         <a:prstGeom prst="round2DiagRect">
@@ -4948,7 +4953,7 @@
       </dsp:nvSpPr>
       <dsp:spPr>
         <a:xfrm>
-          <a:off x="1922914" y="3219427"/>
+          <a:off x="4263216" y="3171373"/>
           <a:ext cx="685021" cy="685021"/>
         </a:xfrm>
         <a:prstGeom prst="rect">
@@ -4998,7 +5003,7 @@
       </dsp:nvSpPr>
       <dsp:spPr>
         <a:xfrm>
-          <a:off x="1286823" y="4530754"/>
+          <a:off x="3627131" y="4482702"/>
           <a:ext cx="1957205" cy="720000"/>
         </a:xfrm>
         <a:prstGeom prst="rect">
@@ -5075,7 +5080,7 @@
         </a:p>
       </dsp:txBody>
       <dsp:txXfrm>
-        <a:off x="1286823" y="4530754"/>
+        <a:off x="3627131" y="4482702"/>
         <a:ext cx="1957205" cy="720000"/>
       </dsp:txXfrm>
     </dsp:sp>
@@ -5086,7 +5091,7 @@
       </dsp:nvSpPr>
       <dsp:spPr>
         <a:xfrm>
-          <a:off x="3968194" y="2964990"/>
+          <a:off x="1762867" y="2916936"/>
           <a:ext cx="1193895" cy="1193895"/>
         </a:xfrm>
         <a:prstGeom prst="round2DiagRect">
@@ -5128,7 +5133,7 @@
       </dsp:nvSpPr>
       <dsp:spPr>
         <a:xfrm>
-          <a:off x="4222631" y="3219427"/>
+          <a:off x="2017306" y="3171373"/>
           <a:ext cx="685021" cy="685021"/>
         </a:xfrm>
         <a:prstGeom prst="rect">
@@ -5176,7 +5181,7 @@
       </dsp:nvSpPr>
       <dsp:spPr>
         <a:xfrm>
-          <a:off x="3586539" y="4530754"/>
+          <a:off x="1398638" y="4474314"/>
           <a:ext cx="1957205" cy="720000"/>
         </a:xfrm>
         <a:prstGeom prst="rect">
@@ -5220,7 +5225,7 @@
             <a:defRPr cap="all"/>
           </a:pPr>
           <a:r>
-            <a:rPr lang="en-US" sz="1500" kern="1200"/>
+            <a:rPr lang="en-US" sz="1500" kern="1200" dirty="0"/>
             <a:t>Sync with a video </a:t>
           </a:r>
         </a:p>
@@ -5239,22 +5244,22 @@
             <a:defRPr cap="all"/>
           </a:pPr>
           <a:r>
-            <a:rPr lang="en-US" sz="1200" kern="1200"/>
+            <a:rPr lang="en-US" sz="1200" kern="1200" dirty="0"/>
             <a:t>(see my </a:t>
           </a:r>
           <a:r>
-            <a:rPr lang="en-US" sz="1200" kern="1200" err="1"/>
+            <a:rPr lang="en-US" sz="1200" kern="1200" dirty="0" err="1"/>
             <a:t>github</a:t>
           </a:r>
           <a:r>
-            <a:rPr lang="en-US" sz="1200" kern="1200"/>
+            <a:rPr lang="en-US" sz="1200" kern="1200" dirty="0"/>
             <a:t>)</a:t>
           </a:r>
-          <a:endParaRPr lang="en-US" sz="1500" kern="1200"/>
+          <a:endParaRPr lang="en-US" sz="1500" kern="1200" dirty="0"/>
         </a:p>
       </dsp:txBody>
       <dsp:txXfrm>
-        <a:off x="3586539" y="4530754"/>
+        <a:off x="1398638" y="4474314"/>
         <a:ext cx="1957205" cy="720000"/>
       </dsp:txXfrm>
     </dsp:sp>
@@ -9180,7 +9185,7 @@
           <a:p>
             <a:fld id="{1B33272F-BE77-44CE-9045-6A1A5E196919}" type="datetimeFigureOut">
               <a:rPr lang="en-US" smtClean="0"/>
-              <a:t>6/30/2020</a:t>
+              <a:t>7/7/2020</a:t>
             </a:fld>
             <a:endParaRPr lang="en-US"/>
           </a:p>
@@ -9378,7 +9383,7 @@
           <a:p>
             <a:fld id="{1B33272F-BE77-44CE-9045-6A1A5E196919}" type="datetimeFigureOut">
               <a:rPr lang="en-US" smtClean="0"/>
-              <a:t>6/30/2020</a:t>
+              <a:t>7/7/2020</a:t>
             </a:fld>
             <a:endParaRPr lang="en-US"/>
           </a:p>
@@ -9586,7 +9591,7 @@
           <a:p>
             <a:fld id="{1B33272F-BE77-44CE-9045-6A1A5E196919}" type="datetimeFigureOut">
               <a:rPr lang="en-US" smtClean="0"/>
-              <a:t>6/30/2020</a:t>
+              <a:t>7/7/2020</a:t>
             </a:fld>
             <a:endParaRPr lang="en-US"/>
           </a:p>
@@ -9784,7 +9789,7 @@
           <a:p>
             <a:fld id="{1B33272F-BE77-44CE-9045-6A1A5E196919}" type="datetimeFigureOut">
               <a:rPr lang="en-US" smtClean="0"/>
-              <a:t>6/30/2020</a:t>
+              <a:t>7/7/2020</a:t>
             </a:fld>
             <a:endParaRPr lang="en-US"/>
           </a:p>
@@ -10059,7 +10064,7 @@
           <a:p>
             <a:fld id="{1B33272F-BE77-44CE-9045-6A1A5E196919}" type="datetimeFigureOut">
               <a:rPr lang="en-US" smtClean="0"/>
-              <a:t>6/30/2020</a:t>
+              <a:t>7/7/2020</a:t>
             </a:fld>
             <a:endParaRPr lang="en-US"/>
           </a:p>
@@ -10324,7 +10329,7 @@
           <a:p>
             <a:fld id="{1B33272F-BE77-44CE-9045-6A1A5E196919}" type="datetimeFigureOut">
               <a:rPr lang="en-US" smtClean="0"/>
-              <a:t>6/30/2020</a:t>
+              <a:t>7/7/2020</a:t>
             </a:fld>
             <a:endParaRPr lang="en-US"/>
           </a:p>
@@ -10736,7 +10741,7 @@
           <a:p>
             <a:fld id="{1B33272F-BE77-44CE-9045-6A1A5E196919}" type="datetimeFigureOut">
               <a:rPr lang="en-US" smtClean="0"/>
-              <a:t>6/30/2020</a:t>
+              <a:t>7/7/2020</a:t>
             </a:fld>
             <a:endParaRPr lang="en-US"/>
           </a:p>
@@ -10877,7 +10882,7 @@
           <a:p>
             <a:fld id="{1B33272F-BE77-44CE-9045-6A1A5E196919}" type="datetimeFigureOut">
               <a:rPr lang="en-US" smtClean="0"/>
-              <a:t>6/30/2020</a:t>
+              <a:t>7/7/2020</a:t>
             </a:fld>
             <a:endParaRPr lang="en-US"/>
           </a:p>
@@ -10990,7 +10995,7 @@
           <a:p>
             <a:fld id="{1B33272F-BE77-44CE-9045-6A1A5E196919}" type="datetimeFigureOut">
               <a:rPr lang="en-US" smtClean="0"/>
-              <a:t>6/30/2020</a:t>
+              <a:t>7/7/2020</a:t>
             </a:fld>
             <a:endParaRPr lang="en-US"/>
           </a:p>
@@ -11301,7 +11306,7 @@
           <a:p>
             <a:fld id="{1B33272F-BE77-44CE-9045-6A1A5E196919}" type="datetimeFigureOut">
               <a:rPr lang="en-US" smtClean="0"/>
-              <a:t>6/30/2020</a:t>
+              <a:t>7/7/2020</a:t>
             </a:fld>
             <a:endParaRPr lang="en-US"/>
           </a:p>
@@ -11589,7 +11594,7 @@
           <a:p>
             <a:fld id="{1B33272F-BE77-44CE-9045-6A1A5E196919}" type="datetimeFigureOut">
               <a:rPr lang="en-US" smtClean="0"/>
-              <a:t>6/30/2020</a:t>
+              <a:t>7/7/2020</a:t>
             </a:fld>
             <a:endParaRPr lang="en-US"/>
           </a:p>
@@ -11830,7 +11835,7 @@
           <a:p>
             <a:fld id="{1B33272F-BE77-44CE-9045-6A1A5E196919}" type="datetimeFigureOut">
               <a:rPr lang="en-US" smtClean="0"/>
-              <a:t>6/30/2020</a:t>
+              <a:t>7/7/2020</a:t>
             </a:fld>
             <a:endParaRPr lang="en-US"/>
           </a:p>
@@ -12337,6 +12342,2484 @@
 <file path=ppt/slides/slide10.xml><?xml version="1.0" encoding="utf-8"?>
 <p:sld xmlns:a="http://schemas.openxmlformats.org/drawingml/2006/main" xmlns:r="http://schemas.openxmlformats.org/officeDocument/2006/relationships" xmlns:p="http://schemas.openxmlformats.org/presentationml/2006/main">
   <p:cSld>
+    <p:bg>
+      <p:bgPr>
+        <a:solidFill>
+          <a:schemeClr val="bg1"/>
+        </a:solidFill>
+        <a:effectLst/>
+      </p:bgPr>
+    </p:bg>
+    <p:spTree>
+      <p:nvGrpSpPr>
+        <p:cNvPr id="1" name=""/>
+        <p:cNvGrpSpPr/>
+        <p:nvPr/>
+      </p:nvGrpSpPr>
+      <p:grpSpPr>
+        <a:xfrm>
+          <a:off x="0" y="0"/>
+          <a:ext cx="0" cy="0"/>
+          <a:chOff x="0" y="0"/>
+          <a:chExt cx="0" cy="0"/>
+        </a:xfrm>
+      </p:grpSpPr>
+      <p:sp useBgFill="1">
+        <p:nvSpPr>
+          <p:cNvPr id="8" name="Rectangle 7">
+            <a:extLst>
+              <a:ext uri="{FF2B5EF4-FFF2-40B4-BE49-F238E27FC236}">
+                <a16:creationId xmlns:a16="http://schemas.microsoft.com/office/drawing/2014/main" id="{FFD48BC7-DC40-47DE-87EE-9F4B6ECB9ABB}"/>
+              </a:ext>
+              <a:ext uri="{C183D7F6-B498-43B3-948B-1728B52AA6E4}">
+                <adec:decorative xmlns:adec="http://schemas.microsoft.com/office/drawing/2017/decorative" val="1"/>
+              </a:ext>
+            </a:extLst>
+          </p:cNvPr>
+          <p:cNvSpPr>
+            <a:spLocks noGrp="1" noRot="1" noChangeAspect="1" noMove="1" noResize="1" noEditPoints="1" noAdjustHandles="1" noChangeArrowheads="1" noChangeShapeType="1" noTextEdit="1"/>
+          </p:cNvSpPr>
+          <p:nvPr>
+            <p:extLst>
+              <p:ext uri="{386F3935-93C4-4BCD-93E2-E3B085C9AB24}">
+                <p16:designElem xmlns:p16="http://schemas.microsoft.com/office/powerpoint/2015/main" val="1"/>
+              </p:ext>
+            </p:extLst>
+          </p:nvPr>
+        </p:nvSpPr>
+        <p:spPr>
+          <a:xfrm>
+            <a:off x="0" y="0"/>
+            <a:ext cx="12192000" cy="6858000"/>
+          </a:xfrm>
+          <a:prstGeom prst="rect">
+            <a:avLst/>
+          </a:prstGeom>
+          <a:ln>
+            <a:noFill/>
+          </a:ln>
+        </p:spPr>
+        <p:style>
+          <a:lnRef idx="2">
+            <a:schemeClr val="accent1">
+              <a:shade val="50000"/>
+            </a:schemeClr>
+          </a:lnRef>
+          <a:fillRef idx="1">
+            <a:schemeClr val="accent1"/>
+          </a:fillRef>
+          <a:effectRef idx="0">
+            <a:schemeClr val="accent1"/>
+          </a:effectRef>
+          <a:fontRef idx="minor">
+            <a:schemeClr val="lt1"/>
+          </a:fontRef>
+        </p:style>
+        <p:txBody>
+          <a:bodyPr rtlCol="0" anchor="ctr"/>
+          <a:lstStyle/>
+          <a:p>
+            <a:pPr algn="ctr"/>
+            <a:endParaRPr lang="en-US"/>
+          </a:p>
+        </p:txBody>
+      </p:sp>
+      <p:sp useBgFill="1">
+        <p:nvSpPr>
+          <p:cNvPr id="10" name="Freeform: Shape 9">
+            <a:extLst>
+              <a:ext uri="{FF2B5EF4-FFF2-40B4-BE49-F238E27FC236}">
+                <a16:creationId xmlns:a16="http://schemas.microsoft.com/office/drawing/2014/main" id="{E502BBC7-2C76-46F3-BC24-5985BC13DB88}"/>
+              </a:ext>
+              <a:ext uri="{C183D7F6-B498-43B3-948B-1728B52AA6E4}">
+                <adec:decorative xmlns:adec="http://schemas.microsoft.com/office/drawing/2017/decorative" val="1"/>
+              </a:ext>
+            </a:extLst>
+          </p:cNvPr>
+          <p:cNvSpPr>
+            <a:spLocks noGrp="1" noRot="1" noChangeAspect="1" noMove="1" noResize="1" noEditPoints="1" noAdjustHandles="1" noChangeArrowheads="1" noChangeShapeType="1" noTextEdit="1"/>
+          </p:cNvSpPr>
+          <p:nvPr>
+            <p:extLst>
+              <p:ext uri="{386F3935-93C4-4BCD-93E2-E3B085C9AB24}">
+                <p16:designElem xmlns:p16="http://schemas.microsoft.com/office/powerpoint/2015/main" val="1"/>
+              </p:ext>
+            </p:extLst>
+          </p:nvPr>
+        </p:nvSpPr>
+        <p:spPr>
+          <a:xfrm>
+            <a:off x="1114425" y="0"/>
+            <a:ext cx="9963150" cy="6858000"/>
+          </a:xfrm>
+          <a:custGeom>
+            <a:avLst/>
+            <a:gdLst>
+              <a:gd name="connsiteX0" fmla="*/ 1595771 w 9963150"/>
+              <a:gd name="connsiteY0" fmla="*/ 0 h 6858000"/>
+              <a:gd name="connsiteX1" fmla="*/ 8367379 w 9963150"/>
+              <a:gd name="connsiteY1" fmla="*/ 0 h 6858000"/>
+              <a:gd name="connsiteX2" fmla="*/ 8504080 w 9963150"/>
+              <a:gd name="connsiteY2" fmla="*/ 130333 h 6858000"/>
+              <a:gd name="connsiteX3" fmla="*/ 9963150 w 9963150"/>
+              <a:gd name="connsiteY3" fmla="*/ 3652838 h 6858000"/>
+              <a:gd name="connsiteX4" fmla="*/ 8825600 w 9963150"/>
+              <a:gd name="connsiteY4" fmla="*/ 6821583 h 6858000"/>
+              <a:gd name="connsiteX5" fmla="*/ 8794055 w 9963150"/>
+              <a:gd name="connsiteY5" fmla="*/ 6858000 h 6858000"/>
+              <a:gd name="connsiteX6" fmla="*/ 1169096 w 9963150"/>
+              <a:gd name="connsiteY6" fmla="*/ 6858000 h 6858000"/>
+              <a:gd name="connsiteX7" fmla="*/ 1137550 w 9963150"/>
+              <a:gd name="connsiteY7" fmla="*/ 6821583 h 6858000"/>
+              <a:gd name="connsiteX8" fmla="*/ 0 w 9963150"/>
+              <a:gd name="connsiteY8" fmla="*/ 3652838 h 6858000"/>
+              <a:gd name="connsiteX9" fmla="*/ 1459070 w 9963150"/>
+              <a:gd name="connsiteY9" fmla="*/ 130333 h 6858000"/>
+            </a:gdLst>
+            <a:ahLst/>
+            <a:cxnLst>
+              <a:cxn ang="0">
+                <a:pos x="connsiteX0" y="connsiteY0"/>
+              </a:cxn>
+              <a:cxn ang="0">
+                <a:pos x="connsiteX1" y="connsiteY1"/>
+              </a:cxn>
+              <a:cxn ang="0">
+                <a:pos x="connsiteX2" y="connsiteY2"/>
+              </a:cxn>
+              <a:cxn ang="0">
+                <a:pos x="connsiteX3" y="connsiteY3"/>
+              </a:cxn>
+              <a:cxn ang="0">
+                <a:pos x="connsiteX4" y="connsiteY4"/>
+              </a:cxn>
+              <a:cxn ang="0">
+                <a:pos x="connsiteX5" y="connsiteY5"/>
+              </a:cxn>
+              <a:cxn ang="0">
+                <a:pos x="connsiteX6" y="connsiteY6"/>
+              </a:cxn>
+              <a:cxn ang="0">
+                <a:pos x="connsiteX7" y="connsiteY7"/>
+              </a:cxn>
+              <a:cxn ang="0">
+                <a:pos x="connsiteX8" y="connsiteY8"/>
+              </a:cxn>
+              <a:cxn ang="0">
+                <a:pos x="connsiteX9" y="connsiteY9"/>
+              </a:cxn>
+            </a:cxnLst>
+            <a:rect l="l" t="t" r="r" b="b"/>
+            <a:pathLst>
+              <a:path w="9963150" h="6858000">
+                <a:moveTo>
+                  <a:pt x="1595771" y="0"/>
+                </a:moveTo>
+                <a:lnTo>
+                  <a:pt x="8367379" y="0"/>
+                </a:lnTo>
+                <a:lnTo>
+                  <a:pt x="8504080" y="130333"/>
+                </a:lnTo>
+                <a:cubicBezTo>
+                  <a:pt x="9405568" y="1031820"/>
+                  <a:pt x="9963150" y="2277214"/>
+                  <a:pt x="9963150" y="3652838"/>
+                </a:cubicBezTo>
+                <a:cubicBezTo>
+                  <a:pt x="9963150" y="4856509"/>
+                  <a:pt x="9536251" y="5960473"/>
+                  <a:pt x="8825600" y="6821583"/>
+                </a:cubicBezTo>
+                <a:lnTo>
+                  <a:pt x="8794055" y="6858000"/>
+                </a:lnTo>
+                <a:lnTo>
+                  <a:pt x="1169096" y="6858000"/>
+                </a:lnTo>
+                <a:lnTo>
+                  <a:pt x="1137550" y="6821583"/>
+                </a:lnTo>
+                <a:cubicBezTo>
+                  <a:pt x="426899" y="5960473"/>
+                  <a:pt x="0" y="4856509"/>
+                  <a:pt x="0" y="3652838"/>
+                </a:cubicBezTo>
+                <a:cubicBezTo>
+                  <a:pt x="0" y="2277214"/>
+                  <a:pt x="557582" y="1031820"/>
+                  <a:pt x="1459070" y="130333"/>
+                </a:cubicBezTo>
+                <a:close/>
+              </a:path>
+            </a:pathLst>
+          </a:custGeom>
+          <a:ln w="9525">
+            <a:solidFill>
+              <a:srgbClr val="EFEFEF"/>
+            </a:solidFill>
+          </a:ln>
+          <a:effectLst>
+            <a:outerShdw blurRad="139700" sx="102000" sy="102000" algn="ctr" rotWithShape="0">
+              <a:schemeClr val="bg1">
+                <a:lumMod val="85000"/>
+                <a:alpha val="38000"/>
+              </a:schemeClr>
+            </a:outerShdw>
+          </a:effectLst>
+        </p:spPr>
+        <p:style>
+          <a:lnRef idx="2">
+            <a:schemeClr val="accent1">
+              <a:shade val="50000"/>
+            </a:schemeClr>
+          </a:lnRef>
+          <a:fillRef idx="1">
+            <a:schemeClr val="accent1"/>
+          </a:fillRef>
+          <a:effectRef idx="0">
+            <a:schemeClr val="accent1"/>
+          </a:effectRef>
+          <a:fontRef idx="minor">
+            <a:schemeClr val="lt1"/>
+          </a:fontRef>
+        </p:style>
+        <p:txBody>
+          <a:bodyPr wrap="square" rtlCol="0" anchor="ctr">
+            <a:noAutofit/>
+          </a:bodyPr>
+          <a:lstStyle/>
+          <a:p>
+            <a:pPr marL="0" marR="0" lvl="0" indent="0" algn="ctr" defTabSz="914400" rtl="0" eaLnBrk="1" fontAlgn="auto" latinLnBrk="0" hangingPunct="1">
+              <a:lnSpc>
+                <a:spcPct val="100000"/>
+              </a:lnSpc>
+              <a:spcBef>
+                <a:spcPts val="0"/>
+              </a:spcBef>
+              <a:spcAft>
+                <a:spcPts val="0"/>
+              </a:spcAft>
+              <a:buClrTx/>
+              <a:buSzTx/>
+              <a:buFontTx/>
+              <a:buNone/>
+              <a:tabLst/>
+              <a:defRPr/>
+            </a:pPr>
+            <a:endParaRPr kumimoji="0" lang="en-US" sz="1800" b="0" i="0" u="none" strike="noStrike" kern="1200" cap="none" spc="0" normalizeH="0" baseline="0" noProof="0">
+              <a:ln>
+                <a:noFill/>
+              </a:ln>
+              <a:solidFill>
+                <a:prstClr val="white"/>
+              </a:solidFill>
+              <a:effectLst/>
+              <a:uLnTx/>
+              <a:uFillTx/>
+              <a:latin typeface="Calibri" panose="020F0502020204030204"/>
+              <a:ea typeface="+mn-ea"/>
+              <a:cs typeface="+mn-cs"/>
+            </a:endParaRPr>
+          </a:p>
+        </p:txBody>
+      </p:sp>
+      <p:sp useBgFill="1">
+        <p:nvSpPr>
+          <p:cNvPr id="12" name="Freeform: Shape 11">
+            <a:extLst>
+              <a:ext uri="{FF2B5EF4-FFF2-40B4-BE49-F238E27FC236}">
+                <a16:creationId xmlns:a16="http://schemas.microsoft.com/office/drawing/2014/main" id="{C7F28D52-2A5F-4D23-81AE-7CB8B591C7AF}"/>
+              </a:ext>
+              <a:ext uri="{C183D7F6-B498-43B3-948B-1728B52AA6E4}">
+                <adec:decorative xmlns:adec="http://schemas.microsoft.com/office/drawing/2017/decorative" val="1"/>
+              </a:ext>
+            </a:extLst>
+          </p:cNvPr>
+          <p:cNvSpPr>
+            <a:spLocks noGrp="1" noRot="1" noChangeAspect="1" noMove="1" noResize="1" noEditPoints="1" noAdjustHandles="1" noChangeArrowheads="1" noChangeShapeType="1" noTextEdit="1"/>
+          </p:cNvSpPr>
+          <p:nvPr>
+            <p:extLst>
+              <p:ext uri="{386F3935-93C4-4BCD-93E2-E3B085C9AB24}">
+                <p16:designElem xmlns:p16="http://schemas.microsoft.com/office/powerpoint/2015/main" val="1"/>
+              </p:ext>
+            </p:extLst>
+          </p:nvPr>
+        </p:nvSpPr>
+        <p:spPr>
+          <a:xfrm>
+            <a:off x="1121664" y="0"/>
+            <a:ext cx="9948672" cy="6858000"/>
+          </a:xfrm>
+          <a:custGeom>
+            <a:avLst/>
+            <a:gdLst>
+              <a:gd name="connsiteX0" fmla="*/ 1595771 w 9963150"/>
+              <a:gd name="connsiteY0" fmla="*/ 0 h 6858000"/>
+              <a:gd name="connsiteX1" fmla="*/ 8367379 w 9963150"/>
+              <a:gd name="connsiteY1" fmla="*/ 0 h 6858000"/>
+              <a:gd name="connsiteX2" fmla="*/ 8504080 w 9963150"/>
+              <a:gd name="connsiteY2" fmla="*/ 130333 h 6858000"/>
+              <a:gd name="connsiteX3" fmla="*/ 9963150 w 9963150"/>
+              <a:gd name="connsiteY3" fmla="*/ 3652838 h 6858000"/>
+              <a:gd name="connsiteX4" fmla="*/ 8825600 w 9963150"/>
+              <a:gd name="connsiteY4" fmla="*/ 6821583 h 6858000"/>
+              <a:gd name="connsiteX5" fmla="*/ 8794055 w 9963150"/>
+              <a:gd name="connsiteY5" fmla="*/ 6858000 h 6858000"/>
+              <a:gd name="connsiteX6" fmla="*/ 1169096 w 9963150"/>
+              <a:gd name="connsiteY6" fmla="*/ 6858000 h 6858000"/>
+              <a:gd name="connsiteX7" fmla="*/ 1137550 w 9963150"/>
+              <a:gd name="connsiteY7" fmla="*/ 6821583 h 6858000"/>
+              <a:gd name="connsiteX8" fmla="*/ 0 w 9963150"/>
+              <a:gd name="connsiteY8" fmla="*/ 3652838 h 6858000"/>
+              <a:gd name="connsiteX9" fmla="*/ 1459070 w 9963150"/>
+              <a:gd name="connsiteY9" fmla="*/ 130333 h 6858000"/>
+            </a:gdLst>
+            <a:ahLst/>
+            <a:cxnLst>
+              <a:cxn ang="0">
+                <a:pos x="connsiteX0" y="connsiteY0"/>
+              </a:cxn>
+              <a:cxn ang="0">
+                <a:pos x="connsiteX1" y="connsiteY1"/>
+              </a:cxn>
+              <a:cxn ang="0">
+                <a:pos x="connsiteX2" y="connsiteY2"/>
+              </a:cxn>
+              <a:cxn ang="0">
+                <a:pos x="connsiteX3" y="connsiteY3"/>
+              </a:cxn>
+              <a:cxn ang="0">
+                <a:pos x="connsiteX4" y="connsiteY4"/>
+              </a:cxn>
+              <a:cxn ang="0">
+                <a:pos x="connsiteX5" y="connsiteY5"/>
+              </a:cxn>
+              <a:cxn ang="0">
+                <a:pos x="connsiteX6" y="connsiteY6"/>
+              </a:cxn>
+              <a:cxn ang="0">
+                <a:pos x="connsiteX7" y="connsiteY7"/>
+              </a:cxn>
+              <a:cxn ang="0">
+                <a:pos x="connsiteX8" y="connsiteY8"/>
+              </a:cxn>
+              <a:cxn ang="0">
+                <a:pos x="connsiteX9" y="connsiteY9"/>
+              </a:cxn>
+            </a:cxnLst>
+            <a:rect l="l" t="t" r="r" b="b"/>
+            <a:pathLst>
+              <a:path w="9963150" h="6858000">
+                <a:moveTo>
+                  <a:pt x="1595771" y="0"/>
+                </a:moveTo>
+                <a:lnTo>
+                  <a:pt x="8367379" y="0"/>
+                </a:lnTo>
+                <a:lnTo>
+                  <a:pt x="8504080" y="130333"/>
+                </a:lnTo>
+                <a:cubicBezTo>
+                  <a:pt x="9405568" y="1031820"/>
+                  <a:pt x="9963150" y="2277214"/>
+                  <a:pt x="9963150" y="3652838"/>
+                </a:cubicBezTo>
+                <a:cubicBezTo>
+                  <a:pt x="9963150" y="4856509"/>
+                  <a:pt x="9536251" y="5960473"/>
+                  <a:pt x="8825600" y="6821583"/>
+                </a:cubicBezTo>
+                <a:lnTo>
+                  <a:pt x="8794055" y="6858000"/>
+                </a:lnTo>
+                <a:lnTo>
+                  <a:pt x="1169096" y="6858000"/>
+                </a:lnTo>
+                <a:lnTo>
+                  <a:pt x="1137550" y="6821583"/>
+                </a:lnTo>
+                <a:cubicBezTo>
+                  <a:pt x="426899" y="5960473"/>
+                  <a:pt x="0" y="4856509"/>
+                  <a:pt x="0" y="3652838"/>
+                </a:cubicBezTo>
+                <a:cubicBezTo>
+                  <a:pt x="0" y="2277214"/>
+                  <a:pt x="557582" y="1031820"/>
+                  <a:pt x="1459070" y="130333"/>
+                </a:cubicBezTo>
+                <a:close/>
+              </a:path>
+            </a:pathLst>
+          </a:custGeom>
+          <a:ln w="9525">
+            <a:noFill/>
+          </a:ln>
+          <a:effectLst/>
+        </p:spPr>
+        <p:style>
+          <a:lnRef idx="2">
+            <a:schemeClr val="accent1">
+              <a:shade val="50000"/>
+            </a:schemeClr>
+          </a:lnRef>
+          <a:fillRef idx="1">
+            <a:schemeClr val="accent1"/>
+          </a:fillRef>
+          <a:effectRef idx="0">
+            <a:schemeClr val="accent1"/>
+          </a:effectRef>
+          <a:fontRef idx="minor">
+            <a:schemeClr val="lt1"/>
+          </a:fontRef>
+        </p:style>
+        <p:txBody>
+          <a:bodyPr wrap="square" rtlCol="0" anchor="ctr">
+            <a:noAutofit/>
+          </a:bodyPr>
+          <a:lstStyle/>
+          <a:p>
+            <a:pPr marL="0" marR="0" lvl="0" indent="0" algn="ctr" defTabSz="914400" rtl="0" eaLnBrk="1" fontAlgn="auto" latinLnBrk="0" hangingPunct="1">
+              <a:lnSpc>
+                <a:spcPct val="100000"/>
+              </a:lnSpc>
+              <a:spcBef>
+                <a:spcPts val="0"/>
+              </a:spcBef>
+              <a:spcAft>
+                <a:spcPts val="0"/>
+              </a:spcAft>
+              <a:buClrTx/>
+              <a:buSzTx/>
+              <a:buFontTx/>
+              <a:buNone/>
+              <a:tabLst/>
+              <a:defRPr/>
+            </a:pPr>
+            <a:endParaRPr kumimoji="0" lang="en-US" sz="1800" b="0" i="0" u="none" strike="noStrike" kern="1200" cap="none" spc="0" normalizeH="0" baseline="0" noProof="0">
+              <a:ln>
+                <a:noFill/>
+              </a:ln>
+              <a:solidFill>
+                <a:prstClr val="white"/>
+              </a:solidFill>
+              <a:effectLst/>
+              <a:uLnTx/>
+              <a:uFillTx/>
+              <a:latin typeface="Calibri" panose="020F0502020204030204"/>
+              <a:ea typeface="+mn-ea"/>
+              <a:cs typeface="+mn-cs"/>
+            </a:endParaRPr>
+          </a:p>
+        </p:txBody>
+      </p:sp>
+      <p:sp>
+        <p:nvSpPr>
+          <p:cNvPr id="2" name="Title 1">
+            <a:extLst>
+              <a:ext uri="{FF2B5EF4-FFF2-40B4-BE49-F238E27FC236}">
+                <a16:creationId xmlns:a16="http://schemas.microsoft.com/office/drawing/2014/main" id="{3C37B34C-9BFD-4304-93F3-DC92D8027393}"/>
+              </a:ext>
+            </a:extLst>
+          </p:cNvPr>
+          <p:cNvSpPr>
+            <a:spLocks noGrp="1"/>
+          </p:cNvSpPr>
+          <p:nvPr>
+            <p:ph type="title"/>
+          </p:nvPr>
+        </p:nvSpPr>
+        <p:spPr>
+          <a:xfrm>
+            <a:off x="1524003" y="1999615"/>
+            <a:ext cx="9144000" cy="2764028"/>
+          </a:xfrm>
+        </p:spPr>
+        <p:txBody>
+          <a:bodyPr vert="horz" lIns="91440" tIns="45720" rIns="91440" bIns="45720" rtlCol="0" anchor="ctr">
+            <a:normAutofit/>
+          </a:bodyPr>
+          <a:lstStyle/>
+          <a:p>
+            <a:pPr algn="ctr"/>
+            <a:r>
+              <a:rPr lang="en-US" sz="7200" kern="1200" dirty="0">
+                <a:solidFill>
+                  <a:schemeClr val="tx1"/>
+                </a:solidFill>
+                <a:latin typeface="+mj-lt"/>
+                <a:ea typeface="+mj-ea"/>
+                <a:cs typeface="+mj-cs"/>
+              </a:rPr>
+              <a:t>Demo 3</a:t>
+            </a:r>
+          </a:p>
+        </p:txBody>
+      </p:sp>
+      <p:sp>
+        <p:nvSpPr>
+          <p:cNvPr id="14" name="Rectangle 13">
+            <a:extLst>
+              <a:ext uri="{FF2B5EF4-FFF2-40B4-BE49-F238E27FC236}">
+                <a16:creationId xmlns:a16="http://schemas.microsoft.com/office/drawing/2014/main" id="{3629484E-3792-4B3D-89AD-7C8A1ED0E0D4}"/>
+              </a:ext>
+              <a:ext uri="{C183D7F6-B498-43B3-948B-1728B52AA6E4}">
+                <adec:decorative xmlns:adec="http://schemas.microsoft.com/office/drawing/2017/decorative" val="1"/>
+              </a:ext>
+            </a:extLst>
+          </p:cNvPr>
+          <p:cNvSpPr>
+            <a:spLocks noGrp="1" noRot="1" noChangeAspect="1" noMove="1" noResize="1" noEditPoints="1" noAdjustHandles="1" noChangeArrowheads="1" noChangeShapeType="1" noTextEdit="1"/>
+          </p:cNvSpPr>
+          <p:nvPr>
+            <p:extLst>
+              <p:ext uri="{386F3935-93C4-4BCD-93E2-E3B085C9AB24}">
+                <p16:designElem xmlns:p16="http://schemas.microsoft.com/office/powerpoint/2015/main" val="1"/>
+              </p:ext>
+            </p:extLst>
+          </p:nvPr>
+        </p:nvSpPr>
+        <p:spPr>
+          <a:xfrm>
+            <a:off x="3718560" y="5524786"/>
+            <a:ext cx="4754880" cy="27432"/>
+          </a:xfrm>
+          <a:prstGeom prst="rect">
+            <a:avLst/>
+          </a:prstGeom>
+          <a:solidFill>
+            <a:schemeClr val="accent2"/>
+          </a:solidFill>
+          <a:ln>
+            <a:noFill/>
+          </a:ln>
+        </p:spPr>
+        <p:style>
+          <a:lnRef idx="2">
+            <a:schemeClr val="accent1">
+              <a:shade val="50000"/>
+            </a:schemeClr>
+          </a:lnRef>
+          <a:fillRef idx="1">
+            <a:schemeClr val="accent1"/>
+          </a:fillRef>
+          <a:effectRef idx="0">
+            <a:schemeClr val="accent1"/>
+          </a:effectRef>
+          <a:fontRef idx="minor">
+            <a:schemeClr val="lt1"/>
+          </a:fontRef>
+        </p:style>
+        <p:txBody>
+          <a:bodyPr rtlCol="0" anchor="ctr"/>
+          <a:lstStyle/>
+          <a:p>
+            <a:pPr marL="0" marR="0" lvl="0" indent="0" algn="ctr" defTabSz="914400" rtl="0" eaLnBrk="1" fontAlgn="auto" latinLnBrk="0" hangingPunct="1">
+              <a:lnSpc>
+                <a:spcPct val="100000"/>
+              </a:lnSpc>
+              <a:spcBef>
+                <a:spcPts val="0"/>
+              </a:spcBef>
+              <a:spcAft>
+                <a:spcPts val="0"/>
+              </a:spcAft>
+              <a:buClrTx/>
+              <a:buSzTx/>
+              <a:buFontTx/>
+              <a:buNone/>
+              <a:tabLst/>
+              <a:defRPr/>
+            </a:pPr>
+            <a:endParaRPr kumimoji="0" lang="en-US" sz="1800" b="0" i="0" u="none" strike="noStrike" kern="1200" cap="none" spc="0" normalizeH="0" baseline="0" noProof="0">
+              <a:ln>
+                <a:noFill/>
+              </a:ln>
+              <a:solidFill>
+                <a:prstClr val="white"/>
+              </a:solidFill>
+              <a:effectLst/>
+              <a:uLnTx/>
+              <a:uFillTx/>
+              <a:latin typeface="Calibri" panose="020F0502020204030204"/>
+              <a:ea typeface="+mn-ea"/>
+              <a:cs typeface="+mn-cs"/>
+            </a:endParaRPr>
+          </a:p>
+        </p:txBody>
+      </p:sp>
+    </p:spTree>
+    <p:extLst>
+      <p:ext uri="{BB962C8B-B14F-4D97-AF65-F5344CB8AC3E}">
+        <p14:creationId xmlns:p14="http://schemas.microsoft.com/office/powerpoint/2010/main" val="2592516017"/>
+      </p:ext>
+    </p:extLst>
+  </p:cSld>
+  <p:clrMapOvr>
+    <a:masterClrMapping/>
+  </p:clrMapOvr>
+</p:sld>
+</file>
+
+<file path=ppt/slides/slide11.xml><?xml version="1.0" encoding="utf-8"?>
+<p:sld xmlns:a="http://schemas.openxmlformats.org/drawingml/2006/main" xmlns:r="http://schemas.openxmlformats.org/officeDocument/2006/relationships" xmlns:p="http://schemas.openxmlformats.org/presentationml/2006/main">
+  <p:cSld>
+    <p:bg>
+      <p:bgPr>
+        <a:solidFill>
+          <a:schemeClr val="bg1"/>
+        </a:solidFill>
+        <a:effectLst/>
+      </p:bgPr>
+    </p:bg>
+    <p:spTree>
+      <p:nvGrpSpPr>
+        <p:cNvPr id="1" name=""/>
+        <p:cNvGrpSpPr/>
+        <p:nvPr/>
+      </p:nvGrpSpPr>
+      <p:grpSpPr>
+        <a:xfrm>
+          <a:off x="0" y="0"/>
+          <a:ext cx="0" cy="0"/>
+          <a:chOff x="0" y="0"/>
+          <a:chExt cx="0" cy="0"/>
+        </a:xfrm>
+      </p:grpSpPr>
+      <p:sp useBgFill="1">
+        <p:nvSpPr>
+          <p:cNvPr id="8" name="Rectangle 7">
+            <a:extLst>
+              <a:ext uri="{FF2B5EF4-FFF2-40B4-BE49-F238E27FC236}">
+                <a16:creationId xmlns:a16="http://schemas.microsoft.com/office/drawing/2014/main" id="{FFD48BC7-DC40-47DE-87EE-9F4B6ECB9ABB}"/>
+              </a:ext>
+              <a:ext uri="{C183D7F6-B498-43B3-948B-1728B52AA6E4}">
+                <adec:decorative xmlns:adec="http://schemas.microsoft.com/office/drawing/2017/decorative" val="1"/>
+              </a:ext>
+            </a:extLst>
+          </p:cNvPr>
+          <p:cNvSpPr>
+            <a:spLocks noGrp="1" noRot="1" noChangeAspect="1" noMove="1" noResize="1" noEditPoints="1" noAdjustHandles="1" noChangeArrowheads="1" noChangeShapeType="1" noTextEdit="1"/>
+          </p:cNvSpPr>
+          <p:nvPr>
+            <p:extLst>
+              <p:ext uri="{386F3935-93C4-4BCD-93E2-E3B085C9AB24}">
+                <p16:designElem xmlns:p16="http://schemas.microsoft.com/office/powerpoint/2015/main" val="1"/>
+              </p:ext>
+            </p:extLst>
+          </p:nvPr>
+        </p:nvSpPr>
+        <p:spPr>
+          <a:xfrm>
+            <a:off x="0" y="0"/>
+            <a:ext cx="12192000" cy="6858000"/>
+          </a:xfrm>
+          <a:prstGeom prst="rect">
+            <a:avLst/>
+          </a:prstGeom>
+          <a:ln>
+            <a:noFill/>
+          </a:ln>
+        </p:spPr>
+        <p:style>
+          <a:lnRef idx="2">
+            <a:schemeClr val="accent1">
+              <a:shade val="50000"/>
+            </a:schemeClr>
+          </a:lnRef>
+          <a:fillRef idx="1">
+            <a:schemeClr val="accent1"/>
+          </a:fillRef>
+          <a:effectRef idx="0">
+            <a:schemeClr val="accent1"/>
+          </a:effectRef>
+          <a:fontRef idx="minor">
+            <a:schemeClr val="lt1"/>
+          </a:fontRef>
+        </p:style>
+        <p:txBody>
+          <a:bodyPr rtlCol="0" anchor="ctr"/>
+          <a:lstStyle/>
+          <a:p>
+            <a:pPr algn="ctr"/>
+            <a:endParaRPr lang="en-US"/>
+          </a:p>
+        </p:txBody>
+      </p:sp>
+      <p:sp useBgFill="1">
+        <p:nvSpPr>
+          <p:cNvPr id="10" name="Freeform: Shape 9">
+            <a:extLst>
+              <a:ext uri="{FF2B5EF4-FFF2-40B4-BE49-F238E27FC236}">
+                <a16:creationId xmlns:a16="http://schemas.microsoft.com/office/drawing/2014/main" id="{E502BBC7-2C76-46F3-BC24-5985BC13DB88}"/>
+              </a:ext>
+              <a:ext uri="{C183D7F6-B498-43B3-948B-1728B52AA6E4}">
+                <adec:decorative xmlns:adec="http://schemas.microsoft.com/office/drawing/2017/decorative" val="1"/>
+              </a:ext>
+            </a:extLst>
+          </p:cNvPr>
+          <p:cNvSpPr>
+            <a:spLocks noGrp="1" noRot="1" noChangeAspect="1" noMove="1" noResize="1" noEditPoints="1" noAdjustHandles="1" noChangeArrowheads="1" noChangeShapeType="1" noTextEdit="1"/>
+          </p:cNvSpPr>
+          <p:nvPr>
+            <p:extLst>
+              <p:ext uri="{386F3935-93C4-4BCD-93E2-E3B085C9AB24}">
+                <p16:designElem xmlns:p16="http://schemas.microsoft.com/office/powerpoint/2015/main" val="1"/>
+              </p:ext>
+            </p:extLst>
+          </p:nvPr>
+        </p:nvSpPr>
+        <p:spPr>
+          <a:xfrm>
+            <a:off x="1114425" y="0"/>
+            <a:ext cx="9963150" cy="6858000"/>
+          </a:xfrm>
+          <a:custGeom>
+            <a:avLst/>
+            <a:gdLst>
+              <a:gd name="connsiteX0" fmla="*/ 1595771 w 9963150"/>
+              <a:gd name="connsiteY0" fmla="*/ 0 h 6858000"/>
+              <a:gd name="connsiteX1" fmla="*/ 8367379 w 9963150"/>
+              <a:gd name="connsiteY1" fmla="*/ 0 h 6858000"/>
+              <a:gd name="connsiteX2" fmla="*/ 8504080 w 9963150"/>
+              <a:gd name="connsiteY2" fmla="*/ 130333 h 6858000"/>
+              <a:gd name="connsiteX3" fmla="*/ 9963150 w 9963150"/>
+              <a:gd name="connsiteY3" fmla="*/ 3652838 h 6858000"/>
+              <a:gd name="connsiteX4" fmla="*/ 8825600 w 9963150"/>
+              <a:gd name="connsiteY4" fmla="*/ 6821583 h 6858000"/>
+              <a:gd name="connsiteX5" fmla="*/ 8794055 w 9963150"/>
+              <a:gd name="connsiteY5" fmla="*/ 6858000 h 6858000"/>
+              <a:gd name="connsiteX6" fmla="*/ 1169096 w 9963150"/>
+              <a:gd name="connsiteY6" fmla="*/ 6858000 h 6858000"/>
+              <a:gd name="connsiteX7" fmla="*/ 1137550 w 9963150"/>
+              <a:gd name="connsiteY7" fmla="*/ 6821583 h 6858000"/>
+              <a:gd name="connsiteX8" fmla="*/ 0 w 9963150"/>
+              <a:gd name="connsiteY8" fmla="*/ 3652838 h 6858000"/>
+              <a:gd name="connsiteX9" fmla="*/ 1459070 w 9963150"/>
+              <a:gd name="connsiteY9" fmla="*/ 130333 h 6858000"/>
+            </a:gdLst>
+            <a:ahLst/>
+            <a:cxnLst>
+              <a:cxn ang="0">
+                <a:pos x="connsiteX0" y="connsiteY0"/>
+              </a:cxn>
+              <a:cxn ang="0">
+                <a:pos x="connsiteX1" y="connsiteY1"/>
+              </a:cxn>
+              <a:cxn ang="0">
+                <a:pos x="connsiteX2" y="connsiteY2"/>
+              </a:cxn>
+              <a:cxn ang="0">
+                <a:pos x="connsiteX3" y="connsiteY3"/>
+              </a:cxn>
+              <a:cxn ang="0">
+                <a:pos x="connsiteX4" y="connsiteY4"/>
+              </a:cxn>
+              <a:cxn ang="0">
+                <a:pos x="connsiteX5" y="connsiteY5"/>
+              </a:cxn>
+              <a:cxn ang="0">
+                <a:pos x="connsiteX6" y="connsiteY6"/>
+              </a:cxn>
+              <a:cxn ang="0">
+                <a:pos x="connsiteX7" y="connsiteY7"/>
+              </a:cxn>
+              <a:cxn ang="0">
+                <a:pos x="connsiteX8" y="connsiteY8"/>
+              </a:cxn>
+              <a:cxn ang="0">
+                <a:pos x="connsiteX9" y="connsiteY9"/>
+              </a:cxn>
+            </a:cxnLst>
+            <a:rect l="l" t="t" r="r" b="b"/>
+            <a:pathLst>
+              <a:path w="9963150" h="6858000">
+                <a:moveTo>
+                  <a:pt x="1595771" y="0"/>
+                </a:moveTo>
+                <a:lnTo>
+                  <a:pt x="8367379" y="0"/>
+                </a:lnTo>
+                <a:lnTo>
+                  <a:pt x="8504080" y="130333"/>
+                </a:lnTo>
+                <a:cubicBezTo>
+                  <a:pt x="9405568" y="1031820"/>
+                  <a:pt x="9963150" y="2277214"/>
+                  <a:pt x="9963150" y="3652838"/>
+                </a:cubicBezTo>
+                <a:cubicBezTo>
+                  <a:pt x="9963150" y="4856509"/>
+                  <a:pt x="9536251" y="5960473"/>
+                  <a:pt x="8825600" y="6821583"/>
+                </a:cubicBezTo>
+                <a:lnTo>
+                  <a:pt x="8794055" y="6858000"/>
+                </a:lnTo>
+                <a:lnTo>
+                  <a:pt x="1169096" y="6858000"/>
+                </a:lnTo>
+                <a:lnTo>
+                  <a:pt x="1137550" y="6821583"/>
+                </a:lnTo>
+                <a:cubicBezTo>
+                  <a:pt x="426899" y="5960473"/>
+                  <a:pt x="0" y="4856509"/>
+                  <a:pt x="0" y="3652838"/>
+                </a:cubicBezTo>
+                <a:cubicBezTo>
+                  <a:pt x="0" y="2277214"/>
+                  <a:pt x="557582" y="1031820"/>
+                  <a:pt x="1459070" y="130333"/>
+                </a:cubicBezTo>
+                <a:close/>
+              </a:path>
+            </a:pathLst>
+          </a:custGeom>
+          <a:ln w="9525">
+            <a:solidFill>
+              <a:srgbClr val="EFEFEF"/>
+            </a:solidFill>
+          </a:ln>
+          <a:effectLst>
+            <a:outerShdw blurRad="139700" sx="102000" sy="102000" algn="ctr" rotWithShape="0">
+              <a:schemeClr val="bg1">
+                <a:lumMod val="85000"/>
+                <a:alpha val="38000"/>
+              </a:schemeClr>
+            </a:outerShdw>
+          </a:effectLst>
+        </p:spPr>
+        <p:style>
+          <a:lnRef idx="2">
+            <a:schemeClr val="accent1">
+              <a:shade val="50000"/>
+            </a:schemeClr>
+          </a:lnRef>
+          <a:fillRef idx="1">
+            <a:schemeClr val="accent1"/>
+          </a:fillRef>
+          <a:effectRef idx="0">
+            <a:schemeClr val="accent1"/>
+          </a:effectRef>
+          <a:fontRef idx="minor">
+            <a:schemeClr val="lt1"/>
+          </a:fontRef>
+        </p:style>
+        <p:txBody>
+          <a:bodyPr wrap="square" rtlCol="0" anchor="ctr">
+            <a:noAutofit/>
+          </a:bodyPr>
+          <a:lstStyle/>
+          <a:p>
+            <a:pPr marL="0" marR="0" lvl="0" indent="0" algn="ctr" defTabSz="914400" rtl="0" eaLnBrk="1" fontAlgn="auto" latinLnBrk="0" hangingPunct="1">
+              <a:lnSpc>
+                <a:spcPct val="100000"/>
+              </a:lnSpc>
+              <a:spcBef>
+                <a:spcPts val="0"/>
+              </a:spcBef>
+              <a:spcAft>
+                <a:spcPts val="0"/>
+              </a:spcAft>
+              <a:buClrTx/>
+              <a:buSzTx/>
+              <a:buFontTx/>
+              <a:buNone/>
+              <a:tabLst/>
+              <a:defRPr/>
+            </a:pPr>
+            <a:endParaRPr kumimoji="0" lang="en-US" sz="1800" b="0" i="0" u="none" strike="noStrike" kern="1200" cap="none" spc="0" normalizeH="0" baseline="0" noProof="0">
+              <a:ln>
+                <a:noFill/>
+              </a:ln>
+              <a:solidFill>
+                <a:prstClr val="white"/>
+              </a:solidFill>
+              <a:effectLst/>
+              <a:uLnTx/>
+              <a:uFillTx/>
+              <a:latin typeface="Calibri" panose="020F0502020204030204"/>
+              <a:ea typeface="+mn-ea"/>
+              <a:cs typeface="+mn-cs"/>
+            </a:endParaRPr>
+          </a:p>
+        </p:txBody>
+      </p:sp>
+      <p:sp useBgFill="1">
+        <p:nvSpPr>
+          <p:cNvPr id="12" name="Freeform: Shape 11">
+            <a:extLst>
+              <a:ext uri="{FF2B5EF4-FFF2-40B4-BE49-F238E27FC236}">
+                <a16:creationId xmlns:a16="http://schemas.microsoft.com/office/drawing/2014/main" id="{C7F28D52-2A5F-4D23-81AE-7CB8B591C7AF}"/>
+              </a:ext>
+              <a:ext uri="{C183D7F6-B498-43B3-948B-1728B52AA6E4}">
+                <adec:decorative xmlns:adec="http://schemas.microsoft.com/office/drawing/2017/decorative" val="1"/>
+              </a:ext>
+            </a:extLst>
+          </p:cNvPr>
+          <p:cNvSpPr>
+            <a:spLocks noGrp="1" noRot="1" noChangeAspect="1" noMove="1" noResize="1" noEditPoints="1" noAdjustHandles="1" noChangeArrowheads="1" noChangeShapeType="1" noTextEdit="1"/>
+          </p:cNvSpPr>
+          <p:nvPr>
+            <p:extLst>
+              <p:ext uri="{386F3935-93C4-4BCD-93E2-E3B085C9AB24}">
+                <p16:designElem xmlns:p16="http://schemas.microsoft.com/office/powerpoint/2015/main" val="1"/>
+              </p:ext>
+            </p:extLst>
+          </p:nvPr>
+        </p:nvSpPr>
+        <p:spPr>
+          <a:xfrm>
+            <a:off x="1121664" y="0"/>
+            <a:ext cx="9948672" cy="6858000"/>
+          </a:xfrm>
+          <a:custGeom>
+            <a:avLst/>
+            <a:gdLst>
+              <a:gd name="connsiteX0" fmla="*/ 1595771 w 9963150"/>
+              <a:gd name="connsiteY0" fmla="*/ 0 h 6858000"/>
+              <a:gd name="connsiteX1" fmla="*/ 8367379 w 9963150"/>
+              <a:gd name="connsiteY1" fmla="*/ 0 h 6858000"/>
+              <a:gd name="connsiteX2" fmla="*/ 8504080 w 9963150"/>
+              <a:gd name="connsiteY2" fmla="*/ 130333 h 6858000"/>
+              <a:gd name="connsiteX3" fmla="*/ 9963150 w 9963150"/>
+              <a:gd name="connsiteY3" fmla="*/ 3652838 h 6858000"/>
+              <a:gd name="connsiteX4" fmla="*/ 8825600 w 9963150"/>
+              <a:gd name="connsiteY4" fmla="*/ 6821583 h 6858000"/>
+              <a:gd name="connsiteX5" fmla="*/ 8794055 w 9963150"/>
+              <a:gd name="connsiteY5" fmla="*/ 6858000 h 6858000"/>
+              <a:gd name="connsiteX6" fmla="*/ 1169096 w 9963150"/>
+              <a:gd name="connsiteY6" fmla="*/ 6858000 h 6858000"/>
+              <a:gd name="connsiteX7" fmla="*/ 1137550 w 9963150"/>
+              <a:gd name="connsiteY7" fmla="*/ 6821583 h 6858000"/>
+              <a:gd name="connsiteX8" fmla="*/ 0 w 9963150"/>
+              <a:gd name="connsiteY8" fmla="*/ 3652838 h 6858000"/>
+              <a:gd name="connsiteX9" fmla="*/ 1459070 w 9963150"/>
+              <a:gd name="connsiteY9" fmla="*/ 130333 h 6858000"/>
+            </a:gdLst>
+            <a:ahLst/>
+            <a:cxnLst>
+              <a:cxn ang="0">
+                <a:pos x="connsiteX0" y="connsiteY0"/>
+              </a:cxn>
+              <a:cxn ang="0">
+                <a:pos x="connsiteX1" y="connsiteY1"/>
+              </a:cxn>
+              <a:cxn ang="0">
+                <a:pos x="connsiteX2" y="connsiteY2"/>
+              </a:cxn>
+              <a:cxn ang="0">
+                <a:pos x="connsiteX3" y="connsiteY3"/>
+              </a:cxn>
+              <a:cxn ang="0">
+                <a:pos x="connsiteX4" y="connsiteY4"/>
+              </a:cxn>
+              <a:cxn ang="0">
+                <a:pos x="connsiteX5" y="connsiteY5"/>
+              </a:cxn>
+              <a:cxn ang="0">
+                <a:pos x="connsiteX6" y="connsiteY6"/>
+              </a:cxn>
+              <a:cxn ang="0">
+                <a:pos x="connsiteX7" y="connsiteY7"/>
+              </a:cxn>
+              <a:cxn ang="0">
+                <a:pos x="connsiteX8" y="connsiteY8"/>
+              </a:cxn>
+              <a:cxn ang="0">
+                <a:pos x="connsiteX9" y="connsiteY9"/>
+              </a:cxn>
+            </a:cxnLst>
+            <a:rect l="l" t="t" r="r" b="b"/>
+            <a:pathLst>
+              <a:path w="9963150" h="6858000">
+                <a:moveTo>
+                  <a:pt x="1595771" y="0"/>
+                </a:moveTo>
+                <a:lnTo>
+                  <a:pt x="8367379" y="0"/>
+                </a:lnTo>
+                <a:lnTo>
+                  <a:pt x="8504080" y="130333"/>
+                </a:lnTo>
+                <a:cubicBezTo>
+                  <a:pt x="9405568" y="1031820"/>
+                  <a:pt x="9963150" y="2277214"/>
+                  <a:pt x="9963150" y="3652838"/>
+                </a:cubicBezTo>
+                <a:cubicBezTo>
+                  <a:pt x="9963150" y="4856509"/>
+                  <a:pt x="9536251" y="5960473"/>
+                  <a:pt x="8825600" y="6821583"/>
+                </a:cubicBezTo>
+                <a:lnTo>
+                  <a:pt x="8794055" y="6858000"/>
+                </a:lnTo>
+                <a:lnTo>
+                  <a:pt x="1169096" y="6858000"/>
+                </a:lnTo>
+                <a:lnTo>
+                  <a:pt x="1137550" y="6821583"/>
+                </a:lnTo>
+                <a:cubicBezTo>
+                  <a:pt x="426899" y="5960473"/>
+                  <a:pt x="0" y="4856509"/>
+                  <a:pt x="0" y="3652838"/>
+                </a:cubicBezTo>
+                <a:cubicBezTo>
+                  <a:pt x="0" y="2277214"/>
+                  <a:pt x="557582" y="1031820"/>
+                  <a:pt x="1459070" y="130333"/>
+                </a:cubicBezTo>
+                <a:close/>
+              </a:path>
+            </a:pathLst>
+          </a:custGeom>
+          <a:ln w="9525">
+            <a:noFill/>
+          </a:ln>
+          <a:effectLst/>
+        </p:spPr>
+        <p:style>
+          <a:lnRef idx="2">
+            <a:schemeClr val="accent1">
+              <a:shade val="50000"/>
+            </a:schemeClr>
+          </a:lnRef>
+          <a:fillRef idx="1">
+            <a:schemeClr val="accent1"/>
+          </a:fillRef>
+          <a:effectRef idx="0">
+            <a:schemeClr val="accent1"/>
+          </a:effectRef>
+          <a:fontRef idx="minor">
+            <a:schemeClr val="lt1"/>
+          </a:fontRef>
+        </p:style>
+        <p:txBody>
+          <a:bodyPr wrap="square" rtlCol="0" anchor="ctr">
+            <a:noAutofit/>
+          </a:bodyPr>
+          <a:lstStyle/>
+          <a:p>
+            <a:pPr marL="0" marR="0" lvl="0" indent="0" algn="ctr" defTabSz="914400" rtl="0" eaLnBrk="1" fontAlgn="auto" latinLnBrk="0" hangingPunct="1">
+              <a:lnSpc>
+                <a:spcPct val="100000"/>
+              </a:lnSpc>
+              <a:spcBef>
+                <a:spcPts val="0"/>
+              </a:spcBef>
+              <a:spcAft>
+                <a:spcPts val="0"/>
+              </a:spcAft>
+              <a:buClrTx/>
+              <a:buSzTx/>
+              <a:buFontTx/>
+              <a:buNone/>
+              <a:tabLst/>
+              <a:defRPr/>
+            </a:pPr>
+            <a:endParaRPr kumimoji="0" lang="en-US" sz="1800" b="0" i="0" u="none" strike="noStrike" kern="1200" cap="none" spc="0" normalizeH="0" baseline="0" noProof="0">
+              <a:ln>
+                <a:noFill/>
+              </a:ln>
+              <a:solidFill>
+                <a:prstClr val="white"/>
+              </a:solidFill>
+              <a:effectLst/>
+              <a:uLnTx/>
+              <a:uFillTx/>
+              <a:latin typeface="Calibri" panose="020F0502020204030204"/>
+              <a:ea typeface="+mn-ea"/>
+              <a:cs typeface="+mn-cs"/>
+            </a:endParaRPr>
+          </a:p>
+        </p:txBody>
+      </p:sp>
+      <p:sp>
+        <p:nvSpPr>
+          <p:cNvPr id="2" name="Title 1">
+            <a:extLst>
+              <a:ext uri="{FF2B5EF4-FFF2-40B4-BE49-F238E27FC236}">
+                <a16:creationId xmlns:a16="http://schemas.microsoft.com/office/drawing/2014/main" id="{3C37B34C-9BFD-4304-93F3-DC92D8027393}"/>
+              </a:ext>
+            </a:extLst>
+          </p:cNvPr>
+          <p:cNvSpPr>
+            <a:spLocks noGrp="1"/>
+          </p:cNvSpPr>
+          <p:nvPr>
+            <p:ph type="title"/>
+          </p:nvPr>
+        </p:nvSpPr>
+        <p:spPr>
+          <a:xfrm>
+            <a:off x="1524003" y="1999615"/>
+            <a:ext cx="9144000" cy="2764028"/>
+          </a:xfrm>
+        </p:spPr>
+        <p:txBody>
+          <a:bodyPr vert="horz" lIns="91440" tIns="45720" rIns="91440" bIns="45720" rtlCol="0" anchor="ctr">
+            <a:normAutofit/>
+          </a:bodyPr>
+          <a:lstStyle/>
+          <a:p>
+            <a:pPr algn="ctr"/>
+            <a:r>
+              <a:rPr lang="en-US" sz="7200" kern="1200" dirty="0">
+                <a:solidFill>
+                  <a:schemeClr val="tx1"/>
+                </a:solidFill>
+                <a:latin typeface="+mj-lt"/>
+                <a:ea typeface="+mj-ea"/>
+                <a:cs typeface="+mj-cs"/>
+              </a:rPr>
+              <a:t>Your turn</a:t>
+            </a:r>
+          </a:p>
+        </p:txBody>
+      </p:sp>
+      <p:sp>
+        <p:nvSpPr>
+          <p:cNvPr id="14" name="Rectangle 13">
+            <a:extLst>
+              <a:ext uri="{FF2B5EF4-FFF2-40B4-BE49-F238E27FC236}">
+                <a16:creationId xmlns:a16="http://schemas.microsoft.com/office/drawing/2014/main" id="{3629484E-3792-4B3D-89AD-7C8A1ED0E0D4}"/>
+              </a:ext>
+              <a:ext uri="{C183D7F6-B498-43B3-948B-1728B52AA6E4}">
+                <adec:decorative xmlns:adec="http://schemas.microsoft.com/office/drawing/2017/decorative" val="1"/>
+              </a:ext>
+            </a:extLst>
+          </p:cNvPr>
+          <p:cNvSpPr>
+            <a:spLocks noGrp="1" noRot="1" noChangeAspect="1" noMove="1" noResize="1" noEditPoints="1" noAdjustHandles="1" noChangeArrowheads="1" noChangeShapeType="1" noTextEdit="1"/>
+          </p:cNvSpPr>
+          <p:nvPr>
+            <p:extLst>
+              <p:ext uri="{386F3935-93C4-4BCD-93E2-E3B085C9AB24}">
+                <p16:designElem xmlns:p16="http://schemas.microsoft.com/office/powerpoint/2015/main" val="1"/>
+              </p:ext>
+            </p:extLst>
+          </p:nvPr>
+        </p:nvSpPr>
+        <p:spPr>
+          <a:xfrm>
+            <a:off x="3718560" y="5524786"/>
+            <a:ext cx="4754880" cy="27432"/>
+          </a:xfrm>
+          <a:prstGeom prst="rect">
+            <a:avLst/>
+          </a:prstGeom>
+          <a:solidFill>
+            <a:schemeClr val="accent2"/>
+          </a:solidFill>
+          <a:ln>
+            <a:noFill/>
+          </a:ln>
+        </p:spPr>
+        <p:style>
+          <a:lnRef idx="2">
+            <a:schemeClr val="accent1">
+              <a:shade val="50000"/>
+            </a:schemeClr>
+          </a:lnRef>
+          <a:fillRef idx="1">
+            <a:schemeClr val="accent1"/>
+          </a:fillRef>
+          <a:effectRef idx="0">
+            <a:schemeClr val="accent1"/>
+          </a:effectRef>
+          <a:fontRef idx="minor">
+            <a:schemeClr val="lt1"/>
+          </a:fontRef>
+        </p:style>
+        <p:txBody>
+          <a:bodyPr rtlCol="0" anchor="ctr"/>
+          <a:lstStyle/>
+          <a:p>
+            <a:pPr marL="0" marR="0" lvl="0" indent="0" algn="ctr" defTabSz="914400" rtl="0" eaLnBrk="1" fontAlgn="auto" latinLnBrk="0" hangingPunct="1">
+              <a:lnSpc>
+                <a:spcPct val="100000"/>
+              </a:lnSpc>
+              <a:spcBef>
+                <a:spcPts val="0"/>
+              </a:spcBef>
+              <a:spcAft>
+                <a:spcPts val="0"/>
+              </a:spcAft>
+              <a:buClrTx/>
+              <a:buSzTx/>
+              <a:buFontTx/>
+              <a:buNone/>
+              <a:tabLst/>
+              <a:defRPr/>
+            </a:pPr>
+            <a:endParaRPr kumimoji="0" lang="en-US" sz="1800" b="0" i="0" u="none" strike="noStrike" kern="1200" cap="none" spc="0" normalizeH="0" baseline="0" noProof="0">
+              <a:ln>
+                <a:noFill/>
+              </a:ln>
+              <a:solidFill>
+                <a:prstClr val="white"/>
+              </a:solidFill>
+              <a:effectLst/>
+              <a:uLnTx/>
+              <a:uFillTx/>
+              <a:latin typeface="Calibri" panose="020F0502020204030204"/>
+              <a:ea typeface="+mn-ea"/>
+              <a:cs typeface="+mn-cs"/>
+            </a:endParaRPr>
+          </a:p>
+        </p:txBody>
+      </p:sp>
+    </p:spTree>
+    <p:extLst>
+      <p:ext uri="{BB962C8B-B14F-4D97-AF65-F5344CB8AC3E}">
+        <p14:creationId xmlns:p14="http://schemas.microsoft.com/office/powerpoint/2010/main" val="1403739652"/>
+      </p:ext>
+    </p:extLst>
+  </p:cSld>
+  <p:clrMapOvr>
+    <a:masterClrMapping/>
+  </p:clrMapOvr>
+</p:sld>
+</file>
+
+<file path=ppt/slides/slide12.xml><?xml version="1.0" encoding="utf-8"?>
+<p:sld xmlns:a="http://schemas.openxmlformats.org/drawingml/2006/main" xmlns:r="http://schemas.openxmlformats.org/officeDocument/2006/relationships" xmlns:p="http://schemas.openxmlformats.org/presentationml/2006/main">
+  <p:cSld>
+    <p:bg>
+      <p:bgPr>
+        <a:solidFill>
+          <a:schemeClr val="bg1"/>
+        </a:solidFill>
+        <a:effectLst/>
+      </p:bgPr>
+    </p:bg>
+    <p:spTree>
+      <p:nvGrpSpPr>
+        <p:cNvPr id="1" name=""/>
+        <p:cNvGrpSpPr/>
+        <p:nvPr/>
+      </p:nvGrpSpPr>
+      <p:grpSpPr>
+        <a:xfrm>
+          <a:off x="0" y="0"/>
+          <a:ext cx="0" cy="0"/>
+          <a:chOff x="0" y="0"/>
+          <a:chExt cx="0" cy="0"/>
+        </a:xfrm>
+      </p:grpSpPr>
+      <p:sp useBgFill="1">
+        <p:nvSpPr>
+          <p:cNvPr id="9" name="Rectangle 8">
+            <a:extLst>
+              <a:ext uri="{FF2B5EF4-FFF2-40B4-BE49-F238E27FC236}">
+                <a16:creationId xmlns:a16="http://schemas.microsoft.com/office/drawing/2014/main" id="{53B021B3-DE93-4AB7-8A18-CF5F1CED88B8}"/>
+              </a:ext>
+              <a:ext uri="{C183D7F6-B498-43B3-948B-1728B52AA6E4}">
+                <adec:decorative xmlns:adec="http://schemas.microsoft.com/office/drawing/2017/decorative" val="1"/>
+              </a:ext>
+            </a:extLst>
+          </p:cNvPr>
+          <p:cNvSpPr>
+            <a:spLocks noGrp="1" noRot="1" noChangeAspect="1" noMove="1" noResize="1" noEditPoints="1" noAdjustHandles="1" noChangeArrowheads="1" noChangeShapeType="1" noTextEdit="1"/>
+          </p:cNvSpPr>
+          <p:nvPr>
+            <p:extLst>
+              <p:ext uri="{386F3935-93C4-4BCD-93E2-E3B085C9AB24}">
+                <p16:designElem xmlns:p16="http://schemas.microsoft.com/office/powerpoint/2015/main" val="1"/>
+              </p:ext>
+            </p:extLst>
+          </p:nvPr>
+        </p:nvSpPr>
+        <p:spPr>
+          <a:xfrm>
+            <a:off x="0" y="0"/>
+            <a:ext cx="12192000" cy="6858000"/>
+          </a:xfrm>
+          <a:prstGeom prst="rect">
+            <a:avLst/>
+          </a:prstGeom>
+          <a:ln>
+            <a:noFill/>
+          </a:ln>
+        </p:spPr>
+        <p:style>
+          <a:lnRef idx="2">
+            <a:schemeClr val="accent1">
+              <a:shade val="50000"/>
+            </a:schemeClr>
+          </a:lnRef>
+          <a:fillRef idx="1">
+            <a:schemeClr val="accent1"/>
+          </a:fillRef>
+          <a:effectRef idx="0">
+            <a:schemeClr val="accent1"/>
+          </a:effectRef>
+          <a:fontRef idx="minor">
+            <a:schemeClr val="lt1"/>
+          </a:fontRef>
+        </p:style>
+        <p:txBody>
+          <a:bodyPr rtlCol="0" anchor="ctr"/>
+          <a:lstStyle/>
+          <a:p>
+            <a:pPr algn="ctr"/>
+            <a:endParaRPr lang="en-US"/>
+          </a:p>
+        </p:txBody>
+      </p:sp>
+      <p:sp>
+        <p:nvSpPr>
+          <p:cNvPr id="2" name="Title 1">
+            <a:extLst>
+              <a:ext uri="{FF2B5EF4-FFF2-40B4-BE49-F238E27FC236}">
+                <a16:creationId xmlns:a16="http://schemas.microsoft.com/office/drawing/2014/main" id="{B0C525C2-94DB-4A03-9C93-0B3798831695}"/>
+              </a:ext>
+            </a:extLst>
+          </p:cNvPr>
+          <p:cNvSpPr>
+            <a:spLocks noGrp="1"/>
+          </p:cNvSpPr>
+          <p:nvPr>
+            <p:ph type="title"/>
+          </p:nvPr>
+        </p:nvSpPr>
+        <p:spPr>
+          <a:xfrm>
+            <a:off x="841248" y="256032"/>
+            <a:ext cx="10506456" cy="1014984"/>
+          </a:xfrm>
+        </p:spPr>
+        <p:txBody>
+          <a:bodyPr anchor="b">
+            <a:normAutofit/>
+          </a:bodyPr>
+          <a:lstStyle/>
+          <a:p>
+            <a:r>
+              <a:rPr lang="fr-FR" dirty="0" err="1"/>
+              <a:t>Going</a:t>
+            </a:r>
+            <a:r>
+              <a:rPr lang="fr-FR" dirty="0"/>
+              <a:t> </a:t>
+            </a:r>
+            <a:r>
+              <a:rPr lang="fr-FR" dirty="0" err="1"/>
+              <a:t>further</a:t>
+            </a:r>
+            <a:endParaRPr lang="en-US" dirty="0"/>
+          </a:p>
+        </p:txBody>
+      </p:sp>
+      <p:sp>
+        <p:nvSpPr>
+          <p:cNvPr id="11" name="Rectangle 10">
+            <a:extLst>
+              <a:ext uri="{FF2B5EF4-FFF2-40B4-BE49-F238E27FC236}">
+                <a16:creationId xmlns:a16="http://schemas.microsoft.com/office/drawing/2014/main" id="{52D502E5-F6B4-4D58-B4AE-FC466FF15EE8}"/>
+              </a:ext>
+              <a:ext uri="{C183D7F6-B498-43B3-948B-1728B52AA6E4}">
+                <adec:decorative xmlns:adec="http://schemas.microsoft.com/office/drawing/2017/decorative" val="1"/>
+              </a:ext>
+            </a:extLst>
+          </p:cNvPr>
+          <p:cNvSpPr>
+            <a:spLocks noGrp="1" noRot="1" noChangeAspect="1" noMove="1" noResize="1" noEditPoints="1" noAdjustHandles="1" noChangeArrowheads="1" noChangeShapeType="1" noTextEdit="1"/>
+          </p:cNvSpPr>
+          <p:nvPr>
+            <p:extLst>
+              <p:ext uri="{386F3935-93C4-4BCD-93E2-E3B085C9AB24}">
+                <p16:designElem xmlns:p16="http://schemas.microsoft.com/office/powerpoint/2015/main" val="1"/>
+              </p:ext>
+            </p:extLst>
+          </p:nvPr>
+        </p:nvSpPr>
+        <p:spPr>
+          <a:xfrm>
+            <a:off x="865953" y="1634502"/>
+            <a:ext cx="10451592" cy="18288"/>
+          </a:xfrm>
+          <a:prstGeom prst="rect">
+            <a:avLst/>
+          </a:prstGeom>
+          <a:solidFill>
+            <a:srgbClr val="D5D5D5"/>
+          </a:solidFill>
+          <a:ln w="3175">
+            <a:noFill/>
+          </a:ln>
+          <a:effectLst/>
+        </p:spPr>
+        <p:style>
+          <a:lnRef idx="2">
+            <a:schemeClr val="accent1">
+              <a:shade val="50000"/>
+            </a:schemeClr>
+          </a:lnRef>
+          <a:fillRef idx="1">
+            <a:schemeClr val="accent1"/>
+          </a:fillRef>
+          <a:effectRef idx="0">
+            <a:schemeClr val="accent1"/>
+          </a:effectRef>
+          <a:fontRef idx="minor">
+            <a:schemeClr val="lt1"/>
+          </a:fontRef>
+        </p:style>
+        <p:txBody>
+          <a:bodyPr rtlCol="0" anchor="ctr"/>
+          <a:lstStyle/>
+          <a:p>
+            <a:pPr algn="ctr"/>
+            <a:endParaRPr lang="en-US">
+              <a:solidFill>
+                <a:prstClr val="white"/>
+              </a:solidFill>
+              <a:latin typeface="Calibri" panose="020F0502020204030204"/>
+            </a:endParaRPr>
+          </a:p>
+        </p:txBody>
+      </p:sp>
+      <p:sp>
+        <p:nvSpPr>
+          <p:cNvPr id="13" name="Rectangle 12">
+            <a:extLst>
+              <a:ext uri="{FF2B5EF4-FFF2-40B4-BE49-F238E27FC236}">
+                <a16:creationId xmlns:a16="http://schemas.microsoft.com/office/drawing/2014/main" id="{9DECDBF4-02B6-4BB4-B65B-B8107AD6A9E8}"/>
+              </a:ext>
+              <a:ext uri="{C183D7F6-B498-43B3-948B-1728B52AA6E4}">
+                <adec:decorative xmlns:adec="http://schemas.microsoft.com/office/drawing/2017/decorative" val="1"/>
+              </a:ext>
+            </a:extLst>
+          </p:cNvPr>
+          <p:cNvSpPr>
+            <a:spLocks noGrp="1" noRot="1" noChangeAspect="1" noMove="1" noResize="1" noEditPoints="1" noAdjustHandles="1" noChangeArrowheads="1" noChangeShapeType="1" noTextEdit="1"/>
+          </p:cNvSpPr>
+          <p:nvPr>
+            <p:extLst>
+              <p:ext uri="{386F3935-93C4-4BCD-93E2-E3B085C9AB24}">
+                <p16:designElem xmlns:p16="http://schemas.microsoft.com/office/powerpoint/2015/main" val="1"/>
+              </p:ext>
+            </p:extLst>
+          </p:nvPr>
+        </p:nvSpPr>
+        <p:spPr>
+          <a:xfrm flipV="1">
+            <a:off x="841248" y="1538176"/>
+            <a:ext cx="1873457" cy="109814"/>
+          </a:xfrm>
+          <a:prstGeom prst="rect">
+            <a:avLst/>
+          </a:prstGeom>
+          <a:solidFill>
+            <a:schemeClr val="accent2"/>
+          </a:solidFill>
+          <a:ln>
+            <a:noFill/>
+          </a:ln>
+        </p:spPr>
+        <p:style>
+          <a:lnRef idx="2">
+            <a:schemeClr val="accent1">
+              <a:shade val="50000"/>
+            </a:schemeClr>
+          </a:lnRef>
+          <a:fillRef idx="1">
+            <a:schemeClr val="accent1"/>
+          </a:fillRef>
+          <a:effectRef idx="0">
+            <a:schemeClr val="accent1"/>
+          </a:effectRef>
+          <a:fontRef idx="minor">
+            <a:schemeClr val="lt1"/>
+          </a:fontRef>
+        </p:style>
+        <p:txBody>
+          <a:bodyPr rtlCol="0" anchor="ctr"/>
+          <a:lstStyle/>
+          <a:p>
+            <a:pPr algn="ctr"/>
+            <a:endParaRPr lang="en-US">
+              <a:solidFill>
+                <a:prstClr val="white"/>
+              </a:solidFill>
+              <a:latin typeface="Calibri" panose="020F0502020204030204"/>
+            </a:endParaRPr>
+          </a:p>
+        </p:txBody>
+      </p:sp>
+      <p:graphicFrame>
+        <p:nvGraphicFramePr>
+          <p:cNvPr id="5" name="Content Placeholder 2">
+            <a:extLst>
+              <a:ext uri="{FF2B5EF4-FFF2-40B4-BE49-F238E27FC236}">
+                <a16:creationId xmlns:a16="http://schemas.microsoft.com/office/drawing/2014/main" id="{14BB6F34-DC84-4FBD-887F-75C0D0D0FD10}"/>
+              </a:ext>
+            </a:extLst>
+          </p:cNvPr>
+          <p:cNvGraphicFramePr>
+            <a:graphicFrameLocks noGrp="1"/>
+          </p:cNvGraphicFramePr>
+          <p:nvPr>
+            <p:ph idx="1"/>
+            <p:extLst>
+              <p:ext uri="{D42A27DB-BD31-4B8C-83A1-F6EECF244321}">
+                <p14:modId xmlns:p14="http://schemas.microsoft.com/office/powerpoint/2010/main" val="876824749"/>
+              </p:ext>
+            </p:extLst>
+          </p:nvPr>
+        </p:nvGraphicFramePr>
+        <p:xfrm>
+          <a:off x="838200" y="1926266"/>
+          <a:ext cx="10515600" cy="4357524"/>
+        </p:xfrm>
+        <a:graphic>
+          <a:graphicData uri="http://schemas.openxmlformats.org/drawingml/2006/diagram">
+            <dgm:relIds xmlns:dgm="http://schemas.openxmlformats.org/drawingml/2006/diagram" xmlns:r="http://schemas.openxmlformats.org/officeDocument/2006/relationships" r:dm="rId2" r:lo="rId3" r:qs="rId4" r:cs="rId5"/>
+          </a:graphicData>
+        </a:graphic>
+      </p:graphicFrame>
+    </p:spTree>
+    <p:extLst>
+      <p:ext uri="{BB962C8B-B14F-4D97-AF65-F5344CB8AC3E}">
+        <p14:creationId xmlns:p14="http://schemas.microsoft.com/office/powerpoint/2010/main" val="873489752"/>
+      </p:ext>
+    </p:extLst>
+  </p:cSld>
+  <p:clrMapOvr>
+    <a:masterClrMapping/>
+  </p:clrMapOvr>
+</p:sld>
+</file>
+
+<file path=ppt/slides/slide13.xml><?xml version="1.0" encoding="utf-8"?>
+<p:sld xmlns:a="http://schemas.openxmlformats.org/drawingml/2006/main" xmlns:r="http://schemas.openxmlformats.org/officeDocument/2006/relationships" xmlns:p="http://schemas.openxmlformats.org/presentationml/2006/main">
+  <p:cSld>
+    <p:bg>
+      <p:bgPr>
+        <a:solidFill>
+          <a:schemeClr val="bg1"/>
+        </a:solidFill>
+        <a:effectLst/>
+      </p:bgPr>
+    </p:bg>
+    <p:spTree>
+      <p:nvGrpSpPr>
+        <p:cNvPr id="1" name=""/>
+        <p:cNvGrpSpPr/>
+        <p:nvPr/>
+      </p:nvGrpSpPr>
+      <p:grpSpPr>
+        <a:xfrm>
+          <a:off x="0" y="0"/>
+          <a:ext cx="0" cy="0"/>
+          <a:chOff x="0" y="0"/>
+          <a:chExt cx="0" cy="0"/>
+        </a:xfrm>
+      </p:grpSpPr>
+      <p:sp useBgFill="1">
+        <p:nvSpPr>
+          <p:cNvPr id="18" name="Rectangle 17">
+            <a:extLst>
+              <a:ext uri="{FF2B5EF4-FFF2-40B4-BE49-F238E27FC236}">
+                <a16:creationId xmlns:a16="http://schemas.microsoft.com/office/drawing/2014/main" id="{44AD29B6-BF3B-4407-9E75-52DF8E3B29F1}"/>
+              </a:ext>
+              <a:ext uri="{C183D7F6-B498-43B3-948B-1728B52AA6E4}">
+                <adec:decorative xmlns:adec="http://schemas.microsoft.com/office/drawing/2017/decorative" val="1"/>
+              </a:ext>
+            </a:extLst>
+          </p:cNvPr>
+          <p:cNvSpPr>
+            <a:spLocks noGrp="1" noRot="1" noChangeAspect="1" noMove="1" noResize="1" noEditPoints="1" noAdjustHandles="1" noChangeArrowheads="1" noChangeShapeType="1" noTextEdit="1"/>
+          </p:cNvSpPr>
+          <p:nvPr>
+            <p:extLst>
+              <p:ext uri="{386F3935-93C4-4BCD-93E2-E3B085C9AB24}">
+                <p16:designElem xmlns:p16="http://schemas.microsoft.com/office/powerpoint/2015/main" val="1"/>
+              </p:ext>
+            </p:extLst>
+          </p:nvPr>
+        </p:nvSpPr>
+        <p:spPr>
+          <a:xfrm>
+            <a:off x="0" y="0"/>
+            <a:ext cx="12192000" cy="6858000"/>
+          </a:xfrm>
+          <a:prstGeom prst="rect">
+            <a:avLst/>
+          </a:prstGeom>
+          <a:ln>
+            <a:noFill/>
+          </a:ln>
+        </p:spPr>
+        <p:style>
+          <a:lnRef idx="2">
+            <a:schemeClr val="accent1">
+              <a:shade val="50000"/>
+            </a:schemeClr>
+          </a:lnRef>
+          <a:fillRef idx="1">
+            <a:schemeClr val="accent1"/>
+          </a:fillRef>
+          <a:effectRef idx="0">
+            <a:schemeClr val="accent1"/>
+          </a:effectRef>
+          <a:fontRef idx="minor">
+            <a:schemeClr val="lt1"/>
+          </a:fontRef>
+        </p:style>
+        <p:txBody>
+          <a:bodyPr rtlCol="0" anchor="ctr"/>
+          <a:lstStyle/>
+          <a:p>
+            <a:pPr algn="ctr"/>
+            <a:endParaRPr lang="en-US"/>
+          </a:p>
+        </p:txBody>
+      </p:sp>
+      <p:sp useBgFill="1">
+        <p:nvSpPr>
+          <p:cNvPr id="20" name="Rectangle 19">
+            <a:extLst>
+              <a:ext uri="{FF2B5EF4-FFF2-40B4-BE49-F238E27FC236}">
+                <a16:creationId xmlns:a16="http://schemas.microsoft.com/office/drawing/2014/main" id="{55F8BA08-3E38-4B70-B93A-74F08E092206}"/>
+              </a:ext>
+              <a:ext uri="{C183D7F6-B498-43B3-948B-1728B52AA6E4}">
+                <adec:decorative xmlns:adec="http://schemas.microsoft.com/office/drawing/2017/decorative" val="1"/>
+              </a:ext>
+            </a:extLst>
+          </p:cNvPr>
+          <p:cNvSpPr>
+            <a:spLocks noGrp="1" noRot="1" noChangeAspect="1" noMove="1" noResize="1" noEditPoints="1" noAdjustHandles="1" noChangeArrowheads="1" noChangeShapeType="1" noTextEdit="1"/>
+          </p:cNvSpPr>
+          <p:nvPr>
+            <p:extLst>
+              <p:ext uri="{386F3935-93C4-4BCD-93E2-E3B085C9AB24}">
+                <p16:designElem xmlns:p16="http://schemas.microsoft.com/office/powerpoint/2015/main" val="1"/>
+              </p:ext>
+            </p:extLst>
+          </p:nvPr>
+        </p:nvSpPr>
+        <p:spPr>
+          <a:xfrm>
+            <a:off x="558209" y="260019"/>
+            <a:ext cx="11167447" cy="5933012"/>
+          </a:xfrm>
+          <a:prstGeom prst="rect">
+            <a:avLst/>
+          </a:prstGeom>
+          <a:ln w="12700">
+            <a:solidFill>
+              <a:srgbClr val="DEDEDE"/>
+            </a:solidFill>
+          </a:ln>
+          <a:effectLst>
+            <a:outerShdw blurRad="50800" dist="38100" dir="2700000" algn="tl" rotWithShape="0">
+              <a:schemeClr val="bg2">
+                <a:lumMod val="85000"/>
+                <a:alpha val="50000"/>
+              </a:schemeClr>
+            </a:outerShdw>
+          </a:effectLst>
+        </p:spPr>
+        <p:style>
+          <a:lnRef idx="2">
+            <a:schemeClr val="accent1">
+              <a:shade val="50000"/>
+            </a:schemeClr>
+          </a:lnRef>
+          <a:fillRef idx="1">
+            <a:schemeClr val="accent1"/>
+          </a:fillRef>
+          <a:effectRef idx="0">
+            <a:schemeClr val="accent1"/>
+          </a:effectRef>
+          <a:fontRef idx="minor">
+            <a:schemeClr val="lt1"/>
+          </a:fontRef>
+        </p:style>
+        <p:txBody>
+          <a:bodyPr rtlCol="0" anchor="ctr"/>
+          <a:lstStyle/>
+          <a:p>
+            <a:pPr marL="0" marR="0" lvl="0" indent="0" algn="ctr" defTabSz="914400" rtl="0" eaLnBrk="1" fontAlgn="auto" latinLnBrk="0" hangingPunct="1">
+              <a:lnSpc>
+                <a:spcPct val="100000"/>
+              </a:lnSpc>
+              <a:spcBef>
+                <a:spcPts val="0"/>
+              </a:spcBef>
+              <a:spcAft>
+                <a:spcPts val="0"/>
+              </a:spcAft>
+              <a:buClrTx/>
+              <a:buSzTx/>
+              <a:buFontTx/>
+              <a:buNone/>
+              <a:tabLst/>
+              <a:defRPr/>
+            </a:pPr>
+            <a:endParaRPr kumimoji="0" lang="en-US" sz="1800" b="0" i="0" u="none" strike="noStrike" kern="1200" cap="none" spc="0" normalizeH="0" baseline="0" noProof="0">
+              <a:ln>
+                <a:noFill/>
+              </a:ln>
+              <a:solidFill>
+                <a:prstClr val="white"/>
+              </a:solidFill>
+              <a:effectLst/>
+              <a:uLnTx/>
+              <a:uFillTx/>
+              <a:latin typeface="Calibri" panose="020F0502020204030204"/>
+              <a:ea typeface="+mn-ea"/>
+              <a:cs typeface="+mn-cs"/>
+            </a:endParaRPr>
+          </a:p>
+        </p:txBody>
+      </p:sp>
+      <p:sp>
+        <p:nvSpPr>
+          <p:cNvPr id="2" name="Title 1">
+            <a:extLst>
+              <a:ext uri="{FF2B5EF4-FFF2-40B4-BE49-F238E27FC236}">
+                <a16:creationId xmlns:a16="http://schemas.microsoft.com/office/drawing/2014/main" id="{1071947B-B22F-4C14-9B56-A1132AAA643E}"/>
+              </a:ext>
+            </a:extLst>
+          </p:cNvPr>
+          <p:cNvSpPr>
+            <a:spLocks noGrp="1"/>
+          </p:cNvSpPr>
+          <p:nvPr>
+            <p:ph type="title"/>
+          </p:nvPr>
+        </p:nvSpPr>
+        <p:spPr>
+          <a:xfrm>
+            <a:off x="1045029" y="507160"/>
+            <a:ext cx="2993571" cy="5438730"/>
+          </a:xfrm>
+        </p:spPr>
+        <p:txBody>
+          <a:bodyPr>
+            <a:normAutofit/>
+          </a:bodyPr>
+          <a:lstStyle/>
+          <a:p>
+            <a:r>
+              <a:rPr lang="fr-FR" sz="3200"/>
+              <a:t>Ideas list</a:t>
+            </a:r>
+            <a:endParaRPr lang="en-US" sz="3200"/>
+          </a:p>
+        </p:txBody>
+      </p:sp>
+      <p:sp>
+        <p:nvSpPr>
+          <p:cNvPr id="26" name="Rectangle 21">
+            <a:extLst>
+              <a:ext uri="{FF2B5EF4-FFF2-40B4-BE49-F238E27FC236}">
+                <a16:creationId xmlns:a16="http://schemas.microsoft.com/office/drawing/2014/main" id="{357F1B33-79AB-4A71-8CEC-4546D709B8C8}"/>
+              </a:ext>
+              <a:ext uri="{C183D7F6-B498-43B3-948B-1728B52AA6E4}">
+                <adec:decorative xmlns:adec="http://schemas.microsoft.com/office/drawing/2017/decorative" val="1"/>
+              </a:ext>
+            </a:extLst>
+          </p:cNvPr>
+          <p:cNvSpPr>
+            <a:spLocks noGrp="1" noRot="1" noChangeAspect="1" noMove="1" noResize="1" noEditPoints="1" noAdjustHandles="1" noChangeArrowheads="1" noChangeShapeType="1" noTextEdit="1"/>
+          </p:cNvSpPr>
+          <p:nvPr>
+            <p:extLst>
+              <p:ext uri="{386F3935-93C4-4BCD-93E2-E3B085C9AB24}">
+                <p16:designElem xmlns:p16="http://schemas.microsoft.com/office/powerpoint/2015/main" val="1"/>
+              </p:ext>
+            </p:extLst>
+          </p:nvPr>
+        </p:nvSpPr>
+        <p:spPr>
+          <a:xfrm>
+            <a:off x="498834" y="2874481"/>
+            <a:ext cx="128016" cy="704088"/>
+          </a:xfrm>
+          <a:prstGeom prst="rect">
+            <a:avLst/>
+          </a:prstGeom>
+          <a:solidFill>
+            <a:schemeClr val="accent2"/>
+          </a:solidFill>
+          <a:ln>
+            <a:noFill/>
+          </a:ln>
+        </p:spPr>
+        <p:style>
+          <a:lnRef idx="2">
+            <a:schemeClr val="accent1">
+              <a:shade val="50000"/>
+            </a:schemeClr>
+          </a:lnRef>
+          <a:fillRef idx="1">
+            <a:schemeClr val="accent1"/>
+          </a:fillRef>
+          <a:effectRef idx="0">
+            <a:schemeClr val="accent1"/>
+          </a:effectRef>
+          <a:fontRef idx="minor">
+            <a:schemeClr val="lt1"/>
+          </a:fontRef>
+        </p:style>
+        <p:txBody>
+          <a:bodyPr rtlCol="0" anchor="ctr"/>
+          <a:lstStyle/>
+          <a:p>
+            <a:pPr algn="ctr"/>
+            <a:endParaRPr lang="en-US">
+              <a:solidFill>
+                <a:prstClr val="white"/>
+              </a:solidFill>
+              <a:latin typeface="Calibri" panose="020F0502020204030204"/>
+            </a:endParaRPr>
+          </a:p>
+        </p:txBody>
+      </p:sp>
+      <p:graphicFrame>
+        <p:nvGraphicFramePr>
+          <p:cNvPr id="5" name="Content Placeholder 2">
+            <a:extLst>
+              <a:ext uri="{FF2B5EF4-FFF2-40B4-BE49-F238E27FC236}">
+                <a16:creationId xmlns:a16="http://schemas.microsoft.com/office/drawing/2014/main" id="{3D0053BB-873F-4037-B907-0B68C8156E82}"/>
+              </a:ext>
+            </a:extLst>
+          </p:cNvPr>
+          <p:cNvGraphicFramePr>
+            <a:graphicFrameLocks noGrp="1"/>
+          </p:cNvGraphicFramePr>
+          <p:nvPr>
+            <p:ph idx="1"/>
+            <p:extLst>
+              <p:ext uri="{D42A27DB-BD31-4B8C-83A1-F6EECF244321}">
+                <p14:modId xmlns:p14="http://schemas.microsoft.com/office/powerpoint/2010/main" val="3272562003"/>
+              </p:ext>
+            </p:extLst>
+          </p:nvPr>
+        </p:nvGraphicFramePr>
+        <p:xfrm>
+          <a:off x="4526280" y="512064"/>
+          <a:ext cx="6830568" cy="5440680"/>
+        </p:xfrm>
+        <a:graphic>
+          <a:graphicData uri="http://schemas.openxmlformats.org/drawingml/2006/diagram">
+            <dgm:relIds xmlns:dgm="http://schemas.openxmlformats.org/drawingml/2006/diagram" xmlns:r="http://schemas.openxmlformats.org/officeDocument/2006/relationships" r:dm="rId2" r:lo="rId3" r:qs="rId4" r:cs="rId5"/>
+          </a:graphicData>
+        </a:graphic>
+      </p:graphicFrame>
+    </p:spTree>
+    <p:extLst>
+      <p:ext uri="{BB962C8B-B14F-4D97-AF65-F5344CB8AC3E}">
+        <p14:creationId xmlns:p14="http://schemas.microsoft.com/office/powerpoint/2010/main" val="3255581665"/>
+      </p:ext>
+    </p:extLst>
+  </p:cSld>
+  <p:clrMapOvr>
+    <a:masterClrMapping/>
+  </p:clrMapOvr>
+</p:sld>
+</file>
+
+<file path=ppt/slides/slide14.xml><?xml version="1.0" encoding="utf-8"?>
+<p:sld xmlns:a="http://schemas.openxmlformats.org/drawingml/2006/main" xmlns:r="http://schemas.openxmlformats.org/officeDocument/2006/relationships" xmlns:p="http://schemas.openxmlformats.org/presentationml/2006/main">
+  <p:cSld>
+    <p:bg>
+      <p:bgPr>
+        <a:solidFill>
+          <a:schemeClr val="bg1">
+            <a:tint val="95000"/>
+            <a:satMod val="170000"/>
+          </a:schemeClr>
+        </a:solidFill>
+        <a:effectLst/>
+      </p:bgPr>
+    </p:bg>
+    <p:spTree>
+      <p:nvGrpSpPr>
+        <p:cNvPr id="1" name=""/>
+        <p:cNvGrpSpPr/>
+        <p:nvPr/>
+      </p:nvGrpSpPr>
+      <p:grpSpPr>
+        <a:xfrm>
+          <a:off x="0" y="0"/>
+          <a:ext cx="0" cy="0"/>
+          <a:chOff x="0" y="0"/>
+          <a:chExt cx="0" cy="0"/>
+        </a:xfrm>
+      </p:grpSpPr>
+      <p:sp>
+        <p:nvSpPr>
+          <p:cNvPr id="10" name="Rectangle 9">
+            <a:extLst>
+              <a:ext uri="{FF2B5EF4-FFF2-40B4-BE49-F238E27FC236}">
+                <a16:creationId xmlns:a16="http://schemas.microsoft.com/office/drawing/2014/main" id="{5B32A67F-3598-4A13-8552-DA884FFCCE57}"/>
+              </a:ext>
+              <a:ext uri="{C183D7F6-B498-43B3-948B-1728B52AA6E4}">
+                <adec:decorative xmlns:adec="http://schemas.microsoft.com/office/drawing/2017/decorative" val="1"/>
+              </a:ext>
+            </a:extLst>
+          </p:cNvPr>
+          <p:cNvSpPr>
+            <a:spLocks noGrp="1" noRot="1" noChangeAspect="1" noMove="1" noResize="1" noEditPoints="1" noAdjustHandles="1" noChangeArrowheads="1" noChangeShapeType="1" noTextEdit="1"/>
+          </p:cNvSpPr>
+          <p:nvPr>
+            <p:extLst>
+              <p:ext uri="{386F3935-93C4-4BCD-93E2-E3B085C9AB24}">
+                <p16:designElem xmlns:p16="http://schemas.microsoft.com/office/powerpoint/2015/main" val="1"/>
+              </p:ext>
+            </p:extLst>
+          </p:nvPr>
+        </p:nvSpPr>
+        <p:spPr>
+          <a:xfrm>
+            <a:off x="0" y="0"/>
+            <a:ext cx="12192000" cy="6858000"/>
+          </a:xfrm>
+          <a:prstGeom prst="rect">
+            <a:avLst/>
+          </a:prstGeom>
+          <a:solidFill>
+            <a:schemeClr val="tx1">
+              <a:lumMod val="75000"/>
+              <a:lumOff val="25000"/>
+            </a:schemeClr>
+          </a:solidFill>
+          <a:ln>
+            <a:noFill/>
+          </a:ln>
+        </p:spPr>
+        <p:style>
+          <a:lnRef idx="2">
+            <a:schemeClr val="accent1">
+              <a:shade val="50000"/>
+            </a:schemeClr>
+          </a:lnRef>
+          <a:fillRef idx="1">
+            <a:schemeClr val="accent1"/>
+          </a:fillRef>
+          <a:effectRef idx="0">
+            <a:schemeClr val="accent1"/>
+          </a:effectRef>
+          <a:fontRef idx="minor">
+            <a:schemeClr val="lt1"/>
+          </a:fontRef>
+        </p:style>
+        <p:txBody>
+          <a:bodyPr rtlCol="0" anchor="ctr"/>
+          <a:lstStyle/>
+          <a:p>
+            <a:pPr algn="ctr"/>
+            <a:endParaRPr lang="en-US"/>
+          </a:p>
+        </p:txBody>
+      </p:sp>
+      <p:sp>
+        <p:nvSpPr>
+          <p:cNvPr id="2" name="Title 1">
+            <a:extLst>
+              <a:ext uri="{FF2B5EF4-FFF2-40B4-BE49-F238E27FC236}">
+                <a16:creationId xmlns:a16="http://schemas.microsoft.com/office/drawing/2014/main" id="{19868E9E-79E5-41D1-B914-0AF625C36BB6}"/>
+              </a:ext>
+            </a:extLst>
+          </p:cNvPr>
+          <p:cNvSpPr>
+            <a:spLocks noGrp="1"/>
+          </p:cNvSpPr>
+          <p:nvPr>
+            <p:ph type="title"/>
+          </p:nvPr>
+        </p:nvSpPr>
+        <p:spPr>
+          <a:xfrm>
+            <a:off x="804673" y="3320859"/>
+            <a:ext cx="4573475" cy="2076333"/>
+          </a:xfrm>
+        </p:spPr>
+        <p:txBody>
+          <a:bodyPr vert="horz" lIns="91440" tIns="45720" rIns="91440" bIns="45720" rtlCol="0" anchor="t">
+            <a:normAutofit/>
+          </a:bodyPr>
+          <a:lstStyle/>
+          <a:p>
+            <a:r>
+              <a:rPr lang="en-US" sz="4800" kern="1200">
+                <a:solidFill>
+                  <a:schemeClr val="bg1"/>
+                </a:solidFill>
+                <a:latin typeface="+mj-lt"/>
+                <a:ea typeface="+mj-ea"/>
+                <a:cs typeface="+mj-cs"/>
+              </a:rPr>
+              <a:t>Questions</a:t>
+            </a:r>
+          </a:p>
+        </p:txBody>
+      </p:sp>
+      <p:sp>
+        <p:nvSpPr>
+          <p:cNvPr id="12" name="Freeform: Shape 11">
+            <a:extLst>
+              <a:ext uri="{FF2B5EF4-FFF2-40B4-BE49-F238E27FC236}">
+                <a16:creationId xmlns:a16="http://schemas.microsoft.com/office/drawing/2014/main" id="{BCC55ACC-A2F6-403C-A3A4-D59B3734D45F}"/>
+              </a:ext>
+              <a:ext uri="{C183D7F6-B498-43B3-948B-1728B52AA6E4}">
+                <adec:decorative xmlns:adec="http://schemas.microsoft.com/office/drawing/2017/decorative" val="1"/>
+              </a:ext>
+            </a:extLst>
+          </p:cNvPr>
+          <p:cNvSpPr>
+            <a:spLocks noGrp="1" noRot="1" noChangeAspect="1" noMove="1" noResize="1" noEditPoints="1" noAdjustHandles="1" noChangeArrowheads="1" noChangeShapeType="1" noTextEdit="1"/>
+          </p:cNvSpPr>
+          <p:nvPr>
+            <p:extLst>
+              <p:ext uri="{386F3935-93C4-4BCD-93E2-E3B085C9AB24}">
+                <p16:designElem xmlns:p16="http://schemas.microsoft.com/office/powerpoint/2015/main" val="1"/>
+              </p:ext>
+            </p:extLst>
+          </p:nvPr>
+        </p:nvSpPr>
+        <p:spPr>
+          <a:xfrm>
+            <a:off x="5857312" y="381000"/>
+            <a:ext cx="6334689" cy="6477000"/>
+          </a:xfrm>
+          <a:custGeom>
+            <a:avLst/>
+            <a:gdLst>
+              <a:gd name="connsiteX0" fmla="*/ 3561588 w 6334689"/>
+              <a:gd name="connsiteY0" fmla="*/ 0 h 6477000"/>
+              <a:gd name="connsiteX1" fmla="*/ 6309883 w 6334689"/>
+              <a:gd name="connsiteY1" fmla="*/ 1296087 h 6477000"/>
+              <a:gd name="connsiteX2" fmla="*/ 6334689 w 6334689"/>
+              <a:gd name="connsiteY2" fmla="*/ 1329261 h 6477000"/>
+              <a:gd name="connsiteX3" fmla="*/ 6334689 w 6334689"/>
+              <a:gd name="connsiteY3" fmla="*/ 5793916 h 6477000"/>
+              <a:gd name="connsiteX4" fmla="*/ 6309883 w 6334689"/>
+              <a:gd name="connsiteY4" fmla="*/ 5827089 h 6477000"/>
+              <a:gd name="connsiteX5" fmla="*/ 5760467 w 6334689"/>
+              <a:gd name="connsiteY5" fmla="*/ 6363539 h 6477000"/>
+              <a:gd name="connsiteX6" fmla="*/ 5607796 w 6334689"/>
+              <a:gd name="connsiteY6" fmla="*/ 6477000 h 6477000"/>
+              <a:gd name="connsiteX7" fmla="*/ 1519571 w 6334689"/>
+              <a:gd name="connsiteY7" fmla="*/ 6477000 h 6477000"/>
+              <a:gd name="connsiteX8" fmla="*/ 1296088 w 6334689"/>
+              <a:gd name="connsiteY8" fmla="*/ 6309883 h 6477000"/>
+              <a:gd name="connsiteX9" fmla="*/ 0 w 6334689"/>
+              <a:gd name="connsiteY9" fmla="*/ 3561588 h 6477000"/>
+              <a:gd name="connsiteX10" fmla="*/ 3561588 w 6334689"/>
+              <a:gd name="connsiteY10" fmla="*/ 0 h 6477000"/>
+            </a:gdLst>
+            <a:ahLst/>
+            <a:cxnLst>
+              <a:cxn ang="0">
+                <a:pos x="connsiteX0" y="connsiteY0"/>
+              </a:cxn>
+              <a:cxn ang="0">
+                <a:pos x="connsiteX1" y="connsiteY1"/>
+              </a:cxn>
+              <a:cxn ang="0">
+                <a:pos x="connsiteX2" y="connsiteY2"/>
+              </a:cxn>
+              <a:cxn ang="0">
+                <a:pos x="connsiteX3" y="connsiteY3"/>
+              </a:cxn>
+              <a:cxn ang="0">
+                <a:pos x="connsiteX4" y="connsiteY4"/>
+              </a:cxn>
+              <a:cxn ang="0">
+                <a:pos x="connsiteX5" y="connsiteY5"/>
+              </a:cxn>
+              <a:cxn ang="0">
+                <a:pos x="connsiteX6" y="connsiteY6"/>
+              </a:cxn>
+              <a:cxn ang="0">
+                <a:pos x="connsiteX7" y="connsiteY7"/>
+              </a:cxn>
+              <a:cxn ang="0">
+                <a:pos x="connsiteX8" y="connsiteY8"/>
+              </a:cxn>
+              <a:cxn ang="0">
+                <a:pos x="connsiteX9" y="connsiteY9"/>
+              </a:cxn>
+              <a:cxn ang="0">
+                <a:pos x="connsiteX10" y="connsiteY10"/>
+              </a:cxn>
+            </a:cxnLst>
+            <a:rect l="l" t="t" r="r" b="b"/>
+            <a:pathLst>
+              <a:path w="6334689" h="6477000">
+                <a:moveTo>
+                  <a:pt x="3561588" y="0"/>
+                </a:moveTo>
+                <a:cubicBezTo>
+                  <a:pt x="4668032" y="0"/>
+                  <a:pt x="5656635" y="504534"/>
+                  <a:pt x="6309883" y="1296087"/>
+                </a:cubicBezTo>
+                <a:lnTo>
+                  <a:pt x="6334689" y="1329261"/>
+                </a:lnTo>
+                <a:lnTo>
+                  <a:pt x="6334689" y="5793916"/>
+                </a:lnTo>
+                <a:lnTo>
+                  <a:pt x="6309883" y="5827089"/>
+                </a:lnTo>
+                <a:cubicBezTo>
+                  <a:pt x="6146571" y="6024977"/>
+                  <a:pt x="5962299" y="6204927"/>
+                  <a:pt x="5760467" y="6363539"/>
+                </a:cubicBezTo>
+                <a:lnTo>
+                  <a:pt x="5607796" y="6477000"/>
+                </a:lnTo>
+                <a:lnTo>
+                  <a:pt x="1519571" y="6477000"/>
+                </a:lnTo>
+                <a:lnTo>
+                  <a:pt x="1296088" y="6309883"/>
+                </a:lnTo>
+                <a:cubicBezTo>
+                  <a:pt x="504535" y="5656635"/>
+                  <a:pt x="0" y="4668032"/>
+                  <a:pt x="0" y="3561588"/>
+                </a:cubicBezTo>
+                <a:cubicBezTo>
+                  <a:pt x="0" y="1594577"/>
+                  <a:pt x="1594577" y="0"/>
+                  <a:pt x="3561588" y="0"/>
+                </a:cubicBezTo>
+                <a:close/>
+              </a:path>
+            </a:pathLst>
+          </a:custGeom>
+          <a:solidFill>
+            <a:schemeClr val="bg1">
+              <a:alpha val="80000"/>
+            </a:schemeClr>
+          </a:solidFill>
+          <a:ln>
+            <a:noFill/>
+          </a:ln>
+        </p:spPr>
+        <p:style>
+          <a:lnRef idx="2">
+            <a:schemeClr val="accent1">
+              <a:shade val="50000"/>
+            </a:schemeClr>
+          </a:lnRef>
+          <a:fillRef idx="1">
+            <a:schemeClr val="accent1"/>
+          </a:fillRef>
+          <a:effectRef idx="0">
+            <a:schemeClr val="accent1"/>
+          </a:effectRef>
+          <a:fontRef idx="minor">
+            <a:schemeClr val="lt1"/>
+          </a:fontRef>
+        </p:style>
+        <p:txBody>
+          <a:bodyPr rtlCol="0" anchor="ctr"/>
+          <a:lstStyle/>
+          <a:p>
+            <a:pPr marL="0" marR="0" lvl="0" indent="0" algn="ctr" defTabSz="914400" rtl="0" eaLnBrk="1" fontAlgn="auto" latinLnBrk="0" hangingPunct="1">
+              <a:lnSpc>
+                <a:spcPct val="100000"/>
+              </a:lnSpc>
+              <a:spcBef>
+                <a:spcPts val="0"/>
+              </a:spcBef>
+              <a:spcAft>
+                <a:spcPts val="0"/>
+              </a:spcAft>
+              <a:buClrTx/>
+              <a:buSzTx/>
+              <a:buFontTx/>
+              <a:buNone/>
+              <a:tabLst/>
+              <a:defRPr/>
+            </a:pPr>
+            <a:endParaRPr kumimoji="0" lang="en-US" sz="1800" b="0" i="0" u="none" strike="noStrike" kern="1200" cap="none" spc="0" normalizeH="0" baseline="0" noProof="0">
+              <a:ln>
+                <a:noFill/>
+              </a:ln>
+              <a:solidFill>
+                <a:prstClr val="white"/>
+              </a:solidFill>
+              <a:effectLst/>
+              <a:uLnTx/>
+              <a:uFillTx/>
+              <a:latin typeface="Calibri" panose="020F0502020204030204"/>
+              <a:ea typeface="+mn-ea"/>
+              <a:cs typeface="+mn-cs"/>
+            </a:endParaRPr>
+          </a:p>
+        </p:txBody>
+      </p:sp>
+      <p:sp>
+        <p:nvSpPr>
+          <p:cNvPr id="14" name="Freeform: Shape 13">
+            <a:extLst>
+              <a:ext uri="{FF2B5EF4-FFF2-40B4-BE49-F238E27FC236}">
+                <a16:creationId xmlns:a16="http://schemas.microsoft.com/office/drawing/2014/main" id="{598EBA13-C937-430B-9523-439FE21096E6}"/>
+              </a:ext>
+              <a:ext uri="{C183D7F6-B498-43B3-948B-1728B52AA6E4}">
+                <adec:decorative xmlns:adec="http://schemas.microsoft.com/office/drawing/2017/decorative" val="1"/>
+              </a:ext>
+            </a:extLst>
+          </p:cNvPr>
+          <p:cNvSpPr>
+            <a:spLocks noGrp="1" noRot="1" noChangeAspect="1" noMove="1" noResize="1" noEditPoints="1" noAdjustHandles="1" noChangeArrowheads="1" noChangeShapeType="1" noTextEdit="1"/>
+          </p:cNvSpPr>
+          <p:nvPr>
+            <p:extLst>
+              <p:ext uri="{386F3935-93C4-4BCD-93E2-E3B085C9AB24}">
+                <p16:designElem xmlns:p16="http://schemas.microsoft.com/office/powerpoint/2015/main" val="1"/>
+              </p:ext>
+            </p:extLst>
+          </p:nvPr>
+        </p:nvSpPr>
+        <p:spPr>
+          <a:xfrm>
+            <a:off x="6021086" y="544777"/>
+            <a:ext cx="6170914" cy="6313225"/>
+          </a:xfrm>
+          <a:custGeom>
+            <a:avLst/>
+            <a:gdLst>
+              <a:gd name="connsiteX0" fmla="*/ 3397813 w 6170914"/>
+              <a:gd name="connsiteY0" fmla="*/ 0 h 6313225"/>
+              <a:gd name="connsiteX1" fmla="*/ 6019731 w 6170914"/>
+              <a:gd name="connsiteY1" fmla="*/ 1236489 h 6313225"/>
+              <a:gd name="connsiteX2" fmla="*/ 6170914 w 6170914"/>
+              <a:gd name="connsiteY2" fmla="*/ 1438663 h 6313225"/>
+              <a:gd name="connsiteX3" fmla="*/ 6170914 w 6170914"/>
+              <a:gd name="connsiteY3" fmla="*/ 5356963 h 6313225"/>
+              <a:gd name="connsiteX4" fmla="*/ 6019731 w 6170914"/>
+              <a:gd name="connsiteY4" fmla="*/ 5559138 h 6313225"/>
+              <a:gd name="connsiteX5" fmla="*/ 5194591 w 6170914"/>
+              <a:gd name="connsiteY5" fmla="*/ 6282226 h 6313225"/>
+              <a:gd name="connsiteX6" fmla="*/ 5141791 w 6170914"/>
+              <a:gd name="connsiteY6" fmla="*/ 6313225 h 6313225"/>
+              <a:gd name="connsiteX7" fmla="*/ 1659199 w 6170914"/>
+              <a:gd name="connsiteY7" fmla="*/ 6313225 h 6313225"/>
+              <a:gd name="connsiteX8" fmla="*/ 1498064 w 6170914"/>
+              <a:gd name="connsiteY8" fmla="*/ 6215333 h 6313225"/>
+              <a:gd name="connsiteX9" fmla="*/ 0 w 6170914"/>
+              <a:gd name="connsiteY9" fmla="*/ 3397813 h 6313225"/>
+              <a:gd name="connsiteX10" fmla="*/ 3397813 w 6170914"/>
+              <a:gd name="connsiteY10" fmla="*/ 0 h 6313225"/>
+            </a:gdLst>
+            <a:ahLst/>
+            <a:cxnLst>
+              <a:cxn ang="0">
+                <a:pos x="connsiteX0" y="connsiteY0"/>
+              </a:cxn>
+              <a:cxn ang="0">
+                <a:pos x="connsiteX1" y="connsiteY1"/>
+              </a:cxn>
+              <a:cxn ang="0">
+                <a:pos x="connsiteX2" y="connsiteY2"/>
+              </a:cxn>
+              <a:cxn ang="0">
+                <a:pos x="connsiteX3" y="connsiteY3"/>
+              </a:cxn>
+              <a:cxn ang="0">
+                <a:pos x="connsiteX4" y="connsiteY4"/>
+              </a:cxn>
+              <a:cxn ang="0">
+                <a:pos x="connsiteX5" y="connsiteY5"/>
+              </a:cxn>
+              <a:cxn ang="0">
+                <a:pos x="connsiteX6" y="connsiteY6"/>
+              </a:cxn>
+              <a:cxn ang="0">
+                <a:pos x="connsiteX7" y="connsiteY7"/>
+              </a:cxn>
+              <a:cxn ang="0">
+                <a:pos x="connsiteX8" y="connsiteY8"/>
+              </a:cxn>
+              <a:cxn ang="0">
+                <a:pos x="connsiteX9" y="connsiteY9"/>
+              </a:cxn>
+              <a:cxn ang="0">
+                <a:pos x="connsiteX10" y="connsiteY10"/>
+              </a:cxn>
+            </a:cxnLst>
+            <a:rect l="l" t="t" r="r" b="b"/>
+            <a:pathLst>
+              <a:path w="6170914" h="6313225">
+                <a:moveTo>
+                  <a:pt x="3397813" y="0"/>
+                </a:moveTo>
+                <a:cubicBezTo>
+                  <a:pt x="4453378" y="0"/>
+                  <a:pt x="5396522" y="481334"/>
+                  <a:pt x="6019731" y="1236489"/>
+                </a:cubicBezTo>
+                <a:lnTo>
+                  <a:pt x="6170914" y="1438663"/>
+                </a:lnTo>
+                <a:lnTo>
+                  <a:pt x="6170914" y="5356963"/>
+                </a:lnTo>
+                <a:lnTo>
+                  <a:pt x="6019731" y="5559138"/>
+                </a:lnTo>
+                <a:cubicBezTo>
+                  <a:pt x="5786028" y="5842321"/>
+                  <a:pt x="5507333" y="6086998"/>
+                  <a:pt x="5194591" y="6282226"/>
+                </a:cubicBezTo>
+                <a:lnTo>
+                  <a:pt x="5141791" y="6313225"/>
+                </a:lnTo>
+                <a:lnTo>
+                  <a:pt x="1659199" y="6313225"/>
+                </a:lnTo>
+                <a:lnTo>
+                  <a:pt x="1498064" y="6215333"/>
+                </a:lnTo>
+                <a:cubicBezTo>
+                  <a:pt x="594240" y="5604721"/>
+                  <a:pt x="0" y="4570663"/>
+                  <a:pt x="0" y="3397813"/>
+                </a:cubicBezTo>
+                <a:cubicBezTo>
+                  <a:pt x="0" y="1521253"/>
+                  <a:pt x="1521253" y="0"/>
+                  <a:pt x="3397813" y="0"/>
+                </a:cubicBezTo>
+                <a:close/>
+              </a:path>
+            </a:pathLst>
+          </a:custGeom>
+          <a:solidFill>
+            <a:schemeClr val="bg1"/>
+          </a:solidFill>
+          <a:ln>
+            <a:noFill/>
+          </a:ln>
+        </p:spPr>
+        <p:style>
+          <a:lnRef idx="2">
+            <a:schemeClr val="accent1">
+              <a:shade val="50000"/>
+            </a:schemeClr>
+          </a:lnRef>
+          <a:fillRef idx="1">
+            <a:schemeClr val="accent1"/>
+          </a:fillRef>
+          <a:effectRef idx="0">
+            <a:schemeClr val="accent1"/>
+          </a:effectRef>
+          <a:fontRef idx="minor">
+            <a:schemeClr val="lt1"/>
+          </a:fontRef>
+        </p:style>
+        <p:txBody>
+          <a:bodyPr rtlCol="0" anchor="ctr"/>
+          <a:lstStyle/>
+          <a:p>
+            <a:pPr marL="0" marR="0" lvl="0" indent="0" algn="ctr" defTabSz="914400" rtl="0" eaLnBrk="1" fontAlgn="auto" latinLnBrk="0" hangingPunct="1">
+              <a:lnSpc>
+                <a:spcPct val="100000"/>
+              </a:lnSpc>
+              <a:spcBef>
+                <a:spcPts val="0"/>
+              </a:spcBef>
+              <a:spcAft>
+                <a:spcPts val="0"/>
+              </a:spcAft>
+              <a:buClrTx/>
+              <a:buSzTx/>
+              <a:buFontTx/>
+              <a:buNone/>
+              <a:tabLst/>
+              <a:defRPr/>
+            </a:pPr>
+            <a:endParaRPr kumimoji="0" lang="en-US" sz="1800" b="0" i="0" u="none" strike="noStrike" kern="1200" cap="none" spc="0" normalizeH="0" baseline="0" noProof="0">
+              <a:ln>
+                <a:noFill/>
+              </a:ln>
+              <a:solidFill>
+                <a:prstClr val="white"/>
+              </a:solidFill>
+              <a:effectLst/>
+              <a:uLnTx/>
+              <a:uFillTx/>
+              <a:latin typeface="Calibri" panose="020F0502020204030204"/>
+              <a:ea typeface="+mn-ea"/>
+              <a:cs typeface="+mn-cs"/>
+            </a:endParaRPr>
+          </a:p>
+        </p:txBody>
+      </p:sp>
+      <p:pic>
+        <p:nvPicPr>
+          <p:cNvPr id="7" name="Graphic 6" descr="Help">
+            <a:extLst>
+              <a:ext uri="{FF2B5EF4-FFF2-40B4-BE49-F238E27FC236}">
+                <a16:creationId xmlns:a16="http://schemas.microsoft.com/office/drawing/2014/main" id="{D5E43EF5-1E2B-48B7-8C8E-9C350008AF7A}"/>
+              </a:ext>
+            </a:extLst>
+          </p:cNvPr>
+          <p:cNvPicPr>
+            <a:picLocks noChangeAspect="1"/>
+          </p:cNvPicPr>
+          <p:nvPr/>
+        </p:nvPicPr>
+        <p:blipFill>
+          <a:blip r:embed="rId2">
+            <a:extLst>
+              <a:ext uri="{28A0092B-C50C-407E-A947-70E740481C1C}">
+                <a14:useLocalDpi xmlns:a14="http://schemas.microsoft.com/office/drawing/2010/main" val="0"/>
+              </a:ext>
+              <a:ext uri="{96DAC541-7B7A-43D3-8B79-37D633B846F1}">
+                <asvg:svgBlip xmlns:asvg="http://schemas.microsoft.com/office/drawing/2016/SVG/main" r:embed="rId3"/>
+              </a:ext>
+            </a:extLst>
+          </a:blip>
+          <a:stretch>
+            <a:fillRect/>
+          </a:stretch>
+        </p:blipFill>
+        <p:spPr>
+          <a:xfrm>
+            <a:off x="7210424" y="1845770"/>
+            <a:ext cx="4333875" cy="4333875"/>
+          </a:xfrm>
+          <a:prstGeom prst="rect">
+            <a:avLst/>
+          </a:prstGeom>
+        </p:spPr>
+      </p:pic>
+    </p:spTree>
+    <p:extLst>
+      <p:ext uri="{BB962C8B-B14F-4D97-AF65-F5344CB8AC3E}">
+        <p14:creationId xmlns:p14="http://schemas.microsoft.com/office/powerpoint/2010/main" val="1347256979"/>
+      </p:ext>
+    </p:extLst>
+  </p:cSld>
+  <p:clrMapOvr>
+    <a:masterClrMapping/>
+  </p:clrMapOvr>
+</p:sld>
+</file>
+
+<file path=ppt/slides/slide15.xml><?xml version="1.0" encoding="utf-8"?>
+<p:sld xmlns:a="http://schemas.openxmlformats.org/drawingml/2006/main" xmlns:r="http://schemas.openxmlformats.org/officeDocument/2006/relationships" xmlns:p="http://schemas.openxmlformats.org/presentationml/2006/main">
+  <p:cSld>
     <p:spTree>
       <p:nvGrpSpPr>
         <p:cNvPr id="1" name=""/>
@@ -12398,8 +14881,30 @@
         </p:nvSpPr>
         <p:spPr/>
         <p:txBody>
-          <a:bodyPr/>
+          <a:bodyPr>
+            <a:normAutofit lnSpcReduction="10000"/>
+          </a:bodyPr>
           <a:lstStyle/>
+          <a:p>
+            <a:pPr marL="0" indent="0">
+              <a:buNone/>
+            </a:pPr>
+            <a:r>
+              <a:rPr lang="en-US" dirty="0"/>
+              <a:t>My </a:t>
+            </a:r>
+            <a:r>
+              <a:rPr lang="en-US" dirty="0" err="1"/>
+              <a:t>github</a:t>
+            </a:r>
+            <a:r>
+              <a:rPr lang="en-US" dirty="0"/>
+              <a:t>:</a:t>
+            </a:r>
+            <a:endParaRPr lang="en-US" dirty="0">
+              <a:hlinkClick r:id="rId2"/>
+            </a:endParaRPr>
+          </a:p>
           <a:p>
             <a:pPr marL="0" indent="0">
               <a:buNone/>
@@ -12411,6 +14916,21 @@
               <a:t>https://github.com/jackmg2/LetsHackYourToy</a:t>
             </a:r>
             <a:endParaRPr lang="en-US" dirty="0"/>
+          </a:p>
+          <a:p>
+            <a:pPr marL="0" indent="0">
+              <a:buNone/>
+            </a:pPr>
+            <a:endParaRPr lang="en-US" dirty="0"/>
+          </a:p>
+          <a:p>
+            <a:pPr marL="0" indent="0">
+              <a:buNone/>
+            </a:pPr>
+            <a:r>
+              <a:rPr lang="en-US" dirty="0"/>
+              <a:t>Buttplug.io communities:</a:t>
+            </a:r>
           </a:p>
           <a:p>
             <a:pPr marL="0" indent="0">
@@ -12447,16 +14967,32 @@
               <a:buNone/>
             </a:pPr>
             <a:r>
-              <a:rPr lang="en-US">
+              <a:rPr lang="en-US" dirty="0"/>
+              <a:t>Going further with </a:t>
+            </a:r>
+            <a:r>
+              <a:rPr lang="en-US" dirty="0" err="1"/>
+              <a:t>javascript</a:t>
+            </a:r>
+            <a:r>
+              <a:rPr lang="en-US" dirty="0"/>
+              <a:t>:</a:t>
+            </a:r>
+          </a:p>
+          <a:p>
+            <a:pPr marL="0" indent="0">
+              <a:buNone/>
+            </a:pPr>
+            <a:r>
+              <a:rPr lang="en-US" dirty="0">
                 <a:hlinkClick r:id="rId5"/>
               </a:rPr>
               <a:t>https://www.w3schools.com/js/</a:t>
             </a:r>
             <a:r>
-              <a:rPr lang="en-US"/>
+              <a:rPr lang="en-US" dirty="0"/>
               <a:t> </a:t>
             </a:r>
-            <a:endParaRPr lang="en-US" dirty="0"/>
           </a:p>
         </p:txBody>
       </p:sp>
@@ -15377,7 +17913,7 @@
           <a:p>
             <a:pPr algn="ctr"/>
             <a:r>
-              <a:rPr lang="en-US" sz="7200" kern="1200">
+              <a:rPr lang="en-US" sz="7200" kern="1200" dirty="0">
                 <a:solidFill>
                   <a:schemeClr val="tx1"/>
                 </a:solidFill>
@@ -15385,7 +17921,7 @@
                 <a:ea typeface="+mj-ea"/>
                 <a:cs typeface="+mj-cs"/>
               </a:rPr>
-              <a:t>Demo</a:t>
+              <a:t>Demo 1</a:t>
             </a:r>
           </a:p>
         </p:txBody>
@@ -15522,320 +18058,10 @@
       </p:grpSpPr>
       <p:sp useBgFill="1">
         <p:nvSpPr>
-          <p:cNvPr id="9" name="Rectangle 8">
+          <p:cNvPr id="8" name="Rectangle 7">
             <a:extLst>
               <a:ext uri="{FF2B5EF4-FFF2-40B4-BE49-F238E27FC236}">
-                <a16:creationId xmlns:a16="http://schemas.microsoft.com/office/drawing/2014/main" id="{53B021B3-DE93-4AB7-8A18-CF5F1CED88B8}"/>
-              </a:ext>
-              <a:ext uri="{C183D7F6-B498-43B3-948B-1728B52AA6E4}">
-                <adec:decorative xmlns:adec="http://schemas.microsoft.com/office/drawing/2017/decorative" val="1"/>
-              </a:ext>
-            </a:extLst>
-          </p:cNvPr>
-          <p:cNvSpPr>
-            <a:spLocks noGrp="1" noRot="1" noChangeAspect="1" noMove="1" noResize="1" noEditPoints="1" noAdjustHandles="1" noChangeArrowheads="1" noChangeShapeType="1" noTextEdit="1"/>
-          </p:cNvSpPr>
-          <p:nvPr>
-            <p:extLst>
-              <p:ext uri="{386F3935-93C4-4BCD-93E2-E3B085C9AB24}">
-                <p16:designElem xmlns:p16="http://schemas.microsoft.com/office/powerpoint/2015/main" val="1"/>
-              </p:ext>
-            </p:extLst>
-          </p:nvPr>
-        </p:nvSpPr>
-        <p:spPr>
-          <a:xfrm>
-            <a:off x="0" y="0"/>
-            <a:ext cx="12192000" cy="6858000"/>
-          </a:xfrm>
-          <a:prstGeom prst="rect">
-            <a:avLst/>
-          </a:prstGeom>
-          <a:ln>
-            <a:noFill/>
-          </a:ln>
-        </p:spPr>
-        <p:style>
-          <a:lnRef idx="2">
-            <a:schemeClr val="accent1">
-              <a:shade val="50000"/>
-            </a:schemeClr>
-          </a:lnRef>
-          <a:fillRef idx="1">
-            <a:schemeClr val="accent1"/>
-          </a:fillRef>
-          <a:effectRef idx="0">
-            <a:schemeClr val="accent1"/>
-          </a:effectRef>
-          <a:fontRef idx="minor">
-            <a:schemeClr val="lt1"/>
-          </a:fontRef>
-        </p:style>
-        <p:txBody>
-          <a:bodyPr rtlCol="0" anchor="ctr"/>
-          <a:lstStyle/>
-          <a:p>
-            <a:pPr algn="ctr"/>
-            <a:endParaRPr lang="en-US"/>
-          </a:p>
-        </p:txBody>
-      </p:sp>
-      <p:sp>
-        <p:nvSpPr>
-          <p:cNvPr id="2" name="Title 1">
-            <a:extLst>
-              <a:ext uri="{FF2B5EF4-FFF2-40B4-BE49-F238E27FC236}">
-                <a16:creationId xmlns:a16="http://schemas.microsoft.com/office/drawing/2014/main" id="{B0C525C2-94DB-4A03-9C93-0B3798831695}"/>
-              </a:ext>
-            </a:extLst>
-          </p:cNvPr>
-          <p:cNvSpPr>
-            <a:spLocks noGrp="1"/>
-          </p:cNvSpPr>
-          <p:nvPr>
-            <p:ph type="title"/>
-          </p:nvPr>
-        </p:nvSpPr>
-        <p:spPr>
-          <a:xfrm>
-            <a:off x="841248" y="256032"/>
-            <a:ext cx="10506456" cy="1014984"/>
-          </a:xfrm>
-        </p:spPr>
-        <p:txBody>
-          <a:bodyPr anchor="b">
-            <a:normAutofit/>
-          </a:bodyPr>
-          <a:lstStyle/>
-          <a:p>
-            <a:r>
-              <a:rPr lang="fr-FR" dirty="0" err="1"/>
-              <a:t>Going</a:t>
-            </a:r>
-            <a:r>
-              <a:rPr lang="fr-FR" dirty="0"/>
-              <a:t> </a:t>
-            </a:r>
-            <a:r>
-              <a:rPr lang="fr-FR" dirty="0" err="1"/>
-              <a:t>further</a:t>
-            </a:r>
-            <a:endParaRPr lang="en-US" dirty="0"/>
-          </a:p>
-        </p:txBody>
-      </p:sp>
-      <p:sp>
-        <p:nvSpPr>
-          <p:cNvPr id="11" name="Rectangle 10">
-            <a:extLst>
-              <a:ext uri="{FF2B5EF4-FFF2-40B4-BE49-F238E27FC236}">
-                <a16:creationId xmlns:a16="http://schemas.microsoft.com/office/drawing/2014/main" id="{52D502E5-F6B4-4D58-B4AE-FC466FF15EE8}"/>
-              </a:ext>
-              <a:ext uri="{C183D7F6-B498-43B3-948B-1728B52AA6E4}">
-                <adec:decorative xmlns:adec="http://schemas.microsoft.com/office/drawing/2017/decorative" val="1"/>
-              </a:ext>
-            </a:extLst>
-          </p:cNvPr>
-          <p:cNvSpPr>
-            <a:spLocks noGrp="1" noRot="1" noChangeAspect="1" noMove="1" noResize="1" noEditPoints="1" noAdjustHandles="1" noChangeArrowheads="1" noChangeShapeType="1" noTextEdit="1"/>
-          </p:cNvSpPr>
-          <p:nvPr>
-            <p:extLst>
-              <p:ext uri="{386F3935-93C4-4BCD-93E2-E3B085C9AB24}">
-                <p16:designElem xmlns:p16="http://schemas.microsoft.com/office/powerpoint/2015/main" val="1"/>
-              </p:ext>
-            </p:extLst>
-          </p:nvPr>
-        </p:nvSpPr>
-        <p:spPr>
-          <a:xfrm>
-            <a:off x="865953" y="1634502"/>
-            <a:ext cx="10451592" cy="18288"/>
-          </a:xfrm>
-          <a:prstGeom prst="rect">
-            <a:avLst/>
-          </a:prstGeom>
-          <a:solidFill>
-            <a:srgbClr val="D5D5D5"/>
-          </a:solidFill>
-          <a:ln w="3175">
-            <a:noFill/>
-          </a:ln>
-          <a:effectLst/>
-        </p:spPr>
-        <p:style>
-          <a:lnRef idx="2">
-            <a:schemeClr val="accent1">
-              <a:shade val="50000"/>
-            </a:schemeClr>
-          </a:lnRef>
-          <a:fillRef idx="1">
-            <a:schemeClr val="accent1"/>
-          </a:fillRef>
-          <a:effectRef idx="0">
-            <a:schemeClr val="accent1"/>
-          </a:effectRef>
-          <a:fontRef idx="minor">
-            <a:schemeClr val="lt1"/>
-          </a:fontRef>
-        </p:style>
-        <p:txBody>
-          <a:bodyPr rtlCol="0" anchor="ctr"/>
-          <a:lstStyle/>
-          <a:p>
-            <a:pPr algn="ctr"/>
-            <a:endParaRPr lang="en-US">
-              <a:solidFill>
-                <a:prstClr val="white"/>
-              </a:solidFill>
-              <a:latin typeface="Calibri" panose="020F0502020204030204"/>
-            </a:endParaRPr>
-          </a:p>
-        </p:txBody>
-      </p:sp>
-      <p:sp>
-        <p:nvSpPr>
-          <p:cNvPr id="13" name="Rectangle 12">
-            <a:extLst>
-              <a:ext uri="{FF2B5EF4-FFF2-40B4-BE49-F238E27FC236}">
-                <a16:creationId xmlns:a16="http://schemas.microsoft.com/office/drawing/2014/main" id="{9DECDBF4-02B6-4BB4-B65B-B8107AD6A9E8}"/>
-              </a:ext>
-              <a:ext uri="{C183D7F6-B498-43B3-948B-1728B52AA6E4}">
-                <adec:decorative xmlns:adec="http://schemas.microsoft.com/office/drawing/2017/decorative" val="1"/>
-              </a:ext>
-            </a:extLst>
-          </p:cNvPr>
-          <p:cNvSpPr>
-            <a:spLocks noGrp="1" noRot="1" noChangeAspect="1" noMove="1" noResize="1" noEditPoints="1" noAdjustHandles="1" noChangeArrowheads="1" noChangeShapeType="1" noTextEdit="1"/>
-          </p:cNvSpPr>
-          <p:nvPr>
-            <p:extLst>
-              <p:ext uri="{386F3935-93C4-4BCD-93E2-E3B085C9AB24}">
-                <p16:designElem xmlns:p16="http://schemas.microsoft.com/office/powerpoint/2015/main" val="1"/>
-              </p:ext>
-            </p:extLst>
-          </p:nvPr>
-        </p:nvSpPr>
-        <p:spPr>
-          <a:xfrm flipV="1">
-            <a:off x="841248" y="1538176"/>
-            <a:ext cx="1873457" cy="109814"/>
-          </a:xfrm>
-          <a:prstGeom prst="rect">
-            <a:avLst/>
-          </a:prstGeom>
-          <a:solidFill>
-            <a:schemeClr val="accent2"/>
-          </a:solidFill>
-          <a:ln>
-            <a:noFill/>
-          </a:ln>
-        </p:spPr>
-        <p:style>
-          <a:lnRef idx="2">
-            <a:schemeClr val="accent1">
-              <a:shade val="50000"/>
-            </a:schemeClr>
-          </a:lnRef>
-          <a:fillRef idx="1">
-            <a:schemeClr val="accent1"/>
-          </a:fillRef>
-          <a:effectRef idx="0">
-            <a:schemeClr val="accent1"/>
-          </a:effectRef>
-          <a:fontRef idx="minor">
-            <a:schemeClr val="lt1"/>
-          </a:fontRef>
-        </p:style>
-        <p:txBody>
-          <a:bodyPr rtlCol="0" anchor="ctr"/>
-          <a:lstStyle/>
-          <a:p>
-            <a:pPr algn="ctr"/>
-            <a:endParaRPr lang="en-US">
-              <a:solidFill>
-                <a:prstClr val="white"/>
-              </a:solidFill>
-              <a:latin typeface="Calibri" panose="020F0502020204030204"/>
-            </a:endParaRPr>
-          </a:p>
-        </p:txBody>
-      </p:sp>
-      <p:graphicFrame>
-        <p:nvGraphicFramePr>
-          <p:cNvPr id="5" name="Content Placeholder 2">
-            <a:extLst>
-              <a:ext uri="{FF2B5EF4-FFF2-40B4-BE49-F238E27FC236}">
-                <a16:creationId xmlns:a16="http://schemas.microsoft.com/office/drawing/2014/main" id="{14BB6F34-DC84-4FBD-887F-75C0D0D0FD10}"/>
-              </a:ext>
-            </a:extLst>
-          </p:cNvPr>
-          <p:cNvGraphicFramePr>
-            <a:graphicFrameLocks noGrp="1"/>
-          </p:cNvGraphicFramePr>
-          <p:nvPr>
-            <p:ph idx="1"/>
-            <p:extLst>
-              <p:ext uri="{D42A27DB-BD31-4B8C-83A1-F6EECF244321}">
-                <p14:modId xmlns:p14="http://schemas.microsoft.com/office/powerpoint/2010/main" val="876824749"/>
-              </p:ext>
-            </p:extLst>
-          </p:nvPr>
-        </p:nvGraphicFramePr>
-        <p:xfrm>
-          <a:off x="838200" y="1926266"/>
-          <a:ext cx="10515600" cy="4357524"/>
-        </p:xfrm>
-        <a:graphic>
-          <a:graphicData uri="http://schemas.openxmlformats.org/drawingml/2006/diagram">
-            <dgm:relIds xmlns:dgm="http://schemas.openxmlformats.org/drawingml/2006/diagram" xmlns:r="http://schemas.openxmlformats.org/officeDocument/2006/relationships" r:dm="rId2" r:lo="rId3" r:qs="rId4" r:cs="rId5"/>
-          </a:graphicData>
-        </a:graphic>
-      </p:graphicFrame>
-    </p:spTree>
-    <p:extLst>
-      <p:ext uri="{BB962C8B-B14F-4D97-AF65-F5344CB8AC3E}">
-        <p14:creationId xmlns:p14="http://schemas.microsoft.com/office/powerpoint/2010/main" val="873489752"/>
-      </p:ext>
-    </p:extLst>
-  </p:cSld>
-  <p:clrMapOvr>
-    <a:masterClrMapping/>
-  </p:clrMapOvr>
-</p:sld>
-</file>
-
-<file path=ppt/slides/slide8.xml><?xml version="1.0" encoding="utf-8"?>
-<p:sld xmlns:a="http://schemas.openxmlformats.org/drawingml/2006/main" xmlns:r="http://schemas.openxmlformats.org/officeDocument/2006/relationships" xmlns:p="http://schemas.openxmlformats.org/presentationml/2006/main">
-  <p:cSld>
-    <p:bg>
-      <p:bgPr>
-        <a:solidFill>
-          <a:schemeClr val="bg1"/>
-        </a:solidFill>
-        <a:effectLst/>
-      </p:bgPr>
-    </p:bg>
-    <p:spTree>
-      <p:nvGrpSpPr>
-        <p:cNvPr id="1" name=""/>
-        <p:cNvGrpSpPr/>
-        <p:nvPr/>
-      </p:nvGrpSpPr>
-      <p:grpSpPr>
-        <a:xfrm>
-          <a:off x="0" y="0"/>
-          <a:ext cx="0" cy="0"/>
-          <a:chOff x="0" y="0"/>
-          <a:chExt cx="0" cy="0"/>
-        </a:xfrm>
-      </p:grpSpPr>
-      <p:sp useBgFill="1">
-        <p:nvSpPr>
-          <p:cNvPr id="18" name="Rectangle 17">
-            <a:extLst>
-              <a:ext uri="{FF2B5EF4-FFF2-40B4-BE49-F238E27FC236}">
-                <a16:creationId xmlns:a16="http://schemas.microsoft.com/office/drawing/2014/main" id="{44AD29B6-BF3B-4407-9E75-52DF8E3B29F1}"/>
+                <a16:creationId xmlns:a16="http://schemas.microsoft.com/office/drawing/2014/main" id="{FFD48BC7-DC40-47DE-87EE-9F4B6ECB9ABB}"/>
               </a:ext>
               <a:ext uri="{C183D7F6-B498-43B3-948B-1728B52AA6E4}">
                 <adec:decorative xmlns:adec="http://schemas.microsoft.com/office/drawing/2017/decorative" val="1"/>
@@ -15892,10 +18118,10 @@
       </p:sp>
       <p:sp useBgFill="1">
         <p:nvSpPr>
-          <p:cNvPr id="20" name="Rectangle 19">
+          <p:cNvPr id="10" name="Freeform: Shape 9">
             <a:extLst>
               <a:ext uri="{FF2B5EF4-FFF2-40B4-BE49-F238E27FC236}">
-                <a16:creationId xmlns:a16="http://schemas.microsoft.com/office/drawing/2014/main" id="{55F8BA08-3E38-4B70-B93A-74F08E092206}"/>
+                <a16:creationId xmlns:a16="http://schemas.microsoft.com/office/drawing/2014/main" id="{E502BBC7-2C76-46F3-BC24-5985BC13DB88}"/>
               </a:ext>
               <a:ext uri="{C183D7F6-B498-43B3-948B-1728B52AA6E4}">
                 <adec:decorative xmlns:adec="http://schemas.microsoft.com/office/drawing/2017/decorative" val="1"/>
@@ -15915,22 +18141,121 @@
         </p:nvSpPr>
         <p:spPr>
           <a:xfrm>
-            <a:off x="558209" y="260019"/>
-            <a:ext cx="11167447" cy="5933012"/>
+            <a:off x="1114425" y="0"/>
+            <a:ext cx="9963150" cy="6858000"/>
           </a:xfrm>
-          <a:prstGeom prst="rect">
+          <a:custGeom>
             <a:avLst/>
-          </a:prstGeom>
-          <a:ln w="12700">
+            <a:gdLst>
+              <a:gd name="connsiteX0" fmla="*/ 1595771 w 9963150"/>
+              <a:gd name="connsiteY0" fmla="*/ 0 h 6858000"/>
+              <a:gd name="connsiteX1" fmla="*/ 8367379 w 9963150"/>
+              <a:gd name="connsiteY1" fmla="*/ 0 h 6858000"/>
+              <a:gd name="connsiteX2" fmla="*/ 8504080 w 9963150"/>
+              <a:gd name="connsiteY2" fmla="*/ 130333 h 6858000"/>
+              <a:gd name="connsiteX3" fmla="*/ 9963150 w 9963150"/>
+              <a:gd name="connsiteY3" fmla="*/ 3652838 h 6858000"/>
+              <a:gd name="connsiteX4" fmla="*/ 8825600 w 9963150"/>
+              <a:gd name="connsiteY4" fmla="*/ 6821583 h 6858000"/>
+              <a:gd name="connsiteX5" fmla="*/ 8794055 w 9963150"/>
+              <a:gd name="connsiteY5" fmla="*/ 6858000 h 6858000"/>
+              <a:gd name="connsiteX6" fmla="*/ 1169096 w 9963150"/>
+              <a:gd name="connsiteY6" fmla="*/ 6858000 h 6858000"/>
+              <a:gd name="connsiteX7" fmla="*/ 1137550 w 9963150"/>
+              <a:gd name="connsiteY7" fmla="*/ 6821583 h 6858000"/>
+              <a:gd name="connsiteX8" fmla="*/ 0 w 9963150"/>
+              <a:gd name="connsiteY8" fmla="*/ 3652838 h 6858000"/>
+              <a:gd name="connsiteX9" fmla="*/ 1459070 w 9963150"/>
+              <a:gd name="connsiteY9" fmla="*/ 130333 h 6858000"/>
+            </a:gdLst>
+            <a:ahLst/>
+            <a:cxnLst>
+              <a:cxn ang="0">
+                <a:pos x="connsiteX0" y="connsiteY0"/>
+              </a:cxn>
+              <a:cxn ang="0">
+                <a:pos x="connsiteX1" y="connsiteY1"/>
+              </a:cxn>
+              <a:cxn ang="0">
+                <a:pos x="connsiteX2" y="connsiteY2"/>
+              </a:cxn>
+              <a:cxn ang="0">
+                <a:pos x="connsiteX3" y="connsiteY3"/>
+              </a:cxn>
+              <a:cxn ang="0">
+                <a:pos x="connsiteX4" y="connsiteY4"/>
+              </a:cxn>
+              <a:cxn ang="0">
+                <a:pos x="connsiteX5" y="connsiteY5"/>
+              </a:cxn>
+              <a:cxn ang="0">
+                <a:pos x="connsiteX6" y="connsiteY6"/>
+              </a:cxn>
+              <a:cxn ang="0">
+                <a:pos x="connsiteX7" y="connsiteY7"/>
+              </a:cxn>
+              <a:cxn ang="0">
+                <a:pos x="connsiteX8" y="connsiteY8"/>
+              </a:cxn>
+              <a:cxn ang="0">
+                <a:pos x="connsiteX9" y="connsiteY9"/>
+              </a:cxn>
+            </a:cxnLst>
+            <a:rect l="l" t="t" r="r" b="b"/>
+            <a:pathLst>
+              <a:path w="9963150" h="6858000">
+                <a:moveTo>
+                  <a:pt x="1595771" y="0"/>
+                </a:moveTo>
+                <a:lnTo>
+                  <a:pt x="8367379" y="0"/>
+                </a:lnTo>
+                <a:lnTo>
+                  <a:pt x="8504080" y="130333"/>
+                </a:lnTo>
+                <a:cubicBezTo>
+                  <a:pt x="9405568" y="1031820"/>
+                  <a:pt x="9963150" y="2277214"/>
+                  <a:pt x="9963150" y="3652838"/>
+                </a:cubicBezTo>
+                <a:cubicBezTo>
+                  <a:pt x="9963150" y="4856509"/>
+                  <a:pt x="9536251" y="5960473"/>
+                  <a:pt x="8825600" y="6821583"/>
+                </a:cubicBezTo>
+                <a:lnTo>
+                  <a:pt x="8794055" y="6858000"/>
+                </a:lnTo>
+                <a:lnTo>
+                  <a:pt x="1169096" y="6858000"/>
+                </a:lnTo>
+                <a:lnTo>
+                  <a:pt x="1137550" y="6821583"/>
+                </a:lnTo>
+                <a:cubicBezTo>
+                  <a:pt x="426899" y="5960473"/>
+                  <a:pt x="0" y="4856509"/>
+                  <a:pt x="0" y="3652838"/>
+                </a:cubicBezTo>
+                <a:cubicBezTo>
+                  <a:pt x="0" y="2277214"/>
+                  <a:pt x="557582" y="1031820"/>
+                  <a:pt x="1459070" y="130333"/>
+                </a:cubicBezTo>
+                <a:close/>
+              </a:path>
+            </a:pathLst>
+          </a:custGeom>
+          <a:ln w="9525">
             <a:solidFill>
-              <a:srgbClr val="DEDEDE"/>
+              <a:srgbClr val="EFEFEF"/>
             </a:solidFill>
           </a:ln>
           <a:effectLst>
-            <a:outerShdw blurRad="50800" dist="38100" dir="2700000" algn="tl" rotWithShape="0">
-              <a:schemeClr val="bg2">
+            <a:outerShdw blurRad="139700" sx="102000" sy="102000" algn="ctr" rotWithShape="0">
+              <a:schemeClr val="bg1">
                 <a:lumMod val="85000"/>
-                <a:alpha val="50000"/>
+                <a:alpha val="38000"/>
               </a:schemeClr>
             </a:outerShdw>
           </a:effectLst>
@@ -15952,7 +18277,200 @@
           </a:fontRef>
         </p:style>
         <p:txBody>
-          <a:bodyPr rtlCol="0" anchor="ctr"/>
+          <a:bodyPr wrap="square" rtlCol="0" anchor="ctr">
+            <a:noAutofit/>
+          </a:bodyPr>
+          <a:lstStyle/>
+          <a:p>
+            <a:pPr marL="0" marR="0" lvl="0" indent="0" algn="ctr" defTabSz="914400" rtl="0" eaLnBrk="1" fontAlgn="auto" latinLnBrk="0" hangingPunct="1">
+              <a:lnSpc>
+                <a:spcPct val="100000"/>
+              </a:lnSpc>
+              <a:spcBef>
+                <a:spcPts val="0"/>
+              </a:spcBef>
+              <a:spcAft>
+                <a:spcPts val="0"/>
+              </a:spcAft>
+              <a:buClrTx/>
+              <a:buSzTx/>
+              <a:buFontTx/>
+              <a:buNone/>
+              <a:tabLst/>
+              <a:defRPr/>
+            </a:pPr>
+            <a:endParaRPr kumimoji="0" lang="en-US" sz="1800" b="0" i="0" u="none" strike="noStrike" kern="1200" cap="none" spc="0" normalizeH="0" baseline="0" noProof="0">
+              <a:ln>
+                <a:noFill/>
+              </a:ln>
+              <a:solidFill>
+                <a:prstClr val="white"/>
+              </a:solidFill>
+              <a:effectLst/>
+              <a:uLnTx/>
+              <a:uFillTx/>
+              <a:latin typeface="Calibri" panose="020F0502020204030204"/>
+              <a:ea typeface="+mn-ea"/>
+              <a:cs typeface="+mn-cs"/>
+            </a:endParaRPr>
+          </a:p>
+        </p:txBody>
+      </p:sp>
+      <p:sp useBgFill="1">
+        <p:nvSpPr>
+          <p:cNvPr id="12" name="Freeform: Shape 11">
+            <a:extLst>
+              <a:ext uri="{FF2B5EF4-FFF2-40B4-BE49-F238E27FC236}">
+                <a16:creationId xmlns:a16="http://schemas.microsoft.com/office/drawing/2014/main" id="{C7F28D52-2A5F-4D23-81AE-7CB8B591C7AF}"/>
+              </a:ext>
+              <a:ext uri="{C183D7F6-B498-43B3-948B-1728B52AA6E4}">
+                <adec:decorative xmlns:adec="http://schemas.microsoft.com/office/drawing/2017/decorative" val="1"/>
+              </a:ext>
+            </a:extLst>
+          </p:cNvPr>
+          <p:cNvSpPr>
+            <a:spLocks noGrp="1" noRot="1" noChangeAspect="1" noMove="1" noResize="1" noEditPoints="1" noAdjustHandles="1" noChangeArrowheads="1" noChangeShapeType="1" noTextEdit="1"/>
+          </p:cNvSpPr>
+          <p:nvPr>
+            <p:extLst>
+              <p:ext uri="{386F3935-93C4-4BCD-93E2-E3B085C9AB24}">
+                <p16:designElem xmlns:p16="http://schemas.microsoft.com/office/powerpoint/2015/main" val="1"/>
+              </p:ext>
+            </p:extLst>
+          </p:nvPr>
+        </p:nvSpPr>
+        <p:spPr>
+          <a:xfrm>
+            <a:off x="1121664" y="0"/>
+            <a:ext cx="9948672" cy="6858000"/>
+          </a:xfrm>
+          <a:custGeom>
+            <a:avLst/>
+            <a:gdLst>
+              <a:gd name="connsiteX0" fmla="*/ 1595771 w 9963150"/>
+              <a:gd name="connsiteY0" fmla="*/ 0 h 6858000"/>
+              <a:gd name="connsiteX1" fmla="*/ 8367379 w 9963150"/>
+              <a:gd name="connsiteY1" fmla="*/ 0 h 6858000"/>
+              <a:gd name="connsiteX2" fmla="*/ 8504080 w 9963150"/>
+              <a:gd name="connsiteY2" fmla="*/ 130333 h 6858000"/>
+              <a:gd name="connsiteX3" fmla="*/ 9963150 w 9963150"/>
+              <a:gd name="connsiteY3" fmla="*/ 3652838 h 6858000"/>
+              <a:gd name="connsiteX4" fmla="*/ 8825600 w 9963150"/>
+              <a:gd name="connsiteY4" fmla="*/ 6821583 h 6858000"/>
+              <a:gd name="connsiteX5" fmla="*/ 8794055 w 9963150"/>
+              <a:gd name="connsiteY5" fmla="*/ 6858000 h 6858000"/>
+              <a:gd name="connsiteX6" fmla="*/ 1169096 w 9963150"/>
+              <a:gd name="connsiteY6" fmla="*/ 6858000 h 6858000"/>
+              <a:gd name="connsiteX7" fmla="*/ 1137550 w 9963150"/>
+              <a:gd name="connsiteY7" fmla="*/ 6821583 h 6858000"/>
+              <a:gd name="connsiteX8" fmla="*/ 0 w 9963150"/>
+              <a:gd name="connsiteY8" fmla="*/ 3652838 h 6858000"/>
+              <a:gd name="connsiteX9" fmla="*/ 1459070 w 9963150"/>
+              <a:gd name="connsiteY9" fmla="*/ 130333 h 6858000"/>
+            </a:gdLst>
+            <a:ahLst/>
+            <a:cxnLst>
+              <a:cxn ang="0">
+                <a:pos x="connsiteX0" y="connsiteY0"/>
+              </a:cxn>
+              <a:cxn ang="0">
+                <a:pos x="connsiteX1" y="connsiteY1"/>
+              </a:cxn>
+              <a:cxn ang="0">
+                <a:pos x="connsiteX2" y="connsiteY2"/>
+              </a:cxn>
+              <a:cxn ang="0">
+                <a:pos x="connsiteX3" y="connsiteY3"/>
+              </a:cxn>
+              <a:cxn ang="0">
+                <a:pos x="connsiteX4" y="connsiteY4"/>
+              </a:cxn>
+              <a:cxn ang="0">
+                <a:pos x="connsiteX5" y="connsiteY5"/>
+              </a:cxn>
+              <a:cxn ang="0">
+                <a:pos x="connsiteX6" y="connsiteY6"/>
+              </a:cxn>
+              <a:cxn ang="0">
+                <a:pos x="connsiteX7" y="connsiteY7"/>
+              </a:cxn>
+              <a:cxn ang="0">
+                <a:pos x="connsiteX8" y="connsiteY8"/>
+              </a:cxn>
+              <a:cxn ang="0">
+                <a:pos x="connsiteX9" y="connsiteY9"/>
+              </a:cxn>
+            </a:cxnLst>
+            <a:rect l="l" t="t" r="r" b="b"/>
+            <a:pathLst>
+              <a:path w="9963150" h="6858000">
+                <a:moveTo>
+                  <a:pt x="1595771" y="0"/>
+                </a:moveTo>
+                <a:lnTo>
+                  <a:pt x="8367379" y="0"/>
+                </a:lnTo>
+                <a:lnTo>
+                  <a:pt x="8504080" y="130333"/>
+                </a:lnTo>
+                <a:cubicBezTo>
+                  <a:pt x="9405568" y="1031820"/>
+                  <a:pt x="9963150" y="2277214"/>
+                  <a:pt x="9963150" y="3652838"/>
+                </a:cubicBezTo>
+                <a:cubicBezTo>
+                  <a:pt x="9963150" y="4856509"/>
+                  <a:pt x="9536251" y="5960473"/>
+                  <a:pt x="8825600" y="6821583"/>
+                </a:cubicBezTo>
+                <a:lnTo>
+                  <a:pt x="8794055" y="6858000"/>
+                </a:lnTo>
+                <a:lnTo>
+                  <a:pt x="1169096" y="6858000"/>
+                </a:lnTo>
+                <a:lnTo>
+                  <a:pt x="1137550" y="6821583"/>
+                </a:lnTo>
+                <a:cubicBezTo>
+                  <a:pt x="426899" y="5960473"/>
+                  <a:pt x="0" y="4856509"/>
+                  <a:pt x="0" y="3652838"/>
+                </a:cubicBezTo>
+                <a:cubicBezTo>
+                  <a:pt x="0" y="2277214"/>
+                  <a:pt x="557582" y="1031820"/>
+                  <a:pt x="1459070" y="130333"/>
+                </a:cubicBezTo>
+                <a:close/>
+              </a:path>
+            </a:pathLst>
+          </a:custGeom>
+          <a:ln w="9525">
+            <a:noFill/>
+          </a:ln>
+          <a:effectLst/>
+        </p:spPr>
+        <p:style>
+          <a:lnRef idx="2">
+            <a:schemeClr val="accent1">
+              <a:shade val="50000"/>
+            </a:schemeClr>
+          </a:lnRef>
+          <a:fillRef idx="1">
+            <a:schemeClr val="accent1"/>
+          </a:fillRef>
+          <a:effectRef idx="0">
+            <a:schemeClr val="accent1"/>
+          </a:effectRef>
+          <a:fontRef idx="minor">
+            <a:schemeClr val="lt1"/>
+          </a:fontRef>
+        </p:style>
+        <p:txBody>
+          <a:bodyPr wrap="square" rtlCol="0" anchor="ctr">
+            <a:noAutofit/>
+          </a:bodyPr>
           <a:lstStyle/>
           <a:p>
             <a:pPr marL="0" marR="0" lvl="0" indent="0" algn="ctr" defTabSz="914400" rtl="0" eaLnBrk="1" fontAlgn="auto" latinLnBrk="0" hangingPunct="1">
@@ -15994,7 +18512,7 @@
           <p:cNvPr id="2" name="Title 1">
             <a:extLst>
               <a:ext uri="{FF2B5EF4-FFF2-40B4-BE49-F238E27FC236}">
-                <a16:creationId xmlns:a16="http://schemas.microsoft.com/office/drawing/2014/main" id="{1071947B-B22F-4C14-9B56-A1132AAA643E}"/>
+                <a16:creationId xmlns:a16="http://schemas.microsoft.com/office/drawing/2014/main" id="{3C37B34C-9BFD-4304-93F3-DC92D8027393}"/>
               </a:ext>
             </a:extLst>
           </p:cNvPr>
@@ -16007,30 +18525,37 @@
         </p:nvSpPr>
         <p:spPr>
           <a:xfrm>
-            <a:off x="1045029" y="507160"/>
-            <a:ext cx="2993571" cy="5438730"/>
+            <a:off x="1524003" y="1999615"/>
+            <a:ext cx="9144000" cy="2764028"/>
           </a:xfrm>
         </p:spPr>
         <p:txBody>
-          <a:bodyPr>
+          <a:bodyPr vert="horz" lIns="91440" tIns="45720" rIns="91440" bIns="45720" rtlCol="0" anchor="ctr">
             <a:normAutofit/>
           </a:bodyPr>
           <a:lstStyle/>
           <a:p>
+            <a:pPr algn="ctr"/>
             <a:r>
-              <a:rPr lang="fr-FR" sz="3200"/>
-              <a:t>Ideas list</a:t>
+              <a:rPr lang="en-US" sz="7200" kern="1200" dirty="0">
+                <a:solidFill>
+                  <a:schemeClr val="tx1"/>
+                </a:solidFill>
+                <a:latin typeface="+mj-lt"/>
+                <a:ea typeface="+mj-ea"/>
+                <a:cs typeface="+mj-cs"/>
+              </a:rPr>
+              <a:t>Your turn</a:t>
             </a:r>
-            <a:endParaRPr lang="en-US" sz="3200"/>
           </a:p>
         </p:txBody>
       </p:sp>
       <p:sp>
         <p:nvSpPr>
-          <p:cNvPr id="26" name="Rectangle 21">
+          <p:cNvPr id="14" name="Rectangle 13">
             <a:extLst>
               <a:ext uri="{FF2B5EF4-FFF2-40B4-BE49-F238E27FC236}">
-                <a16:creationId xmlns:a16="http://schemas.microsoft.com/office/drawing/2014/main" id="{357F1B33-79AB-4A71-8CEC-4546D709B8C8}"/>
+                <a16:creationId xmlns:a16="http://schemas.microsoft.com/office/drawing/2014/main" id="{3629484E-3792-4B3D-89AD-7C8A1ED0E0D4}"/>
               </a:ext>
               <a:ext uri="{C183D7F6-B498-43B3-948B-1728B52AA6E4}">
                 <adec:decorative xmlns:adec="http://schemas.microsoft.com/office/drawing/2017/decorative" val="1"/>
@@ -16050,371 +18575,14 @@
         </p:nvSpPr>
         <p:spPr>
           <a:xfrm>
-            <a:off x="498834" y="2874481"/>
-            <a:ext cx="128016" cy="704088"/>
+            <a:off x="3718560" y="5524786"/>
+            <a:ext cx="4754880" cy="27432"/>
           </a:xfrm>
           <a:prstGeom prst="rect">
             <a:avLst/>
           </a:prstGeom>
           <a:solidFill>
             <a:schemeClr val="accent2"/>
-          </a:solidFill>
-          <a:ln>
-            <a:noFill/>
-          </a:ln>
-        </p:spPr>
-        <p:style>
-          <a:lnRef idx="2">
-            <a:schemeClr val="accent1">
-              <a:shade val="50000"/>
-            </a:schemeClr>
-          </a:lnRef>
-          <a:fillRef idx="1">
-            <a:schemeClr val="accent1"/>
-          </a:fillRef>
-          <a:effectRef idx="0">
-            <a:schemeClr val="accent1"/>
-          </a:effectRef>
-          <a:fontRef idx="minor">
-            <a:schemeClr val="lt1"/>
-          </a:fontRef>
-        </p:style>
-        <p:txBody>
-          <a:bodyPr rtlCol="0" anchor="ctr"/>
-          <a:lstStyle/>
-          <a:p>
-            <a:pPr algn="ctr"/>
-            <a:endParaRPr lang="en-US">
-              <a:solidFill>
-                <a:prstClr val="white"/>
-              </a:solidFill>
-              <a:latin typeface="Calibri" panose="020F0502020204030204"/>
-            </a:endParaRPr>
-          </a:p>
-        </p:txBody>
-      </p:sp>
-      <p:graphicFrame>
-        <p:nvGraphicFramePr>
-          <p:cNvPr id="5" name="Content Placeholder 2">
-            <a:extLst>
-              <a:ext uri="{FF2B5EF4-FFF2-40B4-BE49-F238E27FC236}">
-                <a16:creationId xmlns:a16="http://schemas.microsoft.com/office/drawing/2014/main" id="{3D0053BB-873F-4037-B907-0B68C8156E82}"/>
-              </a:ext>
-            </a:extLst>
-          </p:cNvPr>
-          <p:cNvGraphicFramePr>
-            <a:graphicFrameLocks noGrp="1"/>
-          </p:cNvGraphicFramePr>
-          <p:nvPr>
-            <p:ph idx="1"/>
-            <p:extLst>
-              <p:ext uri="{D42A27DB-BD31-4B8C-83A1-F6EECF244321}">
-                <p14:modId xmlns:p14="http://schemas.microsoft.com/office/powerpoint/2010/main" val="89903867"/>
-              </p:ext>
-            </p:extLst>
-          </p:nvPr>
-        </p:nvGraphicFramePr>
-        <p:xfrm>
-          <a:off x="4526280" y="512064"/>
-          <a:ext cx="6830568" cy="5440680"/>
-        </p:xfrm>
-        <a:graphic>
-          <a:graphicData uri="http://schemas.openxmlformats.org/drawingml/2006/diagram">
-            <dgm:relIds xmlns:dgm="http://schemas.openxmlformats.org/drawingml/2006/diagram" xmlns:r="http://schemas.openxmlformats.org/officeDocument/2006/relationships" r:dm="rId2" r:lo="rId3" r:qs="rId4" r:cs="rId5"/>
-          </a:graphicData>
-        </a:graphic>
-      </p:graphicFrame>
-    </p:spTree>
-    <p:extLst>
-      <p:ext uri="{BB962C8B-B14F-4D97-AF65-F5344CB8AC3E}">
-        <p14:creationId xmlns:p14="http://schemas.microsoft.com/office/powerpoint/2010/main" val="3255581665"/>
-      </p:ext>
-    </p:extLst>
-  </p:cSld>
-  <p:clrMapOvr>
-    <a:masterClrMapping/>
-  </p:clrMapOvr>
-</p:sld>
-</file>
-
-<file path=ppt/slides/slide9.xml><?xml version="1.0" encoding="utf-8"?>
-<p:sld xmlns:a="http://schemas.openxmlformats.org/drawingml/2006/main" xmlns:r="http://schemas.openxmlformats.org/officeDocument/2006/relationships" xmlns:p="http://schemas.openxmlformats.org/presentationml/2006/main">
-  <p:cSld>
-    <p:bg>
-      <p:bgPr>
-        <a:solidFill>
-          <a:schemeClr val="bg1">
-            <a:tint val="95000"/>
-            <a:satMod val="170000"/>
-          </a:schemeClr>
-        </a:solidFill>
-        <a:effectLst/>
-      </p:bgPr>
-    </p:bg>
-    <p:spTree>
-      <p:nvGrpSpPr>
-        <p:cNvPr id="1" name=""/>
-        <p:cNvGrpSpPr/>
-        <p:nvPr/>
-      </p:nvGrpSpPr>
-      <p:grpSpPr>
-        <a:xfrm>
-          <a:off x="0" y="0"/>
-          <a:ext cx="0" cy="0"/>
-          <a:chOff x="0" y="0"/>
-          <a:chExt cx="0" cy="0"/>
-        </a:xfrm>
-      </p:grpSpPr>
-      <p:sp>
-        <p:nvSpPr>
-          <p:cNvPr id="10" name="Rectangle 9">
-            <a:extLst>
-              <a:ext uri="{FF2B5EF4-FFF2-40B4-BE49-F238E27FC236}">
-                <a16:creationId xmlns:a16="http://schemas.microsoft.com/office/drawing/2014/main" id="{5B32A67F-3598-4A13-8552-DA884FFCCE57}"/>
-              </a:ext>
-              <a:ext uri="{C183D7F6-B498-43B3-948B-1728B52AA6E4}">
-                <adec:decorative xmlns:adec="http://schemas.microsoft.com/office/drawing/2017/decorative" val="1"/>
-              </a:ext>
-            </a:extLst>
-          </p:cNvPr>
-          <p:cNvSpPr>
-            <a:spLocks noGrp="1" noRot="1" noChangeAspect="1" noMove="1" noResize="1" noEditPoints="1" noAdjustHandles="1" noChangeArrowheads="1" noChangeShapeType="1" noTextEdit="1"/>
-          </p:cNvSpPr>
-          <p:nvPr>
-            <p:extLst>
-              <p:ext uri="{386F3935-93C4-4BCD-93E2-E3B085C9AB24}">
-                <p16:designElem xmlns:p16="http://schemas.microsoft.com/office/powerpoint/2015/main" val="1"/>
-              </p:ext>
-            </p:extLst>
-          </p:nvPr>
-        </p:nvSpPr>
-        <p:spPr>
-          <a:xfrm>
-            <a:off x="0" y="0"/>
-            <a:ext cx="12192000" cy="6858000"/>
-          </a:xfrm>
-          <a:prstGeom prst="rect">
-            <a:avLst/>
-          </a:prstGeom>
-          <a:solidFill>
-            <a:schemeClr val="tx1">
-              <a:lumMod val="75000"/>
-              <a:lumOff val="25000"/>
-            </a:schemeClr>
-          </a:solidFill>
-          <a:ln>
-            <a:noFill/>
-          </a:ln>
-        </p:spPr>
-        <p:style>
-          <a:lnRef idx="2">
-            <a:schemeClr val="accent1">
-              <a:shade val="50000"/>
-            </a:schemeClr>
-          </a:lnRef>
-          <a:fillRef idx="1">
-            <a:schemeClr val="accent1"/>
-          </a:fillRef>
-          <a:effectRef idx="0">
-            <a:schemeClr val="accent1"/>
-          </a:effectRef>
-          <a:fontRef idx="minor">
-            <a:schemeClr val="lt1"/>
-          </a:fontRef>
-        </p:style>
-        <p:txBody>
-          <a:bodyPr rtlCol="0" anchor="ctr"/>
-          <a:lstStyle/>
-          <a:p>
-            <a:pPr algn="ctr"/>
-            <a:endParaRPr lang="en-US"/>
-          </a:p>
-        </p:txBody>
-      </p:sp>
-      <p:sp>
-        <p:nvSpPr>
-          <p:cNvPr id="2" name="Title 1">
-            <a:extLst>
-              <a:ext uri="{FF2B5EF4-FFF2-40B4-BE49-F238E27FC236}">
-                <a16:creationId xmlns:a16="http://schemas.microsoft.com/office/drawing/2014/main" id="{19868E9E-79E5-41D1-B914-0AF625C36BB6}"/>
-              </a:ext>
-            </a:extLst>
-          </p:cNvPr>
-          <p:cNvSpPr>
-            <a:spLocks noGrp="1"/>
-          </p:cNvSpPr>
-          <p:nvPr>
-            <p:ph type="title"/>
-          </p:nvPr>
-        </p:nvSpPr>
-        <p:spPr>
-          <a:xfrm>
-            <a:off x="804673" y="3320859"/>
-            <a:ext cx="4573475" cy="2076333"/>
-          </a:xfrm>
-        </p:spPr>
-        <p:txBody>
-          <a:bodyPr vert="horz" lIns="91440" tIns="45720" rIns="91440" bIns="45720" rtlCol="0" anchor="t">
-            <a:normAutofit/>
-          </a:bodyPr>
-          <a:lstStyle/>
-          <a:p>
-            <a:r>
-              <a:rPr lang="en-US" sz="4800" kern="1200">
-                <a:solidFill>
-                  <a:schemeClr val="bg1"/>
-                </a:solidFill>
-                <a:latin typeface="+mj-lt"/>
-                <a:ea typeface="+mj-ea"/>
-                <a:cs typeface="+mj-cs"/>
-              </a:rPr>
-              <a:t>Questions</a:t>
-            </a:r>
-          </a:p>
-        </p:txBody>
-      </p:sp>
-      <p:sp>
-        <p:nvSpPr>
-          <p:cNvPr id="12" name="Freeform: Shape 11">
-            <a:extLst>
-              <a:ext uri="{FF2B5EF4-FFF2-40B4-BE49-F238E27FC236}">
-                <a16:creationId xmlns:a16="http://schemas.microsoft.com/office/drawing/2014/main" id="{BCC55ACC-A2F6-403C-A3A4-D59B3734D45F}"/>
-              </a:ext>
-              <a:ext uri="{C183D7F6-B498-43B3-948B-1728B52AA6E4}">
-                <adec:decorative xmlns:adec="http://schemas.microsoft.com/office/drawing/2017/decorative" val="1"/>
-              </a:ext>
-            </a:extLst>
-          </p:cNvPr>
-          <p:cNvSpPr>
-            <a:spLocks noGrp="1" noRot="1" noChangeAspect="1" noMove="1" noResize="1" noEditPoints="1" noAdjustHandles="1" noChangeArrowheads="1" noChangeShapeType="1" noTextEdit="1"/>
-          </p:cNvSpPr>
-          <p:nvPr>
-            <p:extLst>
-              <p:ext uri="{386F3935-93C4-4BCD-93E2-E3B085C9AB24}">
-                <p16:designElem xmlns:p16="http://schemas.microsoft.com/office/powerpoint/2015/main" val="1"/>
-              </p:ext>
-            </p:extLst>
-          </p:nvPr>
-        </p:nvSpPr>
-        <p:spPr>
-          <a:xfrm>
-            <a:off x="5857312" y="381000"/>
-            <a:ext cx="6334689" cy="6477000"/>
-          </a:xfrm>
-          <a:custGeom>
-            <a:avLst/>
-            <a:gdLst>
-              <a:gd name="connsiteX0" fmla="*/ 3561588 w 6334689"/>
-              <a:gd name="connsiteY0" fmla="*/ 0 h 6477000"/>
-              <a:gd name="connsiteX1" fmla="*/ 6309883 w 6334689"/>
-              <a:gd name="connsiteY1" fmla="*/ 1296087 h 6477000"/>
-              <a:gd name="connsiteX2" fmla="*/ 6334689 w 6334689"/>
-              <a:gd name="connsiteY2" fmla="*/ 1329261 h 6477000"/>
-              <a:gd name="connsiteX3" fmla="*/ 6334689 w 6334689"/>
-              <a:gd name="connsiteY3" fmla="*/ 5793916 h 6477000"/>
-              <a:gd name="connsiteX4" fmla="*/ 6309883 w 6334689"/>
-              <a:gd name="connsiteY4" fmla="*/ 5827089 h 6477000"/>
-              <a:gd name="connsiteX5" fmla="*/ 5760467 w 6334689"/>
-              <a:gd name="connsiteY5" fmla="*/ 6363539 h 6477000"/>
-              <a:gd name="connsiteX6" fmla="*/ 5607796 w 6334689"/>
-              <a:gd name="connsiteY6" fmla="*/ 6477000 h 6477000"/>
-              <a:gd name="connsiteX7" fmla="*/ 1519571 w 6334689"/>
-              <a:gd name="connsiteY7" fmla="*/ 6477000 h 6477000"/>
-              <a:gd name="connsiteX8" fmla="*/ 1296088 w 6334689"/>
-              <a:gd name="connsiteY8" fmla="*/ 6309883 h 6477000"/>
-              <a:gd name="connsiteX9" fmla="*/ 0 w 6334689"/>
-              <a:gd name="connsiteY9" fmla="*/ 3561588 h 6477000"/>
-              <a:gd name="connsiteX10" fmla="*/ 3561588 w 6334689"/>
-              <a:gd name="connsiteY10" fmla="*/ 0 h 6477000"/>
-            </a:gdLst>
-            <a:ahLst/>
-            <a:cxnLst>
-              <a:cxn ang="0">
-                <a:pos x="connsiteX0" y="connsiteY0"/>
-              </a:cxn>
-              <a:cxn ang="0">
-                <a:pos x="connsiteX1" y="connsiteY1"/>
-              </a:cxn>
-              <a:cxn ang="0">
-                <a:pos x="connsiteX2" y="connsiteY2"/>
-              </a:cxn>
-              <a:cxn ang="0">
-                <a:pos x="connsiteX3" y="connsiteY3"/>
-              </a:cxn>
-              <a:cxn ang="0">
-                <a:pos x="connsiteX4" y="connsiteY4"/>
-              </a:cxn>
-              <a:cxn ang="0">
-                <a:pos x="connsiteX5" y="connsiteY5"/>
-              </a:cxn>
-              <a:cxn ang="0">
-                <a:pos x="connsiteX6" y="connsiteY6"/>
-              </a:cxn>
-              <a:cxn ang="0">
-                <a:pos x="connsiteX7" y="connsiteY7"/>
-              </a:cxn>
-              <a:cxn ang="0">
-                <a:pos x="connsiteX8" y="connsiteY8"/>
-              </a:cxn>
-              <a:cxn ang="0">
-                <a:pos x="connsiteX9" y="connsiteY9"/>
-              </a:cxn>
-              <a:cxn ang="0">
-                <a:pos x="connsiteX10" y="connsiteY10"/>
-              </a:cxn>
-            </a:cxnLst>
-            <a:rect l="l" t="t" r="r" b="b"/>
-            <a:pathLst>
-              <a:path w="6334689" h="6477000">
-                <a:moveTo>
-                  <a:pt x="3561588" y="0"/>
-                </a:moveTo>
-                <a:cubicBezTo>
-                  <a:pt x="4668032" y="0"/>
-                  <a:pt x="5656635" y="504534"/>
-                  <a:pt x="6309883" y="1296087"/>
-                </a:cubicBezTo>
-                <a:lnTo>
-                  <a:pt x="6334689" y="1329261"/>
-                </a:lnTo>
-                <a:lnTo>
-                  <a:pt x="6334689" y="5793916"/>
-                </a:lnTo>
-                <a:lnTo>
-                  <a:pt x="6309883" y="5827089"/>
-                </a:lnTo>
-                <a:cubicBezTo>
-                  <a:pt x="6146571" y="6024977"/>
-                  <a:pt x="5962299" y="6204927"/>
-                  <a:pt x="5760467" y="6363539"/>
-                </a:cubicBezTo>
-                <a:lnTo>
-                  <a:pt x="5607796" y="6477000"/>
-                </a:lnTo>
-                <a:lnTo>
-                  <a:pt x="1519571" y="6477000"/>
-                </a:lnTo>
-                <a:lnTo>
-                  <a:pt x="1296088" y="6309883"/>
-                </a:lnTo>
-                <a:cubicBezTo>
-                  <a:pt x="504535" y="5656635"/>
-                  <a:pt x="0" y="4668032"/>
-                  <a:pt x="0" y="3561588"/>
-                </a:cubicBezTo>
-                <a:cubicBezTo>
-                  <a:pt x="0" y="1594577"/>
-                  <a:pt x="1594577" y="0"/>
-                  <a:pt x="3561588" y="0"/>
-                </a:cubicBezTo>
-                <a:close/>
-              </a:path>
-            </a:pathLst>
-          </a:custGeom>
-          <a:solidFill>
-            <a:schemeClr val="bg1">
-              <a:alpha val="80000"/>
-            </a:schemeClr>
           </a:solidFill>
           <a:ln>
             <a:noFill/>
@@ -16474,12 +18642,50 @@
           </a:p>
         </p:txBody>
       </p:sp>
-      <p:sp>
+    </p:spTree>
+    <p:extLst>
+      <p:ext uri="{BB962C8B-B14F-4D97-AF65-F5344CB8AC3E}">
+        <p14:creationId xmlns:p14="http://schemas.microsoft.com/office/powerpoint/2010/main" val="742501607"/>
+      </p:ext>
+    </p:extLst>
+  </p:cSld>
+  <p:clrMapOvr>
+    <a:masterClrMapping/>
+  </p:clrMapOvr>
+</p:sld>
+</file>
+
+<file path=ppt/slides/slide8.xml><?xml version="1.0" encoding="utf-8"?>
+<p:sld xmlns:a="http://schemas.openxmlformats.org/drawingml/2006/main" xmlns:r="http://schemas.openxmlformats.org/officeDocument/2006/relationships" xmlns:p="http://schemas.openxmlformats.org/presentationml/2006/main">
+  <p:cSld>
+    <p:bg>
+      <p:bgPr>
+        <a:solidFill>
+          <a:schemeClr val="bg1"/>
+        </a:solidFill>
+        <a:effectLst/>
+      </p:bgPr>
+    </p:bg>
+    <p:spTree>
+      <p:nvGrpSpPr>
+        <p:cNvPr id="1" name=""/>
+        <p:cNvGrpSpPr/>
+        <p:nvPr/>
+      </p:nvGrpSpPr>
+      <p:grpSpPr>
+        <a:xfrm>
+          <a:off x="0" y="0"/>
+          <a:ext cx="0" cy="0"/>
+          <a:chOff x="0" y="0"/>
+          <a:chExt cx="0" cy="0"/>
+        </a:xfrm>
+      </p:grpSpPr>
+      <p:sp useBgFill="1">
         <p:nvSpPr>
-          <p:cNvPr id="14" name="Freeform: Shape 13">
+          <p:cNvPr id="8" name="Rectangle 7">
             <a:extLst>
               <a:ext uri="{FF2B5EF4-FFF2-40B4-BE49-F238E27FC236}">
-                <a16:creationId xmlns:a16="http://schemas.microsoft.com/office/drawing/2014/main" id="{598EBA13-C937-430B-9523-439FE21096E6}"/>
+                <a16:creationId xmlns:a16="http://schemas.microsoft.com/office/drawing/2014/main" id="{FFD48BC7-DC40-47DE-87EE-9F4B6ECB9ABB}"/>
               </a:ext>
               <a:ext uri="{C183D7F6-B498-43B3-948B-1728B52AA6E4}">
                 <adec:decorative xmlns:adec="http://schemas.microsoft.com/office/drawing/2017/decorative" val="1"/>
@@ -16499,34 +18705,92 @@
         </p:nvSpPr>
         <p:spPr>
           <a:xfrm>
-            <a:off x="6021086" y="544777"/>
-            <a:ext cx="6170914" cy="6313225"/>
+            <a:off x="0" y="0"/>
+            <a:ext cx="12192000" cy="6858000"/>
+          </a:xfrm>
+          <a:prstGeom prst="rect">
+            <a:avLst/>
+          </a:prstGeom>
+          <a:ln>
+            <a:noFill/>
+          </a:ln>
+        </p:spPr>
+        <p:style>
+          <a:lnRef idx="2">
+            <a:schemeClr val="accent1">
+              <a:shade val="50000"/>
+            </a:schemeClr>
+          </a:lnRef>
+          <a:fillRef idx="1">
+            <a:schemeClr val="accent1"/>
+          </a:fillRef>
+          <a:effectRef idx="0">
+            <a:schemeClr val="accent1"/>
+          </a:effectRef>
+          <a:fontRef idx="minor">
+            <a:schemeClr val="lt1"/>
+          </a:fontRef>
+        </p:style>
+        <p:txBody>
+          <a:bodyPr rtlCol="0" anchor="ctr"/>
+          <a:lstStyle/>
+          <a:p>
+            <a:pPr algn="ctr"/>
+            <a:endParaRPr lang="en-US"/>
+          </a:p>
+        </p:txBody>
+      </p:sp>
+      <p:sp useBgFill="1">
+        <p:nvSpPr>
+          <p:cNvPr id="10" name="Freeform: Shape 9">
+            <a:extLst>
+              <a:ext uri="{FF2B5EF4-FFF2-40B4-BE49-F238E27FC236}">
+                <a16:creationId xmlns:a16="http://schemas.microsoft.com/office/drawing/2014/main" id="{E502BBC7-2C76-46F3-BC24-5985BC13DB88}"/>
+              </a:ext>
+              <a:ext uri="{C183D7F6-B498-43B3-948B-1728B52AA6E4}">
+                <adec:decorative xmlns:adec="http://schemas.microsoft.com/office/drawing/2017/decorative" val="1"/>
+              </a:ext>
+            </a:extLst>
+          </p:cNvPr>
+          <p:cNvSpPr>
+            <a:spLocks noGrp="1" noRot="1" noChangeAspect="1" noMove="1" noResize="1" noEditPoints="1" noAdjustHandles="1" noChangeArrowheads="1" noChangeShapeType="1" noTextEdit="1"/>
+          </p:cNvSpPr>
+          <p:nvPr>
+            <p:extLst>
+              <p:ext uri="{386F3935-93C4-4BCD-93E2-E3B085C9AB24}">
+                <p16:designElem xmlns:p16="http://schemas.microsoft.com/office/powerpoint/2015/main" val="1"/>
+              </p:ext>
+            </p:extLst>
+          </p:nvPr>
+        </p:nvSpPr>
+        <p:spPr>
+          <a:xfrm>
+            <a:off x="1114425" y="0"/>
+            <a:ext cx="9963150" cy="6858000"/>
           </a:xfrm>
           <a:custGeom>
             <a:avLst/>
             <a:gdLst>
-              <a:gd name="connsiteX0" fmla="*/ 3397813 w 6170914"/>
-              <a:gd name="connsiteY0" fmla="*/ 0 h 6313225"/>
-              <a:gd name="connsiteX1" fmla="*/ 6019731 w 6170914"/>
-              <a:gd name="connsiteY1" fmla="*/ 1236489 h 6313225"/>
-              <a:gd name="connsiteX2" fmla="*/ 6170914 w 6170914"/>
-              <a:gd name="connsiteY2" fmla="*/ 1438663 h 6313225"/>
-              <a:gd name="connsiteX3" fmla="*/ 6170914 w 6170914"/>
-              <a:gd name="connsiteY3" fmla="*/ 5356963 h 6313225"/>
-              <a:gd name="connsiteX4" fmla="*/ 6019731 w 6170914"/>
-              <a:gd name="connsiteY4" fmla="*/ 5559138 h 6313225"/>
-              <a:gd name="connsiteX5" fmla="*/ 5194591 w 6170914"/>
-              <a:gd name="connsiteY5" fmla="*/ 6282226 h 6313225"/>
-              <a:gd name="connsiteX6" fmla="*/ 5141791 w 6170914"/>
-              <a:gd name="connsiteY6" fmla="*/ 6313225 h 6313225"/>
-              <a:gd name="connsiteX7" fmla="*/ 1659199 w 6170914"/>
-              <a:gd name="connsiteY7" fmla="*/ 6313225 h 6313225"/>
-              <a:gd name="connsiteX8" fmla="*/ 1498064 w 6170914"/>
-              <a:gd name="connsiteY8" fmla="*/ 6215333 h 6313225"/>
-              <a:gd name="connsiteX9" fmla="*/ 0 w 6170914"/>
-              <a:gd name="connsiteY9" fmla="*/ 3397813 h 6313225"/>
-              <a:gd name="connsiteX10" fmla="*/ 3397813 w 6170914"/>
-              <a:gd name="connsiteY10" fmla="*/ 0 h 6313225"/>
+              <a:gd name="connsiteX0" fmla="*/ 1595771 w 9963150"/>
+              <a:gd name="connsiteY0" fmla="*/ 0 h 6858000"/>
+              <a:gd name="connsiteX1" fmla="*/ 8367379 w 9963150"/>
+              <a:gd name="connsiteY1" fmla="*/ 0 h 6858000"/>
+              <a:gd name="connsiteX2" fmla="*/ 8504080 w 9963150"/>
+              <a:gd name="connsiteY2" fmla="*/ 130333 h 6858000"/>
+              <a:gd name="connsiteX3" fmla="*/ 9963150 w 9963150"/>
+              <a:gd name="connsiteY3" fmla="*/ 3652838 h 6858000"/>
+              <a:gd name="connsiteX4" fmla="*/ 8825600 w 9963150"/>
+              <a:gd name="connsiteY4" fmla="*/ 6821583 h 6858000"/>
+              <a:gd name="connsiteX5" fmla="*/ 8794055 w 9963150"/>
+              <a:gd name="connsiteY5" fmla="*/ 6858000 h 6858000"/>
+              <a:gd name="connsiteX6" fmla="*/ 1169096 w 9963150"/>
+              <a:gd name="connsiteY6" fmla="*/ 6858000 h 6858000"/>
+              <a:gd name="connsiteX7" fmla="*/ 1137550 w 9963150"/>
+              <a:gd name="connsiteY7" fmla="*/ 6821583 h 6858000"/>
+              <a:gd name="connsiteX8" fmla="*/ 0 w 9963150"/>
+              <a:gd name="connsiteY8" fmla="*/ 3652838 h 6858000"/>
+              <a:gd name="connsiteX9" fmla="*/ 1459070 w 9963150"/>
+              <a:gd name="connsiteY9" fmla="*/ 130333 h 6858000"/>
             </a:gdLst>
             <a:ahLst/>
             <a:cxnLst>
@@ -16560,60 +18824,389 @@
               <a:cxn ang="0">
                 <a:pos x="connsiteX9" y="connsiteY9"/>
               </a:cxn>
-              <a:cxn ang="0">
-                <a:pos x="connsiteX10" y="connsiteY10"/>
-              </a:cxn>
             </a:cxnLst>
             <a:rect l="l" t="t" r="r" b="b"/>
             <a:pathLst>
-              <a:path w="6170914" h="6313225">
+              <a:path w="9963150" h="6858000">
                 <a:moveTo>
-                  <a:pt x="3397813" y="0"/>
+                  <a:pt x="1595771" y="0"/>
                 </a:moveTo>
+                <a:lnTo>
+                  <a:pt x="8367379" y="0"/>
+                </a:lnTo>
+                <a:lnTo>
+                  <a:pt x="8504080" y="130333"/>
+                </a:lnTo>
                 <a:cubicBezTo>
-                  <a:pt x="4453378" y="0"/>
-                  <a:pt x="5396522" y="481334"/>
-                  <a:pt x="6019731" y="1236489"/>
+                  <a:pt x="9405568" y="1031820"/>
+                  <a:pt x="9963150" y="2277214"/>
+                  <a:pt x="9963150" y="3652838"/>
+                </a:cubicBezTo>
+                <a:cubicBezTo>
+                  <a:pt x="9963150" y="4856509"/>
+                  <a:pt x="9536251" y="5960473"/>
+                  <a:pt x="8825600" y="6821583"/>
                 </a:cubicBezTo>
                 <a:lnTo>
-                  <a:pt x="6170914" y="1438663"/>
+                  <a:pt x="8794055" y="6858000"/>
                 </a:lnTo>
                 <a:lnTo>
-                  <a:pt x="6170914" y="5356963"/>
+                  <a:pt x="1169096" y="6858000"/>
                 </a:lnTo>
                 <a:lnTo>
-                  <a:pt x="6019731" y="5559138"/>
+                  <a:pt x="1137550" y="6821583"/>
                 </a:lnTo>
                 <a:cubicBezTo>
-                  <a:pt x="5786028" y="5842321"/>
-                  <a:pt x="5507333" y="6086998"/>
-                  <a:pt x="5194591" y="6282226"/>
-                </a:cubicBezTo>
-                <a:lnTo>
-                  <a:pt x="5141791" y="6313225"/>
-                </a:lnTo>
-                <a:lnTo>
-                  <a:pt x="1659199" y="6313225"/>
-                </a:lnTo>
-                <a:lnTo>
-                  <a:pt x="1498064" y="6215333"/>
-                </a:lnTo>
-                <a:cubicBezTo>
-                  <a:pt x="594240" y="5604721"/>
-                  <a:pt x="0" y="4570663"/>
-                  <a:pt x="0" y="3397813"/>
+                  <a:pt x="426899" y="5960473"/>
+                  <a:pt x="0" y="4856509"/>
+                  <a:pt x="0" y="3652838"/>
                 </a:cubicBezTo>
                 <a:cubicBezTo>
-                  <a:pt x="0" y="1521253"/>
-                  <a:pt x="1521253" y="0"/>
-                  <a:pt x="3397813" y="0"/>
+                  <a:pt x="0" y="2277214"/>
+                  <a:pt x="557582" y="1031820"/>
+                  <a:pt x="1459070" y="130333"/>
                 </a:cubicBezTo>
                 <a:close/>
               </a:path>
             </a:pathLst>
           </a:custGeom>
+          <a:ln w="9525">
+            <a:solidFill>
+              <a:srgbClr val="EFEFEF"/>
+            </a:solidFill>
+          </a:ln>
+          <a:effectLst>
+            <a:outerShdw blurRad="139700" sx="102000" sy="102000" algn="ctr" rotWithShape="0">
+              <a:schemeClr val="bg1">
+                <a:lumMod val="85000"/>
+                <a:alpha val="38000"/>
+              </a:schemeClr>
+            </a:outerShdw>
+          </a:effectLst>
+        </p:spPr>
+        <p:style>
+          <a:lnRef idx="2">
+            <a:schemeClr val="accent1">
+              <a:shade val="50000"/>
+            </a:schemeClr>
+          </a:lnRef>
+          <a:fillRef idx="1">
+            <a:schemeClr val="accent1"/>
+          </a:fillRef>
+          <a:effectRef idx="0">
+            <a:schemeClr val="accent1"/>
+          </a:effectRef>
+          <a:fontRef idx="minor">
+            <a:schemeClr val="lt1"/>
+          </a:fontRef>
+        </p:style>
+        <p:txBody>
+          <a:bodyPr wrap="square" rtlCol="0" anchor="ctr">
+            <a:noAutofit/>
+          </a:bodyPr>
+          <a:lstStyle/>
+          <a:p>
+            <a:pPr marL="0" marR="0" lvl="0" indent="0" algn="ctr" defTabSz="914400" rtl="0" eaLnBrk="1" fontAlgn="auto" latinLnBrk="0" hangingPunct="1">
+              <a:lnSpc>
+                <a:spcPct val="100000"/>
+              </a:lnSpc>
+              <a:spcBef>
+                <a:spcPts val="0"/>
+              </a:spcBef>
+              <a:spcAft>
+                <a:spcPts val="0"/>
+              </a:spcAft>
+              <a:buClrTx/>
+              <a:buSzTx/>
+              <a:buFontTx/>
+              <a:buNone/>
+              <a:tabLst/>
+              <a:defRPr/>
+            </a:pPr>
+            <a:endParaRPr kumimoji="0" lang="en-US" sz="1800" b="0" i="0" u="none" strike="noStrike" kern="1200" cap="none" spc="0" normalizeH="0" baseline="0" noProof="0">
+              <a:ln>
+                <a:noFill/>
+              </a:ln>
+              <a:solidFill>
+                <a:prstClr val="white"/>
+              </a:solidFill>
+              <a:effectLst/>
+              <a:uLnTx/>
+              <a:uFillTx/>
+              <a:latin typeface="Calibri" panose="020F0502020204030204"/>
+              <a:ea typeface="+mn-ea"/>
+              <a:cs typeface="+mn-cs"/>
+            </a:endParaRPr>
+          </a:p>
+        </p:txBody>
+      </p:sp>
+      <p:sp useBgFill="1">
+        <p:nvSpPr>
+          <p:cNvPr id="12" name="Freeform: Shape 11">
+            <a:extLst>
+              <a:ext uri="{FF2B5EF4-FFF2-40B4-BE49-F238E27FC236}">
+                <a16:creationId xmlns:a16="http://schemas.microsoft.com/office/drawing/2014/main" id="{C7F28D52-2A5F-4D23-81AE-7CB8B591C7AF}"/>
+              </a:ext>
+              <a:ext uri="{C183D7F6-B498-43B3-948B-1728B52AA6E4}">
+                <adec:decorative xmlns:adec="http://schemas.microsoft.com/office/drawing/2017/decorative" val="1"/>
+              </a:ext>
+            </a:extLst>
+          </p:cNvPr>
+          <p:cNvSpPr>
+            <a:spLocks noGrp="1" noRot="1" noChangeAspect="1" noMove="1" noResize="1" noEditPoints="1" noAdjustHandles="1" noChangeArrowheads="1" noChangeShapeType="1" noTextEdit="1"/>
+          </p:cNvSpPr>
+          <p:nvPr>
+            <p:extLst>
+              <p:ext uri="{386F3935-93C4-4BCD-93E2-E3B085C9AB24}">
+                <p16:designElem xmlns:p16="http://schemas.microsoft.com/office/powerpoint/2015/main" val="1"/>
+              </p:ext>
+            </p:extLst>
+          </p:nvPr>
+        </p:nvSpPr>
+        <p:spPr>
+          <a:xfrm>
+            <a:off x="1121664" y="0"/>
+            <a:ext cx="9948672" cy="6858000"/>
+          </a:xfrm>
+          <a:custGeom>
+            <a:avLst/>
+            <a:gdLst>
+              <a:gd name="connsiteX0" fmla="*/ 1595771 w 9963150"/>
+              <a:gd name="connsiteY0" fmla="*/ 0 h 6858000"/>
+              <a:gd name="connsiteX1" fmla="*/ 8367379 w 9963150"/>
+              <a:gd name="connsiteY1" fmla="*/ 0 h 6858000"/>
+              <a:gd name="connsiteX2" fmla="*/ 8504080 w 9963150"/>
+              <a:gd name="connsiteY2" fmla="*/ 130333 h 6858000"/>
+              <a:gd name="connsiteX3" fmla="*/ 9963150 w 9963150"/>
+              <a:gd name="connsiteY3" fmla="*/ 3652838 h 6858000"/>
+              <a:gd name="connsiteX4" fmla="*/ 8825600 w 9963150"/>
+              <a:gd name="connsiteY4" fmla="*/ 6821583 h 6858000"/>
+              <a:gd name="connsiteX5" fmla="*/ 8794055 w 9963150"/>
+              <a:gd name="connsiteY5" fmla="*/ 6858000 h 6858000"/>
+              <a:gd name="connsiteX6" fmla="*/ 1169096 w 9963150"/>
+              <a:gd name="connsiteY6" fmla="*/ 6858000 h 6858000"/>
+              <a:gd name="connsiteX7" fmla="*/ 1137550 w 9963150"/>
+              <a:gd name="connsiteY7" fmla="*/ 6821583 h 6858000"/>
+              <a:gd name="connsiteX8" fmla="*/ 0 w 9963150"/>
+              <a:gd name="connsiteY8" fmla="*/ 3652838 h 6858000"/>
+              <a:gd name="connsiteX9" fmla="*/ 1459070 w 9963150"/>
+              <a:gd name="connsiteY9" fmla="*/ 130333 h 6858000"/>
+            </a:gdLst>
+            <a:ahLst/>
+            <a:cxnLst>
+              <a:cxn ang="0">
+                <a:pos x="connsiteX0" y="connsiteY0"/>
+              </a:cxn>
+              <a:cxn ang="0">
+                <a:pos x="connsiteX1" y="connsiteY1"/>
+              </a:cxn>
+              <a:cxn ang="0">
+                <a:pos x="connsiteX2" y="connsiteY2"/>
+              </a:cxn>
+              <a:cxn ang="0">
+                <a:pos x="connsiteX3" y="connsiteY3"/>
+              </a:cxn>
+              <a:cxn ang="0">
+                <a:pos x="connsiteX4" y="connsiteY4"/>
+              </a:cxn>
+              <a:cxn ang="0">
+                <a:pos x="connsiteX5" y="connsiteY5"/>
+              </a:cxn>
+              <a:cxn ang="0">
+                <a:pos x="connsiteX6" y="connsiteY6"/>
+              </a:cxn>
+              <a:cxn ang="0">
+                <a:pos x="connsiteX7" y="connsiteY7"/>
+              </a:cxn>
+              <a:cxn ang="0">
+                <a:pos x="connsiteX8" y="connsiteY8"/>
+              </a:cxn>
+              <a:cxn ang="0">
+                <a:pos x="connsiteX9" y="connsiteY9"/>
+              </a:cxn>
+            </a:cxnLst>
+            <a:rect l="l" t="t" r="r" b="b"/>
+            <a:pathLst>
+              <a:path w="9963150" h="6858000">
+                <a:moveTo>
+                  <a:pt x="1595771" y="0"/>
+                </a:moveTo>
+                <a:lnTo>
+                  <a:pt x="8367379" y="0"/>
+                </a:lnTo>
+                <a:lnTo>
+                  <a:pt x="8504080" y="130333"/>
+                </a:lnTo>
+                <a:cubicBezTo>
+                  <a:pt x="9405568" y="1031820"/>
+                  <a:pt x="9963150" y="2277214"/>
+                  <a:pt x="9963150" y="3652838"/>
+                </a:cubicBezTo>
+                <a:cubicBezTo>
+                  <a:pt x="9963150" y="4856509"/>
+                  <a:pt x="9536251" y="5960473"/>
+                  <a:pt x="8825600" y="6821583"/>
+                </a:cubicBezTo>
+                <a:lnTo>
+                  <a:pt x="8794055" y="6858000"/>
+                </a:lnTo>
+                <a:lnTo>
+                  <a:pt x="1169096" y="6858000"/>
+                </a:lnTo>
+                <a:lnTo>
+                  <a:pt x="1137550" y="6821583"/>
+                </a:lnTo>
+                <a:cubicBezTo>
+                  <a:pt x="426899" y="5960473"/>
+                  <a:pt x="0" y="4856509"/>
+                  <a:pt x="0" y="3652838"/>
+                </a:cubicBezTo>
+                <a:cubicBezTo>
+                  <a:pt x="0" y="2277214"/>
+                  <a:pt x="557582" y="1031820"/>
+                  <a:pt x="1459070" y="130333"/>
+                </a:cubicBezTo>
+                <a:close/>
+              </a:path>
+            </a:pathLst>
+          </a:custGeom>
+          <a:ln w="9525">
+            <a:noFill/>
+          </a:ln>
+          <a:effectLst/>
+        </p:spPr>
+        <p:style>
+          <a:lnRef idx="2">
+            <a:schemeClr val="accent1">
+              <a:shade val="50000"/>
+            </a:schemeClr>
+          </a:lnRef>
+          <a:fillRef idx="1">
+            <a:schemeClr val="accent1"/>
+          </a:fillRef>
+          <a:effectRef idx="0">
+            <a:schemeClr val="accent1"/>
+          </a:effectRef>
+          <a:fontRef idx="minor">
+            <a:schemeClr val="lt1"/>
+          </a:fontRef>
+        </p:style>
+        <p:txBody>
+          <a:bodyPr wrap="square" rtlCol="0" anchor="ctr">
+            <a:noAutofit/>
+          </a:bodyPr>
+          <a:lstStyle/>
+          <a:p>
+            <a:pPr marL="0" marR="0" lvl="0" indent="0" algn="ctr" defTabSz="914400" rtl="0" eaLnBrk="1" fontAlgn="auto" latinLnBrk="0" hangingPunct="1">
+              <a:lnSpc>
+                <a:spcPct val="100000"/>
+              </a:lnSpc>
+              <a:spcBef>
+                <a:spcPts val="0"/>
+              </a:spcBef>
+              <a:spcAft>
+                <a:spcPts val="0"/>
+              </a:spcAft>
+              <a:buClrTx/>
+              <a:buSzTx/>
+              <a:buFontTx/>
+              <a:buNone/>
+              <a:tabLst/>
+              <a:defRPr/>
+            </a:pPr>
+            <a:endParaRPr kumimoji="0" lang="en-US" sz="1800" b="0" i="0" u="none" strike="noStrike" kern="1200" cap="none" spc="0" normalizeH="0" baseline="0" noProof="0">
+              <a:ln>
+                <a:noFill/>
+              </a:ln>
+              <a:solidFill>
+                <a:prstClr val="white"/>
+              </a:solidFill>
+              <a:effectLst/>
+              <a:uLnTx/>
+              <a:uFillTx/>
+              <a:latin typeface="Calibri" panose="020F0502020204030204"/>
+              <a:ea typeface="+mn-ea"/>
+              <a:cs typeface="+mn-cs"/>
+            </a:endParaRPr>
+          </a:p>
+        </p:txBody>
+      </p:sp>
+      <p:sp>
+        <p:nvSpPr>
+          <p:cNvPr id="2" name="Title 1">
+            <a:extLst>
+              <a:ext uri="{FF2B5EF4-FFF2-40B4-BE49-F238E27FC236}">
+                <a16:creationId xmlns:a16="http://schemas.microsoft.com/office/drawing/2014/main" id="{3C37B34C-9BFD-4304-93F3-DC92D8027393}"/>
+              </a:ext>
+            </a:extLst>
+          </p:cNvPr>
+          <p:cNvSpPr>
+            <a:spLocks noGrp="1"/>
+          </p:cNvSpPr>
+          <p:nvPr>
+            <p:ph type="title"/>
+          </p:nvPr>
+        </p:nvSpPr>
+        <p:spPr>
+          <a:xfrm>
+            <a:off x="1524003" y="1999615"/>
+            <a:ext cx="9144000" cy="2764028"/>
+          </a:xfrm>
+        </p:spPr>
+        <p:txBody>
+          <a:bodyPr vert="horz" lIns="91440" tIns="45720" rIns="91440" bIns="45720" rtlCol="0" anchor="ctr">
+            <a:normAutofit/>
+          </a:bodyPr>
+          <a:lstStyle/>
+          <a:p>
+            <a:pPr algn="ctr"/>
+            <a:r>
+              <a:rPr lang="en-US" sz="7200" kern="1200" dirty="0">
+                <a:solidFill>
+                  <a:schemeClr val="tx1"/>
+                </a:solidFill>
+                <a:latin typeface="+mj-lt"/>
+                <a:ea typeface="+mj-ea"/>
+                <a:cs typeface="+mj-cs"/>
+              </a:rPr>
+              <a:t>Demo 2</a:t>
+            </a:r>
+          </a:p>
+        </p:txBody>
+      </p:sp>
+      <p:sp>
+        <p:nvSpPr>
+          <p:cNvPr id="14" name="Rectangle 13">
+            <a:extLst>
+              <a:ext uri="{FF2B5EF4-FFF2-40B4-BE49-F238E27FC236}">
+                <a16:creationId xmlns:a16="http://schemas.microsoft.com/office/drawing/2014/main" id="{3629484E-3792-4B3D-89AD-7C8A1ED0E0D4}"/>
+              </a:ext>
+              <a:ext uri="{C183D7F6-B498-43B3-948B-1728B52AA6E4}">
+                <adec:decorative xmlns:adec="http://schemas.microsoft.com/office/drawing/2017/decorative" val="1"/>
+              </a:ext>
+            </a:extLst>
+          </p:cNvPr>
+          <p:cNvSpPr>
+            <a:spLocks noGrp="1" noRot="1" noChangeAspect="1" noMove="1" noResize="1" noEditPoints="1" noAdjustHandles="1" noChangeArrowheads="1" noChangeShapeType="1" noTextEdit="1"/>
+          </p:cNvSpPr>
+          <p:nvPr>
+            <p:extLst>
+              <p:ext uri="{386F3935-93C4-4BCD-93E2-E3B085C9AB24}">
+                <p16:designElem xmlns:p16="http://schemas.microsoft.com/office/powerpoint/2015/main" val="1"/>
+              </p:ext>
+            </p:extLst>
+          </p:nvPr>
+        </p:nvSpPr>
+        <p:spPr>
+          <a:xfrm>
+            <a:off x="3718560" y="5524786"/>
+            <a:ext cx="4754880" cy="27432"/>
+          </a:xfrm>
+          <a:prstGeom prst="rect">
+            <a:avLst/>
+          </a:prstGeom>
           <a:solidFill>
-            <a:schemeClr val="bg1"/>
+            <a:schemeClr val="accent2"/>
           </a:solidFill>
           <a:ln>
             <a:noFill/>
@@ -16673,49 +19266,634 @@
           </a:p>
         </p:txBody>
       </p:sp>
-      <p:pic>
-        <p:nvPicPr>
-          <p:cNvPr id="7" name="Graphic 6" descr="Help">
+    </p:spTree>
+    <p:extLst>
+      <p:ext uri="{BB962C8B-B14F-4D97-AF65-F5344CB8AC3E}">
+        <p14:creationId xmlns:p14="http://schemas.microsoft.com/office/powerpoint/2010/main" val="3921181573"/>
+      </p:ext>
+    </p:extLst>
+  </p:cSld>
+  <p:clrMapOvr>
+    <a:masterClrMapping/>
+  </p:clrMapOvr>
+</p:sld>
+</file>
+
+<file path=ppt/slides/slide9.xml><?xml version="1.0" encoding="utf-8"?>
+<p:sld xmlns:a="http://schemas.openxmlformats.org/drawingml/2006/main" xmlns:r="http://schemas.openxmlformats.org/officeDocument/2006/relationships" xmlns:p="http://schemas.openxmlformats.org/presentationml/2006/main">
+  <p:cSld>
+    <p:bg>
+      <p:bgPr>
+        <a:solidFill>
+          <a:schemeClr val="bg1"/>
+        </a:solidFill>
+        <a:effectLst/>
+      </p:bgPr>
+    </p:bg>
+    <p:spTree>
+      <p:nvGrpSpPr>
+        <p:cNvPr id="1" name=""/>
+        <p:cNvGrpSpPr/>
+        <p:nvPr/>
+      </p:nvGrpSpPr>
+      <p:grpSpPr>
+        <a:xfrm>
+          <a:off x="0" y="0"/>
+          <a:ext cx="0" cy="0"/>
+          <a:chOff x="0" y="0"/>
+          <a:chExt cx="0" cy="0"/>
+        </a:xfrm>
+      </p:grpSpPr>
+      <p:sp useBgFill="1">
+        <p:nvSpPr>
+          <p:cNvPr id="8" name="Rectangle 7">
             <a:extLst>
               <a:ext uri="{FF2B5EF4-FFF2-40B4-BE49-F238E27FC236}">
-                <a16:creationId xmlns:a16="http://schemas.microsoft.com/office/drawing/2014/main" id="{D5E43EF5-1E2B-48B7-8C8E-9C350008AF7A}"/>
+                <a16:creationId xmlns:a16="http://schemas.microsoft.com/office/drawing/2014/main" id="{FFD48BC7-DC40-47DE-87EE-9F4B6ECB9ABB}"/>
+              </a:ext>
+              <a:ext uri="{C183D7F6-B498-43B3-948B-1728B52AA6E4}">
+                <adec:decorative xmlns:adec="http://schemas.microsoft.com/office/drawing/2017/decorative" val="1"/>
               </a:ext>
             </a:extLst>
           </p:cNvPr>
-          <p:cNvPicPr>
-            <a:picLocks noChangeAspect="1"/>
-          </p:cNvPicPr>
-          <p:nvPr/>
-        </p:nvPicPr>
-        <p:blipFill>
-          <a:blip r:embed="rId2">
-            <a:extLst>
-              <a:ext uri="{28A0092B-C50C-407E-A947-70E740481C1C}">
-                <a14:useLocalDpi xmlns:a14="http://schemas.microsoft.com/office/drawing/2010/main" val="0"/>
-              </a:ext>
-              <a:ext uri="{96DAC541-7B7A-43D3-8B79-37D633B846F1}">
-                <asvg:svgBlip xmlns:asvg="http://schemas.microsoft.com/office/drawing/2016/SVG/main" r:embed="rId3"/>
-              </a:ext>
-            </a:extLst>
-          </a:blip>
-          <a:stretch>
-            <a:fillRect/>
-          </a:stretch>
-        </p:blipFill>
+          <p:cNvSpPr>
+            <a:spLocks noGrp="1" noRot="1" noChangeAspect="1" noMove="1" noResize="1" noEditPoints="1" noAdjustHandles="1" noChangeArrowheads="1" noChangeShapeType="1" noTextEdit="1"/>
+          </p:cNvSpPr>
+          <p:nvPr>
+            <p:extLst>
+              <p:ext uri="{386F3935-93C4-4BCD-93E2-E3B085C9AB24}">
+                <p16:designElem xmlns:p16="http://schemas.microsoft.com/office/powerpoint/2015/main" val="1"/>
+              </p:ext>
+            </p:extLst>
+          </p:nvPr>
+        </p:nvSpPr>
         <p:spPr>
           <a:xfrm>
-            <a:off x="7210424" y="1845770"/>
-            <a:ext cx="4333875" cy="4333875"/>
+            <a:off x="0" y="0"/>
+            <a:ext cx="12192000" cy="6858000"/>
           </a:xfrm>
           <a:prstGeom prst="rect">
             <a:avLst/>
           </a:prstGeom>
+          <a:ln>
+            <a:noFill/>
+          </a:ln>
         </p:spPr>
-      </p:pic>
+        <p:style>
+          <a:lnRef idx="2">
+            <a:schemeClr val="accent1">
+              <a:shade val="50000"/>
+            </a:schemeClr>
+          </a:lnRef>
+          <a:fillRef idx="1">
+            <a:schemeClr val="accent1"/>
+          </a:fillRef>
+          <a:effectRef idx="0">
+            <a:schemeClr val="accent1"/>
+          </a:effectRef>
+          <a:fontRef idx="minor">
+            <a:schemeClr val="lt1"/>
+          </a:fontRef>
+        </p:style>
+        <p:txBody>
+          <a:bodyPr rtlCol="0" anchor="ctr"/>
+          <a:lstStyle/>
+          <a:p>
+            <a:pPr algn="ctr"/>
+            <a:endParaRPr lang="en-US"/>
+          </a:p>
+        </p:txBody>
+      </p:sp>
+      <p:sp useBgFill="1">
+        <p:nvSpPr>
+          <p:cNvPr id="10" name="Freeform: Shape 9">
+            <a:extLst>
+              <a:ext uri="{FF2B5EF4-FFF2-40B4-BE49-F238E27FC236}">
+                <a16:creationId xmlns:a16="http://schemas.microsoft.com/office/drawing/2014/main" id="{E502BBC7-2C76-46F3-BC24-5985BC13DB88}"/>
+              </a:ext>
+              <a:ext uri="{C183D7F6-B498-43B3-948B-1728B52AA6E4}">
+                <adec:decorative xmlns:adec="http://schemas.microsoft.com/office/drawing/2017/decorative" val="1"/>
+              </a:ext>
+            </a:extLst>
+          </p:cNvPr>
+          <p:cNvSpPr>
+            <a:spLocks noGrp="1" noRot="1" noChangeAspect="1" noMove="1" noResize="1" noEditPoints="1" noAdjustHandles="1" noChangeArrowheads="1" noChangeShapeType="1" noTextEdit="1"/>
+          </p:cNvSpPr>
+          <p:nvPr>
+            <p:extLst>
+              <p:ext uri="{386F3935-93C4-4BCD-93E2-E3B085C9AB24}">
+                <p16:designElem xmlns:p16="http://schemas.microsoft.com/office/powerpoint/2015/main" val="1"/>
+              </p:ext>
+            </p:extLst>
+          </p:nvPr>
+        </p:nvSpPr>
+        <p:spPr>
+          <a:xfrm>
+            <a:off x="1114425" y="0"/>
+            <a:ext cx="9963150" cy="6858000"/>
+          </a:xfrm>
+          <a:custGeom>
+            <a:avLst/>
+            <a:gdLst>
+              <a:gd name="connsiteX0" fmla="*/ 1595771 w 9963150"/>
+              <a:gd name="connsiteY0" fmla="*/ 0 h 6858000"/>
+              <a:gd name="connsiteX1" fmla="*/ 8367379 w 9963150"/>
+              <a:gd name="connsiteY1" fmla="*/ 0 h 6858000"/>
+              <a:gd name="connsiteX2" fmla="*/ 8504080 w 9963150"/>
+              <a:gd name="connsiteY2" fmla="*/ 130333 h 6858000"/>
+              <a:gd name="connsiteX3" fmla="*/ 9963150 w 9963150"/>
+              <a:gd name="connsiteY3" fmla="*/ 3652838 h 6858000"/>
+              <a:gd name="connsiteX4" fmla="*/ 8825600 w 9963150"/>
+              <a:gd name="connsiteY4" fmla="*/ 6821583 h 6858000"/>
+              <a:gd name="connsiteX5" fmla="*/ 8794055 w 9963150"/>
+              <a:gd name="connsiteY5" fmla="*/ 6858000 h 6858000"/>
+              <a:gd name="connsiteX6" fmla="*/ 1169096 w 9963150"/>
+              <a:gd name="connsiteY6" fmla="*/ 6858000 h 6858000"/>
+              <a:gd name="connsiteX7" fmla="*/ 1137550 w 9963150"/>
+              <a:gd name="connsiteY7" fmla="*/ 6821583 h 6858000"/>
+              <a:gd name="connsiteX8" fmla="*/ 0 w 9963150"/>
+              <a:gd name="connsiteY8" fmla="*/ 3652838 h 6858000"/>
+              <a:gd name="connsiteX9" fmla="*/ 1459070 w 9963150"/>
+              <a:gd name="connsiteY9" fmla="*/ 130333 h 6858000"/>
+            </a:gdLst>
+            <a:ahLst/>
+            <a:cxnLst>
+              <a:cxn ang="0">
+                <a:pos x="connsiteX0" y="connsiteY0"/>
+              </a:cxn>
+              <a:cxn ang="0">
+                <a:pos x="connsiteX1" y="connsiteY1"/>
+              </a:cxn>
+              <a:cxn ang="0">
+                <a:pos x="connsiteX2" y="connsiteY2"/>
+              </a:cxn>
+              <a:cxn ang="0">
+                <a:pos x="connsiteX3" y="connsiteY3"/>
+              </a:cxn>
+              <a:cxn ang="0">
+                <a:pos x="connsiteX4" y="connsiteY4"/>
+              </a:cxn>
+              <a:cxn ang="0">
+                <a:pos x="connsiteX5" y="connsiteY5"/>
+              </a:cxn>
+              <a:cxn ang="0">
+                <a:pos x="connsiteX6" y="connsiteY6"/>
+              </a:cxn>
+              <a:cxn ang="0">
+                <a:pos x="connsiteX7" y="connsiteY7"/>
+              </a:cxn>
+              <a:cxn ang="0">
+                <a:pos x="connsiteX8" y="connsiteY8"/>
+              </a:cxn>
+              <a:cxn ang="0">
+                <a:pos x="connsiteX9" y="connsiteY9"/>
+              </a:cxn>
+            </a:cxnLst>
+            <a:rect l="l" t="t" r="r" b="b"/>
+            <a:pathLst>
+              <a:path w="9963150" h="6858000">
+                <a:moveTo>
+                  <a:pt x="1595771" y="0"/>
+                </a:moveTo>
+                <a:lnTo>
+                  <a:pt x="8367379" y="0"/>
+                </a:lnTo>
+                <a:lnTo>
+                  <a:pt x="8504080" y="130333"/>
+                </a:lnTo>
+                <a:cubicBezTo>
+                  <a:pt x="9405568" y="1031820"/>
+                  <a:pt x="9963150" y="2277214"/>
+                  <a:pt x="9963150" y="3652838"/>
+                </a:cubicBezTo>
+                <a:cubicBezTo>
+                  <a:pt x="9963150" y="4856509"/>
+                  <a:pt x="9536251" y="5960473"/>
+                  <a:pt x="8825600" y="6821583"/>
+                </a:cubicBezTo>
+                <a:lnTo>
+                  <a:pt x="8794055" y="6858000"/>
+                </a:lnTo>
+                <a:lnTo>
+                  <a:pt x="1169096" y="6858000"/>
+                </a:lnTo>
+                <a:lnTo>
+                  <a:pt x="1137550" y="6821583"/>
+                </a:lnTo>
+                <a:cubicBezTo>
+                  <a:pt x="426899" y="5960473"/>
+                  <a:pt x="0" y="4856509"/>
+                  <a:pt x="0" y="3652838"/>
+                </a:cubicBezTo>
+                <a:cubicBezTo>
+                  <a:pt x="0" y="2277214"/>
+                  <a:pt x="557582" y="1031820"/>
+                  <a:pt x="1459070" y="130333"/>
+                </a:cubicBezTo>
+                <a:close/>
+              </a:path>
+            </a:pathLst>
+          </a:custGeom>
+          <a:ln w="9525">
+            <a:solidFill>
+              <a:srgbClr val="EFEFEF"/>
+            </a:solidFill>
+          </a:ln>
+          <a:effectLst>
+            <a:outerShdw blurRad="139700" sx="102000" sy="102000" algn="ctr" rotWithShape="0">
+              <a:schemeClr val="bg1">
+                <a:lumMod val="85000"/>
+                <a:alpha val="38000"/>
+              </a:schemeClr>
+            </a:outerShdw>
+          </a:effectLst>
+        </p:spPr>
+        <p:style>
+          <a:lnRef idx="2">
+            <a:schemeClr val="accent1">
+              <a:shade val="50000"/>
+            </a:schemeClr>
+          </a:lnRef>
+          <a:fillRef idx="1">
+            <a:schemeClr val="accent1"/>
+          </a:fillRef>
+          <a:effectRef idx="0">
+            <a:schemeClr val="accent1"/>
+          </a:effectRef>
+          <a:fontRef idx="minor">
+            <a:schemeClr val="lt1"/>
+          </a:fontRef>
+        </p:style>
+        <p:txBody>
+          <a:bodyPr wrap="square" rtlCol="0" anchor="ctr">
+            <a:noAutofit/>
+          </a:bodyPr>
+          <a:lstStyle/>
+          <a:p>
+            <a:pPr marL="0" marR="0" lvl="0" indent="0" algn="ctr" defTabSz="914400" rtl="0" eaLnBrk="1" fontAlgn="auto" latinLnBrk="0" hangingPunct="1">
+              <a:lnSpc>
+                <a:spcPct val="100000"/>
+              </a:lnSpc>
+              <a:spcBef>
+                <a:spcPts val="0"/>
+              </a:spcBef>
+              <a:spcAft>
+                <a:spcPts val="0"/>
+              </a:spcAft>
+              <a:buClrTx/>
+              <a:buSzTx/>
+              <a:buFontTx/>
+              <a:buNone/>
+              <a:tabLst/>
+              <a:defRPr/>
+            </a:pPr>
+            <a:endParaRPr kumimoji="0" lang="en-US" sz="1800" b="0" i="0" u="none" strike="noStrike" kern="1200" cap="none" spc="0" normalizeH="0" baseline="0" noProof="0">
+              <a:ln>
+                <a:noFill/>
+              </a:ln>
+              <a:solidFill>
+                <a:prstClr val="white"/>
+              </a:solidFill>
+              <a:effectLst/>
+              <a:uLnTx/>
+              <a:uFillTx/>
+              <a:latin typeface="Calibri" panose="020F0502020204030204"/>
+              <a:ea typeface="+mn-ea"/>
+              <a:cs typeface="+mn-cs"/>
+            </a:endParaRPr>
+          </a:p>
+        </p:txBody>
+      </p:sp>
+      <p:sp useBgFill="1">
+        <p:nvSpPr>
+          <p:cNvPr id="12" name="Freeform: Shape 11">
+            <a:extLst>
+              <a:ext uri="{FF2B5EF4-FFF2-40B4-BE49-F238E27FC236}">
+                <a16:creationId xmlns:a16="http://schemas.microsoft.com/office/drawing/2014/main" id="{C7F28D52-2A5F-4D23-81AE-7CB8B591C7AF}"/>
+              </a:ext>
+              <a:ext uri="{C183D7F6-B498-43B3-948B-1728B52AA6E4}">
+                <adec:decorative xmlns:adec="http://schemas.microsoft.com/office/drawing/2017/decorative" val="1"/>
+              </a:ext>
+            </a:extLst>
+          </p:cNvPr>
+          <p:cNvSpPr>
+            <a:spLocks noGrp="1" noRot="1" noChangeAspect="1" noMove="1" noResize="1" noEditPoints="1" noAdjustHandles="1" noChangeArrowheads="1" noChangeShapeType="1" noTextEdit="1"/>
+          </p:cNvSpPr>
+          <p:nvPr>
+            <p:extLst>
+              <p:ext uri="{386F3935-93C4-4BCD-93E2-E3B085C9AB24}">
+                <p16:designElem xmlns:p16="http://schemas.microsoft.com/office/powerpoint/2015/main" val="1"/>
+              </p:ext>
+            </p:extLst>
+          </p:nvPr>
+        </p:nvSpPr>
+        <p:spPr>
+          <a:xfrm>
+            <a:off x="1121664" y="0"/>
+            <a:ext cx="9948672" cy="6858000"/>
+          </a:xfrm>
+          <a:custGeom>
+            <a:avLst/>
+            <a:gdLst>
+              <a:gd name="connsiteX0" fmla="*/ 1595771 w 9963150"/>
+              <a:gd name="connsiteY0" fmla="*/ 0 h 6858000"/>
+              <a:gd name="connsiteX1" fmla="*/ 8367379 w 9963150"/>
+              <a:gd name="connsiteY1" fmla="*/ 0 h 6858000"/>
+              <a:gd name="connsiteX2" fmla="*/ 8504080 w 9963150"/>
+              <a:gd name="connsiteY2" fmla="*/ 130333 h 6858000"/>
+              <a:gd name="connsiteX3" fmla="*/ 9963150 w 9963150"/>
+              <a:gd name="connsiteY3" fmla="*/ 3652838 h 6858000"/>
+              <a:gd name="connsiteX4" fmla="*/ 8825600 w 9963150"/>
+              <a:gd name="connsiteY4" fmla="*/ 6821583 h 6858000"/>
+              <a:gd name="connsiteX5" fmla="*/ 8794055 w 9963150"/>
+              <a:gd name="connsiteY5" fmla="*/ 6858000 h 6858000"/>
+              <a:gd name="connsiteX6" fmla="*/ 1169096 w 9963150"/>
+              <a:gd name="connsiteY6" fmla="*/ 6858000 h 6858000"/>
+              <a:gd name="connsiteX7" fmla="*/ 1137550 w 9963150"/>
+              <a:gd name="connsiteY7" fmla="*/ 6821583 h 6858000"/>
+              <a:gd name="connsiteX8" fmla="*/ 0 w 9963150"/>
+              <a:gd name="connsiteY8" fmla="*/ 3652838 h 6858000"/>
+              <a:gd name="connsiteX9" fmla="*/ 1459070 w 9963150"/>
+              <a:gd name="connsiteY9" fmla="*/ 130333 h 6858000"/>
+            </a:gdLst>
+            <a:ahLst/>
+            <a:cxnLst>
+              <a:cxn ang="0">
+                <a:pos x="connsiteX0" y="connsiteY0"/>
+              </a:cxn>
+              <a:cxn ang="0">
+                <a:pos x="connsiteX1" y="connsiteY1"/>
+              </a:cxn>
+              <a:cxn ang="0">
+                <a:pos x="connsiteX2" y="connsiteY2"/>
+              </a:cxn>
+              <a:cxn ang="0">
+                <a:pos x="connsiteX3" y="connsiteY3"/>
+              </a:cxn>
+              <a:cxn ang="0">
+                <a:pos x="connsiteX4" y="connsiteY4"/>
+              </a:cxn>
+              <a:cxn ang="0">
+                <a:pos x="connsiteX5" y="connsiteY5"/>
+              </a:cxn>
+              <a:cxn ang="0">
+                <a:pos x="connsiteX6" y="connsiteY6"/>
+              </a:cxn>
+              <a:cxn ang="0">
+                <a:pos x="connsiteX7" y="connsiteY7"/>
+              </a:cxn>
+              <a:cxn ang="0">
+                <a:pos x="connsiteX8" y="connsiteY8"/>
+              </a:cxn>
+              <a:cxn ang="0">
+                <a:pos x="connsiteX9" y="connsiteY9"/>
+              </a:cxn>
+            </a:cxnLst>
+            <a:rect l="l" t="t" r="r" b="b"/>
+            <a:pathLst>
+              <a:path w="9963150" h="6858000">
+                <a:moveTo>
+                  <a:pt x="1595771" y="0"/>
+                </a:moveTo>
+                <a:lnTo>
+                  <a:pt x="8367379" y="0"/>
+                </a:lnTo>
+                <a:lnTo>
+                  <a:pt x="8504080" y="130333"/>
+                </a:lnTo>
+                <a:cubicBezTo>
+                  <a:pt x="9405568" y="1031820"/>
+                  <a:pt x="9963150" y="2277214"/>
+                  <a:pt x="9963150" y="3652838"/>
+                </a:cubicBezTo>
+                <a:cubicBezTo>
+                  <a:pt x="9963150" y="4856509"/>
+                  <a:pt x="9536251" y="5960473"/>
+                  <a:pt x="8825600" y="6821583"/>
+                </a:cubicBezTo>
+                <a:lnTo>
+                  <a:pt x="8794055" y="6858000"/>
+                </a:lnTo>
+                <a:lnTo>
+                  <a:pt x="1169096" y="6858000"/>
+                </a:lnTo>
+                <a:lnTo>
+                  <a:pt x="1137550" y="6821583"/>
+                </a:lnTo>
+                <a:cubicBezTo>
+                  <a:pt x="426899" y="5960473"/>
+                  <a:pt x="0" y="4856509"/>
+                  <a:pt x="0" y="3652838"/>
+                </a:cubicBezTo>
+                <a:cubicBezTo>
+                  <a:pt x="0" y="2277214"/>
+                  <a:pt x="557582" y="1031820"/>
+                  <a:pt x="1459070" y="130333"/>
+                </a:cubicBezTo>
+                <a:close/>
+              </a:path>
+            </a:pathLst>
+          </a:custGeom>
+          <a:ln w="9525">
+            <a:noFill/>
+          </a:ln>
+          <a:effectLst/>
+        </p:spPr>
+        <p:style>
+          <a:lnRef idx="2">
+            <a:schemeClr val="accent1">
+              <a:shade val="50000"/>
+            </a:schemeClr>
+          </a:lnRef>
+          <a:fillRef idx="1">
+            <a:schemeClr val="accent1"/>
+          </a:fillRef>
+          <a:effectRef idx="0">
+            <a:schemeClr val="accent1"/>
+          </a:effectRef>
+          <a:fontRef idx="minor">
+            <a:schemeClr val="lt1"/>
+          </a:fontRef>
+        </p:style>
+        <p:txBody>
+          <a:bodyPr wrap="square" rtlCol="0" anchor="ctr">
+            <a:noAutofit/>
+          </a:bodyPr>
+          <a:lstStyle/>
+          <a:p>
+            <a:pPr marL="0" marR="0" lvl="0" indent="0" algn="ctr" defTabSz="914400" rtl="0" eaLnBrk="1" fontAlgn="auto" latinLnBrk="0" hangingPunct="1">
+              <a:lnSpc>
+                <a:spcPct val="100000"/>
+              </a:lnSpc>
+              <a:spcBef>
+                <a:spcPts val="0"/>
+              </a:spcBef>
+              <a:spcAft>
+                <a:spcPts val="0"/>
+              </a:spcAft>
+              <a:buClrTx/>
+              <a:buSzTx/>
+              <a:buFontTx/>
+              <a:buNone/>
+              <a:tabLst/>
+              <a:defRPr/>
+            </a:pPr>
+            <a:endParaRPr kumimoji="0" lang="en-US" sz="1800" b="0" i="0" u="none" strike="noStrike" kern="1200" cap="none" spc="0" normalizeH="0" baseline="0" noProof="0">
+              <a:ln>
+                <a:noFill/>
+              </a:ln>
+              <a:solidFill>
+                <a:prstClr val="white"/>
+              </a:solidFill>
+              <a:effectLst/>
+              <a:uLnTx/>
+              <a:uFillTx/>
+              <a:latin typeface="Calibri" panose="020F0502020204030204"/>
+              <a:ea typeface="+mn-ea"/>
+              <a:cs typeface="+mn-cs"/>
+            </a:endParaRPr>
+          </a:p>
+        </p:txBody>
+      </p:sp>
+      <p:sp>
+        <p:nvSpPr>
+          <p:cNvPr id="2" name="Title 1">
+            <a:extLst>
+              <a:ext uri="{FF2B5EF4-FFF2-40B4-BE49-F238E27FC236}">
+                <a16:creationId xmlns:a16="http://schemas.microsoft.com/office/drawing/2014/main" id="{3C37B34C-9BFD-4304-93F3-DC92D8027393}"/>
+              </a:ext>
+            </a:extLst>
+          </p:cNvPr>
+          <p:cNvSpPr>
+            <a:spLocks noGrp="1"/>
+          </p:cNvSpPr>
+          <p:nvPr>
+            <p:ph type="title"/>
+          </p:nvPr>
+        </p:nvSpPr>
+        <p:spPr>
+          <a:xfrm>
+            <a:off x="1524003" y="1999615"/>
+            <a:ext cx="9144000" cy="2764028"/>
+          </a:xfrm>
+        </p:spPr>
+        <p:txBody>
+          <a:bodyPr vert="horz" lIns="91440" tIns="45720" rIns="91440" bIns="45720" rtlCol="0" anchor="ctr">
+            <a:normAutofit/>
+          </a:bodyPr>
+          <a:lstStyle/>
+          <a:p>
+            <a:pPr algn="ctr"/>
+            <a:r>
+              <a:rPr lang="en-US" sz="7200" kern="1200" dirty="0">
+                <a:solidFill>
+                  <a:schemeClr val="tx1"/>
+                </a:solidFill>
+                <a:latin typeface="+mj-lt"/>
+                <a:ea typeface="+mj-ea"/>
+                <a:cs typeface="+mj-cs"/>
+              </a:rPr>
+              <a:t>Your turn</a:t>
+            </a:r>
+          </a:p>
+        </p:txBody>
+      </p:sp>
+      <p:sp>
+        <p:nvSpPr>
+          <p:cNvPr id="14" name="Rectangle 13">
+            <a:extLst>
+              <a:ext uri="{FF2B5EF4-FFF2-40B4-BE49-F238E27FC236}">
+                <a16:creationId xmlns:a16="http://schemas.microsoft.com/office/drawing/2014/main" id="{3629484E-3792-4B3D-89AD-7C8A1ED0E0D4}"/>
+              </a:ext>
+              <a:ext uri="{C183D7F6-B498-43B3-948B-1728B52AA6E4}">
+                <adec:decorative xmlns:adec="http://schemas.microsoft.com/office/drawing/2017/decorative" val="1"/>
+              </a:ext>
+            </a:extLst>
+          </p:cNvPr>
+          <p:cNvSpPr>
+            <a:spLocks noGrp="1" noRot="1" noChangeAspect="1" noMove="1" noResize="1" noEditPoints="1" noAdjustHandles="1" noChangeArrowheads="1" noChangeShapeType="1" noTextEdit="1"/>
+          </p:cNvSpPr>
+          <p:nvPr>
+            <p:extLst>
+              <p:ext uri="{386F3935-93C4-4BCD-93E2-E3B085C9AB24}">
+                <p16:designElem xmlns:p16="http://schemas.microsoft.com/office/powerpoint/2015/main" val="1"/>
+              </p:ext>
+            </p:extLst>
+          </p:nvPr>
+        </p:nvSpPr>
+        <p:spPr>
+          <a:xfrm>
+            <a:off x="3718560" y="5524786"/>
+            <a:ext cx="4754880" cy="27432"/>
+          </a:xfrm>
+          <a:prstGeom prst="rect">
+            <a:avLst/>
+          </a:prstGeom>
+          <a:solidFill>
+            <a:schemeClr val="accent2"/>
+          </a:solidFill>
+          <a:ln>
+            <a:noFill/>
+          </a:ln>
+        </p:spPr>
+        <p:style>
+          <a:lnRef idx="2">
+            <a:schemeClr val="accent1">
+              <a:shade val="50000"/>
+            </a:schemeClr>
+          </a:lnRef>
+          <a:fillRef idx="1">
+            <a:schemeClr val="accent1"/>
+          </a:fillRef>
+          <a:effectRef idx="0">
+            <a:schemeClr val="accent1"/>
+          </a:effectRef>
+          <a:fontRef idx="minor">
+            <a:schemeClr val="lt1"/>
+          </a:fontRef>
+        </p:style>
+        <p:txBody>
+          <a:bodyPr rtlCol="0" anchor="ctr"/>
+          <a:lstStyle/>
+          <a:p>
+            <a:pPr marL="0" marR="0" lvl="0" indent="0" algn="ctr" defTabSz="914400" rtl="0" eaLnBrk="1" fontAlgn="auto" latinLnBrk="0" hangingPunct="1">
+              <a:lnSpc>
+                <a:spcPct val="100000"/>
+              </a:lnSpc>
+              <a:spcBef>
+                <a:spcPts val="0"/>
+              </a:spcBef>
+              <a:spcAft>
+                <a:spcPts val="0"/>
+              </a:spcAft>
+              <a:buClrTx/>
+              <a:buSzTx/>
+              <a:buFontTx/>
+              <a:buNone/>
+              <a:tabLst/>
+              <a:defRPr/>
+            </a:pPr>
+            <a:endParaRPr kumimoji="0" lang="en-US" sz="1800" b="0" i="0" u="none" strike="noStrike" kern="1200" cap="none" spc="0" normalizeH="0" baseline="0" noProof="0">
+              <a:ln>
+                <a:noFill/>
+              </a:ln>
+              <a:solidFill>
+                <a:prstClr val="white"/>
+              </a:solidFill>
+              <a:effectLst/>
+              <a:uLnTx/>
+              <a:uFillTx/>
+              <a:latin typeface="Calibri" panose="020F0502020204030204"/>
+              <a:ea typeface="+mn-ea"/>
+              <a:cs typeface="+mn-cs"/>
+            </a:endParaRPr>
+          </a:p>
+        </p:txBody>
+      </p:sp>
     </p:spTree>
     <p:extLst>
       <p:ext uri="{BB962C8B-B14F-4D97-AF65-F5344CB8AC3E}">
-        <p14:creationId xmlns:p14="http://schemas.microsoft.com/office/powerpoint/2010/main" val="1347256979"/>
+        <p14:creationId xmlns:p14="http://schemas.microsoft.com/office/powerpoint/2010/main" val="2299504947"/>
       </p:ext>
     </p:extLst>
   </p:cSld>

--- a/LetsHackYourToy.pptx
+++ b/LetsHackYourToy.pptx
@@ -2571,13 +2571,16 @@
         <a:lstStyle/>
         <a:p>
           <a:pPr>
+            <a:lnSpc>
+              <a:spcPct val="100000"/>
+            </a:lnSpc>
             <a:defRPr cap="all"/>
           </a:pPr>
           <a:r>
-            <a:rPr lang="fr-FR"/>
+            <a:rPr lang="fr-FR" dirty="0"/>
             <a:t>Chrome web-browser</a:t>
           </a:r>
-          <a:endParaRPr lang="en-US"/>
+          <a:endParaRPr lang="en-US" dirty="0"/>
         </a:p>
       </dgm:t>
     </dgm:pt>
@@ -2611,6 +2614,9 @@
         <a:lstStyle/>
         <a:p>
           <a:pPr>
+            <a:lnSpc>
+              <a:spcPct val="100000"/>
+            </a:lnSpc>
             <a:defRPr cap="all"/>
           </a:pPr>
           <a:r>
@@ -2623,7 +2629,19 @@
           </a:r>
           <a:r>
             <a:rPr lang="fr-FR" dirty="0"/>
-            <a:t> editor (Visual Studio Code, Sublime </a:t>
+            <a:t> editor </a:t>
+          </a:r>
+        </a:p>
+        <a:p>
+          <a:pPr>
+            <a:lnSpc>
+              <a:spcPct val="100000"/>
+            </a:lnSpc>
+            <a:defRPr cap="all"/>
+          </a:pPr>
+          <a:r>
+            <a:rPr lang="fr-FR" dirty="0"/>
+            <a:t>(VS Code, Sublime </a:t>
           </a:r>
           <a:r>
             <a:rPr lang="fr-FR" dirty="0" err="1"/>
@@ -2659,6 +2677,66 @@
         </a:p>
       </dgm:t>
     </dgm:pt>
+    <dgm:pt modelId="{A7BAE8F6-EBE0-4B31-A9EA-92EFAB498879}">
+      <dgm:prSet/>
+      <dgm:spPr/>
+      <dgm:t>
+        <a:bodyPr/>
+        <a:lstStyle/>
+        <a:p>
+          <a:pPr>
+            <a:lnSpc>
+              <a:spcPct val="100000"/>
+            </a:lnSpc>
+            <a:defRPr cap="all"/>
+          </a:pPr>
+          <a:r>
+            <a:rPr lang="en-US" dirty="0"/>
+            <a:t>A Bluetooth connector</a:t>
+          </a:r>
+          <a:endParaRPr lang="en-US" dirty="0">
+            <a:hlinkClick xmlns:r="http://schemas.openxmlformats.org/officeDocument/2006/relationships" r:id="rId1"/>
+          </a:endParaRPr>
+        </a:p>
+        <a:p>
+          <a:pPr>
+            <a:lnSpc>
+              <a:spcPct val="100000"/>
+            </a:lnSpc>
+            <a:defRPr cap="all"/>
+          </a:pPr>
+          <a:r>
+            <a:rPr lang="en-US" dirty="0">
+              <a:hlinkClick xmlns:r="http://schemas.openxmlformats.org/officeDocument/2006/relationships" r:id="rId1"/>
+            </a:rPr>
+            <a:t>https://www.amazon.com/Plugable-Bluetooth-Adapter-Raspberry-Compatible/dp/B009ZIILLI</a:t>
+          </a:r>
+          <a:endParaRPr lang="en-US" dirty="0"/>
+        </a:p>
+      </dgm:t>
+    </dgm:pt>
+    <dgm:pt modelId="{13DF959B-7204-494D-98FB-A3BB5E926417}" type="parTrans" cxnId="{DEC924F2-5DFC-4BB0-81C4-72F0734476B2}">
+      <dgm:prSet/>
+      <dgm:spPr/>
+      <dgm:t>
+        <a:bodyPr/>
+        <a:lstStyle/>
+        <a:p>
+          <a:endParaRPr lang="en-US"/>
+        </a:p>
+      </dgm:t>
+    </dgm:pt>
+    <dgm:pt modelId="{2E06DD33-D603-46C4-8AD0-33492B3FFEF2}" type="sibTrans" cxnId="{DEC924F2-5DFC-4BB0-81C4-72F0734476B2}">
+      <dgm:prSet/>
+      <dgm:spPr/>
+      <dgm:t>
+        <a:bodyPr/>
+        <a:lstStyle/>
+        <a:p>
+          <a:endParaRPr lang="en-US"/>
+        </a:p>
+      </dgm:t>
+    </dgm:pt>
     <dgm:pt modelId="{119DC426-ACF9-4541-AFFF-53F8056FEEA6}" type="pres">
       <dgm:prSet presAssocID="{E2FE9E51-AC0F-4703-8A03-EA856293271A}" presName="root" presStyleCnt="0">
         <dgm:presLayoutVars>
@@ -2673,7 +2751,7 @@
       <dgm:spPr/>
     </dgm:pt>
     <dgm:pt modelId="{CD11A416-E697-4B70-9753-88472124D763}" type="pres">
-      <dgm:prSet presAssocID="{ECA1677E-FCCB-40AF-93D0-51A0607F8C01}" presName="iconBgRect" presStyleLbl="bgShp" presStyleIdx="0" presStyleCnt="2"/>
+      <dgm:prSet presAssocID="{ECA1677E-FCCB-40AF-93D0-51A0607F8C01}" presName="iconBgRect" presStyleLbl="bgShp" presStyleIdx="0" presStyleCnt="3" custLinFactNeighborX="13452" custLinFactNeighborY="-2704"/>
       <dgm:spPr>
         <a:prstGeom prst="round2DiagRect">
           <a:avLst>
@@ -2684,16 +2762,16 @@
       </dgm:spPr>
     </dgm:pt>
     <dgm:pt modelId="{ED68D38F-83F1-4B3C-BE0B-5837012B99B3}" type="pres">
-      <dgm:prSet presAssocID="{ECA1677E-FCCB-40AF-93D0-51A0607F8C01}" presName="iconRect" presStyleLbl="node1" presStyleIdx="0" presStyleCnt="2"/>
+      <dgm:prSet presAssocID="{ECA1677E-FCCB-40AF-93D0-51A0607F8C01}" presName="iconRect" presStyleLbl="node1" presStyleIdx="0" presStyleCnt="3" custLinFactNeighborX="23445" custLinFactNeighborY="-4713"/>
       <dgm:spPr>
         <a:blipFill>
-          <a:blip xmlns:r="http://schemas.openxmlformats.org/officeDocument/2006/relationships" r:embed="rId1">
+          <a:blip xmlns:r="http://schemas.openxmlformats.org/officeDocument/2006/relationships" r:embed="rId2">
             <a:extLst>
               <a:ext uri="{28A0092B-C50C-407E-A947-70E740481C1C}">
                 <a14:useLocalDpi xmlns:a14="http://schemas.microsoft.com/office/drawing/2010/main" val="0"/>
               </a:ext>
               <a:ext uri="{96DAC541-7B7A-43D3-8B79-37D633B846F1}">
-                <asvg:svgBlip xmlns:asvg="http://schemas.microsoft.com/office/drawing/2016/SVG/main" r:embed="rId2"/>
+                <asvg:svgBlip xmlns:asvg="http://schemas.microsoft.com/office/drawing/2016/SVG/main" r:embed="rId3"/>
               </a:ext>
             </a:extLst>
           </a:blip>
@@ -2716,7 +2794,7 @@
       <dgm:spPr/>
     </dgm:pt>
     <dgm:pt modelId="{B97C7C68-060C-4A7E-8D2B-4650468BFE2C}" type="pres">
-      <dgm:prSet presAssocID="{ECA1677E-FCCB-40AF-93D0-51A0607F8C01}" presName="textRect" presStyleLbl="revTx" presStyleIdx="0" presStyleCnt="2">
+      <dgm:prSet presAssocID="{ECA1677E-FCCB-40AF-93D0-51A0607F8C01}" presName="textRect" presStyleLbl="revTx" presStyleIdx="0" presStyleCnt="3" custScaleX="101380" custLinFactNeighborX="8206" custLinFactNeighborY="-34565">
         <dgm:presLayoutVars>
           <dgm:chMax val="1"/>
           <dgm:chPref val="1"/>
@@ -2733,7 +2811,7 @@
       <dgm:spPr/>
     </dgm:pt>
     <dgm:pt modelId="{E483868C-BBE0-4B9A-A0E3-046B1A96E799}" type="pres">
-      <dgm:prSet presAssocID="{B7CA5452-D040-4A4E-AC57-621C93A53CA4}" presName="iconBgRect" presStyleLbl="bgShp" presStyleIdx="1" presStyleCnt="2"/>
+      <dgm:prSet presAssocID="{B7CA5452-D040-4A4E-AC57-621C93A53CA4}" presName="iconBgRect" presStyleLbl="bgShp" presStyleIdx="1" presStyleCnt="3" custLinFactNeighborX="-5628" custLinFactNeighborY="-1172"/>
       <dgm:spPr>
         <a:prstGeom prst="round2DiagRect">
           <a:avLst>
@@ -2744,16 +2822,16 @@
       </dgm:spPr>
     </dgm:pt>
     <dgm:pt modelId="{1BB9DB62-BEA7-4130-965F-EFED00E22180}" type="pres">
-      <dgm:prSet presAssocID="{B7CA5452-D040-4A4E-AC57-621C93A53CA4}" presName="iconRect" presStyleLbl="node1" presStyleIdx="1" presStyleCnt="2"/>
+      <dgm:prSet presAssocID="{B7CA5452-D040-4A4E-AC57-621C93A53CA4}" presName="iconRect" presStyleLbl="node1" presStyleIdx="1" presStyleCnt="3" custLinFactNeighborX="-9811" custLinFactNeighborY="-2042"/>
       <dgm:spPr>
         <a:blipFill>
-          <a:blip xmlns:r="http://schemas.openxmlformats.org/officeDocument/2006/relationships" r:embed="rId3">
+          <a:blip xmlns:r="http://schemas.openxmlformats.org/officeDocument/2006/relationships" r:embed="rId4">
             <a:extLst>
               <a:ext uri="{28A0092B-C50C-407E-A947-70E740481C1C}">
                 <a14:useLocalDpi xmlns:a14="http://schemas.microsoft.com/office/drawing/2010/main" val="0"/>
               </a:ext>
               <a:ext uri="{96DAC541-7B7A-43D3-8B79-37D633B846F1}">
-                <asvg:svgBlip xmlns:asvg="http://schemas.microsoft.com/office/drawing/2016/SVG/main" r:embed="rId4"/>
+                <asvg:svgBlip xmlns:asvg="http://schemas.microsoft.com/office/drawing/2016/SVG/main" r:embed="rId5"/>
               </a:ext>
             </a:extLst>
           </a:blip>
@@ -2776,7 +2854,62 @@
       <dgm:spPr/>
     </dgm:pt>
     <dgm:pt modelId="{C36941ED-5DA8-4069-BC84-144D8FCF12C8}" type="pres">
-      <dgm:prSet presAssocID="{B7CA5452-D040-4A4E-AC57-621C93A53CA4}" presName="textRect" presStyleLbl="revTx" presStyleIdx="1" presStyleCnt="2">
+      <dgm:prSet presAssocID="{B7CA5452-D040-4A4E-AC57-621C93A53CA4}" presName="textRect" presStyleLbl="revTx" presStyleIdx="1" presStyleCnt="3" custLinFactNeighborX="-2302" custLinFactNeighborY="-50777">
+        <dgm:presLayoutVars>
+          <dgm:chMax val="1"/>
+          <dgm:chPref val="1"/>
+        </dgm:presLayoutVars>
+      </dgm:prSet>
+      <dgm:spPr/>
+    </dgm:pt>
+    <dgm:pt modelId="{9C6EE070-B44D-4E71-BB5A-CA966FFDA2E8}" type="pres">
+      <dgm:prSet presAssocID="{81B151DD-4168-43F6-A364-EBDF76F99057}" presName="sibTrans" presStyleCnt="0"/>
+      <dgm:spPr/>
+    </dgm:pt>
+    <dgm:pt modelId="{D581F1A7-9ADC-4464-909F-2B980C10E7D1}" type="pres">
+      <dgm:prSet presAssocID="{A7BAE8F6-EBE0-4B31-A9EA-92EFAB498879}" presName="compNode" presStyleCnt="0"/>
+      <dgm:spPr/>
+    </dgm:pt>
+    <dgm:pt modelId="{8E743E34-868E-41DD-A707-BB6EFFF62D82}" type="pres">
+      <dgm:prSet presAssocID="{A7BAE8F6-EBE0-4B31-A9EA-92EFAB498879}" presName="iconBgRect" presStyleLbl="bgShp" presStyleIdx="2" presStyleCnt="3" custLinFactNeighborX="-11113" custLinFactNeighborY="-1172"/>
+      <dgm:spPr>
+        <a:prstGeom prst="round2DiagRect">
+          <a:avLst>
+            <a:gd name="adj1" fmla="val 29727"/>
+            <a:gd name="adj2" fmla="val 0"/>
+          </a:avLst>
+        </a:prstGeom>
+      </dgm:spPr>
+    </dgm:pt>
+    <dgm:pt modelId="{D3ADFE0C-E6B1-4B5B-A281-2D1B9E00528A}" type="pres">
+      <dgm:prSet presAssocID="{A7BAE8F6-EBE0-4B31-A9EA-92EFAB498879}" presName="iconRect" presStyleLbl="node1" presStyleIdx="2" presStyleCnt="3" custLinFactNeighborX="-19369" custLinFactNeighborY="-2043"/>
+      <dgm:spPr>
+        <a:blipFill>
+          <a:blip xmlns:r="http://schemas.openxmlformats.org/officeDocument/2006/relationships" r:embed="rId6">
+            <a:extLst>
+              <a:ext uri="{96DAC541-7B7A-43D3-8B79-37D633B846F1}">
+                <asvg:svgBlip xmlns:asvg="http://schemas.microsoft.com/office/drawing/2016/SVG/main" r:embed="rId7"/>
+              </a:ext>
+            </a:extLst>
+          </a:blip>
+          <a:srcRect/>
+          <a:stretch>
+            <a:fillRect/>
+          </a:stretch>
+        </a:blipFill>
+      </dgm:spPr>
+      <dgm:extLst>
+        <a:ext uri="{E40237B7-FDA0-4F09-8148-C483321AD2D9}">
+          <dgm14:cNvPr xmlns:dgm14="http://schemas.microsoft.com/office/drawing/2010/diagram" id="0" name="" descr="Usb Stick"/>
+        </a:ext>
+      </dgm:extLst>
+    </dgm:pt>
+    <dgm:pt modelId="{DB093FFB-DAAD-4B30-8A73-CB82EFA088E7}" type="pres">
+      <dgm:prSet presAssocID="{A7BAE8F6-EBE0-4B31-A9EA-92EFAB498879}" presName="spaceRect" presStyleCnt="0"/>
+      <dgm:spPr/>
+    </dgm:pt>
+    <dgm:pt modelId="{5A6A5CF1-306F-461C-9631-815652B61E65}" type="pres">
+      <dgm:prSet presAssocID="{A7BAE8F6-EBE0-4B31-A9EA-92EFAB498879}" presName="textRect" presStyleLbl="revTx" presStyleIdx="2" presStyleCnt="3" custLinFactNeighborX="-3480" custLinFactNeighborY="-66532">
         <dgm:presLayoutVars>
           <dgm:chMax val="1"/>
           <dgm:chPref val="1"/>
@@ -2791,6 +2924,8 @@
     <dgm:cxn modelId="{8C27035A-8C1B-4BE8-A4AF-E3DA3DA71EAA}" type="presOf" srcId="{B7CA5452-D040-4A4E-AC57-621C93A53CA4}" destId="{C36941ED-5DA8-4069-BC84-144D8FCF12C8}" srcOrd="0" destOrd="0" presId="urn:microsoft.com/office/officeart/2018/5/layout/IconLeafLabelList"/>
     <dgm:cxn modelId="{C12396E7-83C6-4C39-BF77-94AF4B5FA94B}" type="presOf" srcId="{E2FE9E51-AC0F-4703-8A03-EA856293271A}" destId="{119DC426-ACF9-4541-AFFF-53F8056FEEA6}" srcOrd="0" destOrd="0" presId="urn:microsoft.com/office/officeart/2018/5/layout/IconLeafLabelList"/>
     <dgm:cxn modelId="{51915FEC-EB2C-41D3-9AEF-6085B28CBBD9}" srcId="{E2FE9E51-AC0F-4703-8A03-EA856293271A}" destId="{ECA1677E-FCCB-40AF-93D0-51A0607F8C01}" srcOrd="0" destOrd="0" parTransId="{71074A8E-3D4D-45EE-B00C-DE0738D9BD20}" sibTransId="{32D6A8B6-3563-4326-8BB5-943464E9A141}"/>
+    <dgm:cxn modelId="{DEC924F2-5DFC-4BB0-81C4-72F0734476B2}" srcId="{E2FE9E51-AC0F-4703-8A03-EA856293271A}" destId="{A7BAE8F6-EBE0-4B31-A9EA-92EFAB498879}" srcOrd="2" destOrd="0" parTransId="{13DF959B-7204-494D-98FB-A3BB5E926417}" sibTransId="{2E06DD33-D603-46C4-8AD0-33492B3FFEF2}"/>
+    <dgm:cxn modelId="{AA692BF2-D5DB-4B3A-8E09-8440CCBAF2FE}" type="presOf" srcId="{A7BAE8F6-EBE0-4B31-A9EA-92EFAB498879}" destId="{5A6A5CF1-306F-461C-9631-815652B61E65}" srcOrd="0" destOrd="0" presId="urn:microsoft.com/office/officeart/2018/5/layout/IconLeafLabelList"/>
     <dgm:cxn modelId="{194E0F46-A02B-4ED6-8B1A-0469DD4D82FF}" type="presParOf" srcId="{119DC426-ACF9-4541-AFFF-53F8056FEEA6}" destId="{0B529B3E-781C-4A42-A0A5-D0A1E62C0162}" srcOrd="0" destOrd="0" presId="urn:microsoft.com/office/officeart/2018/5/layout/IconLeafLabelList"/>
     <dgm:cxn modelId="{379AC5F5-2EFA-4593-83DD-C9A011AFA042}" type="presParOf" srcId="{0B529B3E-781C-4A42-A0A5-D0A1E62C0162}" destId="{CD11A416-E697-4B70-9753-88472124D763}" srcOrd="0" destOrd="0" presId="urn:microsoft.com/office/officeart/2018/5/layout/IconLeafLabelList"/>
     <dgm:cxn modelId="{F299A7BF-CAB4-485A-993E-E666A4DA78D1}" type="presParOf" srcId="{0B529B3E-781C-4A42-A0A5-D0A1E62C0162}" destId="{ED68D38F-83F1-4B3C-BE0B-5837012B99B3}" srcOrd="1" destOrd="0" presId="urn:microsoft.com/office/officeart/2018/5/layout/IconLeafLabelList"/>
@@ -2802,6 +2937,12 @@
     <dgm:cxn modelId="{54176B80-A8D8-42E1-970E-CDC43D4599DF}" type="presParOf" srcId="{EEAA1C1F-C6CC-4EEA-A3F2-AD155F498FB7}" destId="{1BB9DB62-BEA7-4130-965F-EFED00E22180}" srcOrd="1" destOrd="0" presId="urn:microsoft.com/office/officeart/2018/5/layout/IconLeafLabelList"/>
     <dgm:cxn modelId="{BFF2526E-982B-405A-92FB-EDDC4943A0FF}" type="presParOf" srcId="{EEAA1C1F-C6CC-4EEA-A3F2-AD155F498FB7}" destId="{E58CDF8F-C79A-4F93-952C-E0CCC36D9E93}" srcOrd="2" destOrd="0" presId="urn:microsoft.com/office/officeart/2018/5/layout/IconLeafLabelList"/>
     <dgm:cxn modelId="{90892994-6857-4EDE-8973-C2ADCCC0E72A}" type="presParOf" srcId="{EEAA1C1F-C6CC-4EEA-A3F2-AD155F498FB7}" destId="{C36941ED-5DA8-4069-BC84-144D8FCF12C8}" srcOrd="3" destOrd="0" presId="urn:microsoft.com/office/officeart/2018/5/layout/IconLeafLabelList"/>
+    <dgm:cxn modelId="{8DD20596-9B62-4AA9-A27F-0BAD30130DFE}" type="presParOf" srcId="{119DC426-ACF9-4541-AFFF-53F8056FEEA6}" destId="{9C6EE070-B44D-4E71-BB5A-CA966FFDA2E8}" srcOrd="3" destOrd="0" presId="urn:microsoft.com/office/officeart/2018/5/layout/IconLeafLabelList"/>
+    <dgm:cxn modelId="{297DC759-8E67-4CA7-B577-2BFAFFDD4219}" type="presParOf" srcId="{119DC426-ACF9-4541-AFFF-53F8056FEEA6}" destId="{D581F1A7-9ADC-4464-909F-2B980C10E7D1}" srcOrd="4" destOrd="0" presId="urn:microsoft.com/office/officeart/2018/5/layout/IconLeafLabelList"/>
+    <dgm:cxn modelId="{07A45D00-409D-4A19-81A0-38158CD62BC0}" type="presParOf" srcId="{D581F1A7-9ADC-4464-909F-2B980C10E7D1}" destId="{8E743E34-868E-41DD-A707-BB6EFFF62D82}" srcOrd="0" destOrd="0" presId="urn:microsoft.com/office/officeart/2018/5/layout/IconLeafLabelList"/>
+    <dgm:cxn modelId="{6769660C-EF42-4FC7-878E-BE635C1BAEE0}" type="presParOf" srcId="{D581F1A7-9ADC-4464-909F-2B980C10E7D1}" destId="{D3ADFE0C-E6B1-4B5B-A281-2D1B9E00528A}" srcOrd="1" destOrd="0" presId="urn:microsoft.com/office/officeart/2018/5/layout/IconLeafLabelList"/>
+    <dgm:cxn modelId="{42ED8232-8346-496A-B7E5-4C6539CD2D8A}" type="presParOf" srcId="{D581F1A7-9ADC-4464-909F-2B980C10E7D1}" destId="{DB093FFB-DAAD-4B30-8A73-CB82EFA088E7}" srcOrd="2" destOrd="0" presId="urn:microsoft.com/office/officeart/2018/5/layout/IconLeafLabelList"/>
+    <dgm:cxn modelId="{B7F2A0A5-9F5C-4687-B52B-B4E70F4755BF}" type="presParOf" srcId="{D581F1A7-9ADC-4464-909F-2B980C10E7D1}" destId="{5A6A5CF1-306F-461C-9631-815652B61E65}" srcOrd="3" destOrd="0" presId="urn:microsoft.com/office/officeart/2018/5/layout/IconLeafLabelList"/>
   </dgm:cxnLst>
   <dgm:bg/>
   <dgm:whole/>
@@ -3748,8 +3889,8 @@
       </dsp:nvSpPr>
       <dsp:spPr>
         <a:xfrm>
-          <a:off x="2044800" y="378761"/>
-          <a:ext cx="2196000" cy="2196000"/>
+          <a:off x="932914" y="518982"/>
+          <a:ext cx="1887187" cy="1887187"/>
         </a:xfrm>
         <a:prstGeom prst="round2DiagRect">
           <a:avLst>
@@ -3790,8 +3931,8 @@
       </dsp:nvSpPr>
       <dsp:spPr>
         <a:xfrm>
-          <a:off x="2512800" y="846761"/>
-          <a:ext cx="1260000" cy="1260000"/>
+          <a:off x="1335102" y="921166"/>
+          <a:ext cx="1082812" cy="1082812"/>
         </a:xfrm>
         <a:prstGeom prst="rect">
           <a:avLst/>
@@ -3840,8 +3981,8 @@
       </dsp:nvSpPr>
       <dsp:spPr>
         <a:xfrm>
-          <a:off x="1342800" y="3258762"/>
-          <a:ext cx="3600000" cy="720000"/>
+          <a:off x="308294" y="2788366"/>
+          <a:ext cx="3136443" cy="742500"/>
         </a:xfrm>
         <a:prstGeom prst="rect">
           <a:avLst/>
@@ -3870,9 +4011,9 @@
         </a:bodyPr>
         <a:lstStyle/>
         <a:p>
-          <a:pPr marL="0" lvl="0" indent="0" algn="ctr" defTabSz="977900">
+          <a:pPr marL="0" lvl="0" indent="0" algn="ctr" defTabSz="488950">
             <a:lnSpc>
-              <a:spcPct val="90000"/>
+              <a:spcPct val="100000"/>
             </a:lnSpc>
             <a:spcBef>
               <a:spcPct val="0"/>
@@ -3884,15 +4025,15 @@
             <a:defRPr cap="all"/>
           </a:pPr>
           <a:r>
-            <a:rPr lang="fr-FR" sz="2200" kern="1200"/>
+            <a:rPr lang="fr-FR" sz="1100" kern="1200" dirty="0"/>
             <a:t>Chrome web-browser</a:t>
           </a:r>
-          <a:endParaRPr lang="en-US" sz="2200" kern="1200"/>
+          <a:endParaRPr lang="en-US" sz="1100" kern="1200" dirty="0"/>
         </a:p>
       </dsp:txBody>
       <dsp:txXfrm>
-        <a:off x="1342800" y="3258762"/>
-        <a:ext cx="3600000" cy="720000"/>
+        <a:off x="308294" y="2788366"/>
+        <a:ext cx="3136443" cy="742500"/>
       </dsp:txXfrm>
     </dsp:sp>
     <dsp:sp modelId="{E483868C-BBE0-4B9A-A0E3-046B1A96E799}">
@@ -3902,8 +4043,8 @@
       </dsp:nvSpPr>
       <dsp:spPr>
         <a:xfrm>
-          <a:off x="6274800" y="378761"/>
-          <a:ext cx="2196000" cy="2196000"/>
+          <a:off x="4229342" y="547894"/>
+          <a:ext cx="1887187" cy="1887187"/>
         </a:xfrm>
         <a:prstGeom prst="round2DiagRect">
           <a:avLst>
@@ -3944,8 +4085,8 @@
       </dsp:nvSpPr>
       <dsp:spPr>
         <a:xfrm>
-          <a:off x="6742800" y="846761"/>
-          <a:ext cx="1260000" cy="1260000"/>
+          <a:off x="4631505" y="950088"/>
+          <a:ext cx="1082812" cy="1082812"/>
         </a:xfrm>
         <a:prstGeom prst="rect">
           <a:avLst/>
@@ -3994,8 +4135,8 @@
       </dsp:nvSpPr>
       <dsp:spPr>
         <a:xfrm>
-          <a:off x="5572800" y="3258762"/>
-          <a:ext cx="3600000" cy="720000"/>
+          <a:off x="3661053" y="2667992"/>
+          <a:ext cx="3093750" cy="742500"/>
         </a:xfrm>
         <a:prstGeom prst="rect">
           <a:avLst/>
@@ -4024,9 +4165,9 @@
         </a:bodyPr>
         <a:lstStyle/>
         <a:p>
-          <a:pPr marL="0" lvl="0" indent="0" algn="ctr" defTabSz="977900">
+          <a:pPr marL="0" lvl="0" indent="0" algn="ctr" defTabSz="488950">
             <a:lnSpc>
-              <a:spcPct val="90000"/>
+              <a:spcPct val="100000"/>
             </a:lnSpc>
             <a:spcBef>
               <a:spcPct val="0"/>
@@ -4038,31 +4179,234 @@
             <a:defRPr cap="all"/>
           </a:pPr>
           <a:r>
-            <a:rPr lang="fr-FR" sz="2200" kern="1200" dirty="0"/>
+            <a:rPr lang="fr-FR" sz="1100" kern="1200" dirty="0"/>
             <a:t>A </a:t>
           </a:r>
           <a:r>
-            <a:rPr lang="fr-FR" sz="2200" kern="1200" dirty="0" err="1"/>
+            <a:rPr lang="fr-FR" sz="1100" kern="1200" dirty="0" err="1"/>
             <a:t>text</a:t>
           </a:r>
           <a:r>
-            <a:rPr lang="fr-FR" sz="2200" kern="1200" dirty="0"/>
-            <a:t> editor (Visual Studio Code, Sublime </a:t>
+            <a:rPr lang="fr-FR" sz="1100" kern="1200" dirty="0"/>
+            <a:t> editor </a:t>
+          </a:r>
+        </a:p>
+        <a:p>
+          <a:pPr marL="0" lvl="0" indent="0" algn="ctr" defTabSz="488950">
+            <a:lnSpc>
+              <a:spcPct val="100000"/>
+            </a:lnSpc>
+            <a:spcBef>
+              <a:spcPct val="0"/>
+            </a:spcBef>
+            <a:spcAft>
+              <a:spcPct val="35000"/>
+            </a:spcAft>
+            <a:buNone/>
+            <a:defRPr cap="all"/>
+          </a:pPr>
+          <a:r>
+            <a:rPr lang="fr-FR" sz="1100" kern="1200" dirty="0"/>
+            <a:t>(VS Code, Sublime </a:t>
           </a:r>
           <a:r>
-            <a:rPr lang="fr-FR" sz="2200" kern="1200" dirty="0" err="1"/>
+            <a:rPr lang="fr-FR" sz="1100" kern="1200" dirty="0" err="1"/>
             <a:t>Text</a:t>
           </a:r>
           <a:r>
-            <a:rPr lang="fr-FR" sz="2200" kern="1200" dirty="0"/>
+            <a:rPr lang="fr-FR" sz="1100" kern="1200" dirty="0"/>
             <a:t>, …)</a:t>
           </a:r>
-          <a:endParaRPr lang="en-US" sz="2200" kern="1200" dirty="0"/>
+          <a:endParaRPr lang="en-US" sz="1100" kern="1200" dirty="0"/>
         </a:p>
       </dsp:txBody>
       <dsp:txXfrm>
-        <a:off x="5572800" y="3258762"/>
-        <a:ext cx="3600000" cy="720000"/>
+        <a:off x="3661053" y="2667992"/>
+        <a:ext cx="3093750" cy="742500"/>
+      </dsp:txXfrm>
+    </dsp:sp>
+    <dsp:sp modelId="{8E743E34-868E-41DD-A707-BB6EFFF62D82}">
+      <dsp:nvSpPr>
+        <dsp:cNvPr id="0" name=""/>
+        <dsp:cNvSpPr/>
+      </dsp:nvSpPr>
+      <dsp:spPr>
+        <a:xfrm>
+          <a:off x="7760986" y="547894"/>
+          <a:ext cx="1887187" cy="1887187"/>
+        </a:xfrm>
+        <a:prstGeom prst="round2DiagRect">
+          <a:avLst>
+            <a:gd name="adj1" fmla="val 29727"/>
+            <a:gd name="adj2" fmla="val 0"/>
+          </a:avLst>
+        </a:prstGeom>
+        <a:solidFill>
+          <a:schemeClr val="dk2">
+            <a:hueOff val="0"/>
+            <a:satOff val="0"/>
+            <a:lumOff val="0"/>
+            <a:alphaOff val="0"/>
+          </a:schemeClr>
+        </a:solidFill>
+        <a:ln>
+          <a:noFill/>
+        </a:ln>
+        <a:effectLst/>
+      </dsp:spPr>
+      <dsp:style>
+        <a:lnRef idx="0">
+          <a:scrgbClr r="0" g="0" b="0"/>
+        </a:lnRef>
+        <a:fillRef idx="1">
+          <a:scrgbClr r="0" g="0" b="0"/>
+        </a:fillRef>
+        <a:effectRef idx="0">
+          <a:scrgbClr r="0" g="0" b="0"/>
+        </a:effectRef>
+        <a:fontRef idx="minor"/>
+      </dsp:style>
+    </dsp:sp>
+    <dsp:sp modelId="{D3ADFE0C-E6B1-4B5B-A281-2D1B9E00528A}">
+      <dsp:nvSpPr>
+        <dsp:cNvPr id="0" name=""/>
+        <dsp:cNvSpPr/>
+      </dsp:nvSpPr>
+      <dsp:spPr>
+        <a:xfrm>
+          <a:off x="8163166" y="950077"/>
+          <a:ext cx="1082812" cy="1082812"/>
+        </a:xfrm>
+        <a:prstGeom prst="rect">
+          <a:avLst/>
+        </a:prstGeom>
+        <a:blipFill>
+          <a:blip xmlns:r="http://schemas.openxmlformats.org/officeDocument/2006/relationships" r:embed="rId5">
+            <a:extLst>
+              <a:ext uri="{96DAC541-7B7A-43D3-8B79-37D633B846F1}">
+                <asvg:svgBlip xmlns:asvg="http://schemas.microsoft.com/office/drawing/2016/SVG/main" r:embed="rId6"/>
+              </a:ext>
+            </a:extLst>
+          </a:blip>
+          <a:srcRect/>
+          <a:stretch>
+            <a:fillRect/>
+          </a:stretch>
+        </a:blipFill>
+        <a:ln w="12700" cap="flat" cmpd="sng" algn="ctr">
+          <a:solidFill>
+            <a:schemeClr val="lt2">
+              <a:alpha val="0"/>
+              <a:hueOff val="0"/>
+              <a:satOff val="0"/>
+              <a:lumOff val="0"/>
+              <a:alphaOff val="0"/>
+            </a:schemeClr>
+          </a:solidFill>
+          <a:prstDash val="solid"/>
+          <a:miter lim="800000"/>
+        </a:ln>
+        <a:effectLst/>
+      </dsp:spPr>
+      <dsp:style>
+        <a:lnRef idx="2">
+          <a:scrgbClr r="0" g="0" b="0"/>
+        </a:lnRef>
+        <a:fillRef idx="1">
+          <a:scrgbClr r="0" g="0" b="0"/>
+        </a:fillRef>
+        <a:effectRef idx="0">
+          <a:scrgbClr r="0" g="0" b="0"/>
+        </a:effectRef>
+        <a:fontRef idx="minor">
+          <a:schemeClr val="lt1"/>
+        </a:fontRef>
+      </dsp:style>
+    </dsp:sp>
+    <dsp:sp modelId="{5A6A5CF1-306F-461C-9631-815652B61E65}">
+      <dsp:nvSpPr>
+        <dsp:cNvPr id="0" name=""/>
+        <dsp:cNvSpPr/>
+      </dsp:nvSpPr>
+      <dsp:spPr>
+        <a:xfrm>
+          <a:off x="7259765" y="2551011"/>
+          <a:ext cx="3093750" cy="742500"/>
+        </a:xfrm>
+        <a:prstGeom prst="rect">
+          <a:avLst/>
+        </a:prstGeom>
+        <a:noFill/>
+        <a:ln>
+          <a:noFill/>
+        </a:ln>
+        <a:effectLst/>
+      </dsp:spPr>
+      <dsp:style>
+        <a:lnRef idx="0">
+          <a:scrgbClr r="0" g="0" b="0"/>
+        </a:lnRef>
+        <a:fillRef idx="0">
+          <a:scrgbClr r="0" g="0" b="0"/>
+        </a:fillRef>
+        <a:effectRef idx="0">
+          <a:scrgbClr r="0" g="0" b="0"/>
+        </a:effectRef>
+        <a:fontRef idx="minor"/>
+      </dsp:style>
+      <dsp:txBody>
+        <a:bodyPr spcFirstLastPara="0" vert="horz" wrap="square" lIns="0" tIns="0" rIns="0" bIns="0" numCol="1" spcCol="1270" anchor="t" anchorCtr="0">
+          <a:noAutofit/>
+        </a:bodyPr>
+        <a:lstStyle/>
+        <a:p>
+          <a:pPr marL="0" lvl="0" indent="0" algn="ctr" defTabSz="488950">
+            <a:lnSpc>
+              <a:spcPct val="100000"/>
+            </a:lnSpc>
+            <a:spcBef>
+              <a:spcPct val="0"/>
+            </a:spcBef>
+            <a:spcAft>
+              <a:spcPct val="35000"/>
+            </a:spcAft>
+            <a:buNone/>
+            <a:defRPr cap="all"/>
+          </a:pPr>
+          <a:r>
+            <a:rPr lang="en-US" sz="1100" kern="1200" dirty="0"/>
+            <a:t>A Bluetooth connector</a:t>
+          </a:r>
+          <a:endParaRPr lang="en-US" sz="1100" kern="1200" dirty="0">
+            <a:hlinkClick xmlns:r="http://schemas.openxmlformats.org/officeDocument/2006/relationships" r:id="rId7"/>
+          </a:endParaRPr>
+        </a:p>
+        <a:p>
+          <a:pPr marL="0" lvl="0" indent="0" algn="ctr" defTabSz="488950">
+            <a:lnSpc>
+              <a:spcPct val="100000"/>
+            </a:lnSpc>
+            <a:spcBef>
+              <a:spcPct val="0"/>
+            </a:spcBef>
+            <a:spcAft>
+              <a:spcPct val="35000"/>
+            </a:spcAft>
+            <a:buNone/>
+            <a:defRPr cap="all"/>
+          </a:pPr>
+          <a:r>
+            <a:rPr lang="en-US" sz="1100" kern="1200" dirty="0">
+              <a:hlinkClick xmlns:r="http://schemas.openxmlformats.org/officeDocument/2006/relationships" r:id="rId7"/>
+            </a:rPr>
+            <a:t>https://www.amazon.com/Plugable-Bluetooth-Adapter-Raspberry-Compatible/dp/B009ZIILLI</a:t>
+          </a:r>
+          <a:endParaRPr lang="en-US" sz="1100" kern="1200" dirty="0"/>
+        </a:p>
+      </dsp:txBody>
+      <dsp:txXfrm>
+        <a:off x="7259765" y="2551011"/>
+        <a:ext cx="3093750" cy="742500"/>
       </dsp:txXfrm>
     </dsp:sp>
   </dsp:spTree>
@@ -17379,7 +17723,7 @@
             <p:ph idx="1"/>
             <p:extLst>
               <p:ext uri="{D42A27DB-BD31-4B8C-83A1-F6EECF244321}">
-                <p14:modId xmlns:p14="http://schemas.microsoft.com/office/powerpoint/2010/main" val="225326065"/>
+                <p14:modId xmlns:p14="http://schemas.microsoft.com/office/powerpoint/2010/main" val="1349664507"/>
               </p:ext>
             </p:extLst>
           </p:nvPr>
